--- a/documentatie/scrum presentaties/sprint 1.pptx
+++ b/documentatie/scrum presentaties/sprint 1.pptx
@@ -7,10 +7,11 @@
   <p:sldIdLst>
     <p:sldId id="256" r:id="rId2"/>
     <p:sldId id="257" r:id="rId3"/>
-    <p:sldId id="258" r:id="rId4"/>
-    <p:sldId id="259" r:id="rId5"/>
-    <p:sldId id="260" r:id="rId6"/>
-    <p:sldId id="261" r:id="rId7"/>
+    <p:sldId id="262" r:id="rId4"/>
+    <p:sldId id="258" r:id="rId5"/>
+    <p:sldId id="259" r:id="rId6"/>
+    <p:sldId id="260" r:id="rId7"/>
+    <p:sldId id="261" r:id="rId8"/>
   </p:sldIdLst>
   <p:sldSz cx="12192000" cy="6858000"/>
   <p:notesSz cx="6858000" cy="9144000"/>
@@ -109,6 +110,11 @@
       </a:defRPr>
     </a:lvl9pPr>
   </p:defaultTextStyle>
+  <p:extLst>
+    <p:ext uri="{EFAFB233-063F-42B5-8137-9DF3F51BA10A}">
+      <p15:sldGuideLst xmlns:p15="http://schemas.microsoft.com/office/powerpoint/2012/main"/>
+    </p:ext>
+  </p:extLst>
 </p:presentation>
 </file>
 
@@ -857,7 +863,7 @@
           <a:p>
             <a:fld id="{08FAC342-9467-4EF1-BE59-841E266529DF}" type="datetimeFigureOut">
               <a:rPr lang="nl-NL" smtClean="0"/>
-              <a:t>19-9-2025</a:t>
+              <a:t>23-9-2025</a:t>
             </a:fld>
             <a:endParaRPr lang="nl-NL"/>
           </a:p>
@@ -1108,7 +1114,7 @@
           <a:p>
             <a:fld id="{08FAC342-9467-4EF1-BE59-841E266529DF}" type="datetimeFigureOut">
               <a:rPr lang="nl-NL" smtClean="0"/>
-              <a:t>19-9-2025</a:t>
+              <a:t>23-9-2025</a:t>
             </a:fld>
             <a:endParaRPr lang="nl-NL"/>
           </a:p>
@@ -1422,7 +1428,7 @@
           <a:p>
             <a:fld id="{08FAC342-9467-4EF1-BE59-841E266529DF}" type="datetimeFigureOut">
               <a:rPr lang="nl-NL" smtClean="0"/>
-              <a:t>19-9-2025</a:t>
+              <a:t>23-9-2025</a:t>
             </a:fld>
             <a:endParaRPr lang="nl-NL"/>
           </a:p>
@@ -1755,7 +1761,7 @@
           <a:p>
             <a:fld id="{08FAC342-9467-4EF1-BE59-841E266529DF}" type="datetimeFigureOut">
               <a:rPr lang="nl-NL" smtClean="0"/>
-              <a:t>19-9-2025</a:t>
+              <a:t>23-9-2025</a:t>
             </a:fld>
             <a:endParaRPr lang="nl-NL"/>
           </a:p>
@@ -2069,7 +2075,7 @@
           <a:p>
             <a:fld id="{08FAC342-9467-4EF1-BE59-841E266529DF}" type="datetimeFigureOut">
               <a:rPr lang="nl-NL" smtClean="0"/>
-              <a:t>19-9-2025</a:t>
+              <a:t>23-9-2025</a:t>
             </a:fld>
             <a:endParaRPr lang="nl-NL"/>
           </a:p>
@@ -2462,7 +2468,7 @@
           <a:p>
             <a:fld id="{08FAC342-9467-4EF1-BE59-841E266529DF}" type="datetimeFigureOut">
               <a:rPr lang="nl-NL" smtClean="0"/>
-              <a:t>19-9-2025</a:t>
+              <a:t>23-9-2025</a:t>
             </a:fld>
             <a:endParaRPr lang="nl-NL"/>
           </a:p>
@@ -2632,7 +2638,7 @@
           <a:p>
             <a:fld id="{08FAC342-9467-4EF1-BE59-841E266529DF}" type="datetimeFigureOut">
               <a:rPr lang="nl-NL" smtClean="0"/>
-              <a:t>19-9-2025</a:t>
+              <a:t>23-9-2025</a:t>
             </a:fld>
             <a:endParaRPr lang="nl-NL"/>
           </a:p>
@@ -2812,7 +2818,7 @@
           <a:p>
             <a:fld id="{08FAC342-9467-4EF1-BE59-841E266529DF}" type="datetimeFigureOut">
               <a:rPr lang="nl-NL" smtClean="0"/>
-              <a:t>19-9-2025</a:t>
+              <a:t>23-9-2025</a:t>
             </a:fld>
             <a:endParaRPr lang="nl-NL"/>
           </a:p>
@@ -2982,7 +2988,7 @@
           <a:p>
             <a:fld id="{08FAC342-9467-4EF1-BE59-841E266529DF}" type="datetimeFigureOut">
               <a:rPr lang="nl-NL" smtClean="0"/>
-              <a:t>19-9-2025</a:t>
+              <a:t>23-9-2025</a:t>
             </a:fld>
             <a:endParaRPr lang="nl-NL"/>
           </a:p>
@@ -3229,7 +3235,7 @@
           <a:p>
             <a:fld id="{08FAC342-9467-4EF1-BE59-841E266529DF}" type="datetimeFigureOut">
               <a:rPr lang="nl-NL" smtClean="0"/>
-              <a:t>19-9-2025</a:t>
+              <a:t>23-9-2025</a:t>
             </a:fld>
             <a:endParaRPr lang="nl-NL"/>
           </a:p>
@@ -3461,7 +3467,7 @@
           <a:p>
             <a:fld id="{08FAC342-9467-4EF1-BE59-841E266529DF}" type="datetimeFigureOut">
               <a:rPr lang="nl-NL" smtClean="0"/>
-              <a:t>19-9-2025</a:t>
+              <a:t>23-9-2025</a:t>
             </a:fld>
             <a:endParaRPr lang="nl-NL"/>
           </a:p>
@@ -3835,7 +3841,7 @@
           <a:p>
             <a:fld id="{08FAC342-9467-4EF1-BE59-841E266529DF}" type="datetimeFigureOut">
               <a:rPr lang="nl-NL" smtClean="0"/>
-              <a:t>19-9-2025</a:t>
+              <a:t>23-9-2025</a:t>
             </a:fld>
             <a:endParaRPr lang="nl-NL"/>
           </a:p>
@@ -3958,7 +3964,7 @@
           <a:p>
             <a:fld id="{08FAC342-9467-4EF1-BE59-841E266529DF}" type="datetimeFigureOut">
               <a:rPr lang="nl-NL" smtClean="0"/>
-              <a:t>19-9-2025</a:t>
+              <a:t>23-9-2025</a:t>
             </a:fld>
             <a:endParaRPr lang="nl-NL"/>
           </a:p>
@@ -4053,7 +4059,7 @@
           <a:p>
             <a:fld id="{08FAC342-9467-4EF1-BE59-841E266529DF}" type="datetimeFigureOut">
               <a:rPr lang="nl-NL" smtClean="0"/>
-              <a:t>19-9-2025</a:t>
+              <a:t>23-9-2025</a:t>
             </a:fld>
             <a:endParaRPr lang="nl-NL"/>
           </a:p>
@@ -4308,7 +4314,7 @@
           <a:p>
             <a:fld id="{08FAC342-9467-4EF1-BE59-841E266529DF}" type="datetimeFigureOut">
               <a:rPr lang="nl-NL" smtClean="0"/>
-              <a:t>19-9-2025</a:t>
+              <a:t>23-9-2025</a:t>
             </a:fld>
             <a:endParaRPr lang="nl-NL"/>
           </a:p>
@@ -4613,7 +4619,7 @@
           <a:p>
             <a:fld id="{08FAC342-9467-4EF1-BE59-841E266529DF}" type="datetimeFigureOut">
               <a:rPr lang="nl-NL" smtClean="0"/>
-              <a:t>19-9-2025</a:t>
+              <a:t>23-9-2025</a:t>
             </a:fld>
             <a:endParaRPr lang="nl-NL"/>
           </a:p>
@@ -5315,7 +5321,7 @@
           <a:p>
             <a:fld id="{08FAC342-9467-4EF1-BE59-841E266529DF}" type="datetimeFigureOut">
               <a:rPr lang="nl-NL" smtClean="0"/>
-              <a:t>19-9-2025</a:t>
+              <a:t>23-9-2025</a:t>
             </a:fld>
             <a:endParaRPr lang="nl-NL"/>
           </a:p>
@@ -6016,16 +6022,19 @@
           <a:lstStyle/>
           <a:p>
             <a:r>
-              <a:rPr lang="en-US" dirty="0"/>
-              <a:t>O</a:t>
+              <a:rPr lang="nl-NL" dirty="0"/>
+              <a:t>Gesprek met de product </a:t>
             </a:r>
             <a:r>
               <a:rPr lang="nl-NL" dirty="0" err="1"/>
-              <a:t>nderzoek</a:t>
-            </a:r>
+              <a:t>owner</a:t>
+            </a:r>
+            <a:endParaRPr lang="nl-NL" dirty="0"/>
+          </a:p>
+          <a:p>
             <a:r>
               <a:rPr lang="nl-NL" dirty="0"/>
-              <a:t> naar sensoren</a:t>
+              <a:t>Onderzoek naar sensoren</a:t>
             </a:r>
           </a:p>
           <a:p>
@@ -6090,6 +6099,910 @@
           <a:chExt cx="0" cy="0"/>
         </a:xfrm>
       </p:grpSpPr>
+      <p:pic>
+        <p:nvPicPr>
+          <p:cNvPr id="5" name="Tijdelijke aanduiding voor inhoud 4" descr="Afbeelding met buitenshuis, gebouw, meer, water&#10;&#10;Door AI gegenereerde inhoud is mogelijk onjuist.">
+            <a:extLst>
+              <a:ext uri="{FF2B5EF4-FFF2-40B4-BE49-F238E27FC236}">
+                <a16:creationId xmlns:a16="http://schemas.microsoft.com/office/drawing/2014/main" id="{BB94B75D-87A4-DFA8-DB72-0AA0B49EE814}"/>
+              </a:ext>
+            </a:extLst>
+          </p:cNvPr>
+          <p:cNvPicPr>
+            <a:picLocks noChangeAspect="1"/>
+          </p:cNvPicPr>
+          <p:nvPr/>
+        </p:nvPicPr>
+        <p:blipFill>
+          <a:blip r:embed="rId2">
+            <a:extLst>
+              <a:ext uri="{28A0092B-C50C-407E-A947-70E740481C1C}">
+                <a14:useLocalDpi xmlns:a14="http://schemas.microsoft.com/office/drawing/2010/main" val="0"/>
+              </a:ext>
+            </a:extLst>
+          </a:blip>
+          <a:srcRect l="13362"/>
+          <a:stretch>
+            <a:fillRect/>
+          </a:stretch>
+        </p:blipFill>
+        <p:spPr>
+          <a:xfrm>
+            <a:off x="4269854" y="-1"/>
+            <a:ext cx="7922146" cy="6858001"/>
+          </a:xfrm>
+          <a:custGeom>
+            <a:avLst/>
+            <a:gdLst/>
+            <a:ahLst/>
+            <a:cxnLst/>
+            <a:rect l="l" t="t" r="r" b="b"/>
+            <a:pathLst>
+              <a:path w="7922146" h="6858001">
+                <a:moveTo>
+                  <a:pt x="379987" y="0"/>
+                </a:moveTo>
+                <a:lnTo>
+                  <a:pt x="5304971" y="0"/>
+                </a:lnTo>
+                <a:lnTo>
+                  <a:pt x="7065281" y="0"/>
+                </a:lnTo>
+                <a:lnTo>
+                  <a:pt x="7397540" y="0"/>
+                </a:lnTo>
+                <a:lnTo>
+                  <a:pt x="7397540" y="1"/>
+                </a:lnTo>
+                <a:lnTo>
+                  <a:pt x="7922146" y="1"/>
+                </a:lnTo>
+                <a:lnTo>
+                  <a:pt x="7922146" y="6858001"/>
+                </a:lnTo>
+                <a:lnTo>
+                  <a:pt x="7065281" y="6858001"/>
+                </a:lnTo>
+                <a:lnTo>
+                  <a:pt x="7065281" y="6858000"/>
+                </a:lnTo>
+                <a:lnTo>
+                  <a:pt x="5932989" y="6858000"/>
+                </a:lnTo>
+                <a:lnTo>
+                  <a:pt x="5932989" y="6858001"/>
+                </a:lnTo>
+                <a:lnTo>
+                  <a:pt x="27809" y="6858001"/>
+                </a:lnTo>
+                <a:lnTo>
+                  <a:pt x="1803228" y="4521201"/>
+                </a:lnTo>
+                <a:close/>
+                <a:moveTo>
+                  <a:pt x="0" y="0"/>
+                </a:moveTo>
+                <a:lnTo>
+                  <a:pt x="379987" y="0"/>
+                </a:lnTo>
+                <a:lnTo>
+                  <a:pt x="0" y="407"/>
+                </a:lnTo>
+                <a:close/>
+              </a:path>
+            </a:pathLst>
+          </a:custGeom>
+        </p:spPr>
+      </p:pic>
+      <p:sp>
+        <p:nvSpPr>
+          <p:cNvPr id="2" name="Titel 1">
+            <a:extLst>
+              <a:ext uri="{FF2B5EF4-FFF2-40B4-BE49-F238E27FC236}">
+                <a16:creationId xmlns:a16="http://schemas.microsoft.com/office/drawing/2014/main" id="{A33DC8E8-02C7-CA06-DC51-1668982B78E7}"/>
+              </a:ext>
+            </a:extLst>
+          </p:cNvPr>
+          <p:cNvSpPr>
+            <a:spLocks noGrp="1"/>
+          </p:cNvSpPr>
+          <p:nvPr>
+            <p:ph type="title"/>
+          </p:nvPr>
+        </p:nvSpPr>
+        <p:spPr>
+          <a:xfrm>
+            <a:off x="677333" y="609600"/>
+            <a:ext cx="3851123" cy="1320800"/>
+          </a:xfrm>
+        </p:spPr>
+        <p:txBody>
+          <a:bodyPr>
+            <a:normAutofit/>
+          </a:bodyPr>
+          <a:lstStyle/>
+          <a:p>
+            <a:r>
+              <a:rPr lang="en-US" dirty="0" err="1"/>
+              <a:t>Gesprek</a:t>
+            </a:r>
+            <a:r>
+              <a:rPr lang="en-US" dirty="0"/>
+              <a:t> met product owner</a:t>
+            </a:r>
+            <a:endParaRPr lang="nl-NL" dirty="0"/>
+          </a:p>
+        </p:txBody>
+      </p:sp>
+      <p:sp>
+        <p:nvSpPr>
+          <p:cNvPr id="9" name="Content Placeholder 8">
+            <a:extLst>
+              <a:ext uri="{FF2B5EF4-FFF2-40B4-BE49-F238E27FC236}">
+                <a16:creationId xmlns:a16="http://schemas.microsoft.com/office/drawing/2014/main" id="{0DA4438D-7104-8BA3-6B01-D81D3D9D99FD}"/>
+              </a:ext>
+            </a:extLst>
+          </p:cNvPr>
+          <p:cNvSpPr>
+            <a:spLocks noGrp="1"/>
+          </p:cNvSpPr>
+          <p:nvPr>
+            <p:ph idx="1"/>
+          </p:nvPr>
+        </p:nvSpPr>
+        <p:spPr>
+          <a:xfrm>
+            <a:off x="677334" y="2160589"/>
+            <a:ext cx="3851122" cy="3880773"/>
+          </a:xfrm>
+        </p:spPr>
+        <p:txBody>
+          <a:bodyPr>
+            <a:normAutofit/>
+          </a:bodyPr>
+          <a:lstStyle/>
+          <a:p>
+            <a:r>
+              <a:rPr lang="en-US" dirty="0" err="1"/>
+              <a:t>Uitleg</a:t>
+            </a:r>
+            <a:r>
+              <a:rPr lang="en-US" dirty="0"/>
+              <a:t> </a:t>
+            </a:r>
+            <a:r>
+              <a:rPr lang="en-US" dirty="0" err="1"/>
+              <a:t>gekregen</a:t>
+            </a:r>
+            <a:r>
+              <a:rPr lang="en-US" dirty="0"/>
+              <a:t> over hoe het system </a:t>
+            </a:r>
+            <a:r>
+              <a:rPr lang="en-US" dirty="0" err="1"/>
+              <a:t>werkt</a:t>
+            </a:r>
+            <a:endParaRPr lang="en-US" dirty="0"/>
+          </a:p>
+          <a:p>
+            <a:endParaRPr lang="en-US" dirty="0"/>
+          </a:p>
+        </p:txBody>
+      </p:sp>
+      <p:cxnSp>
+        <p:nvCxnSpPr>
+          <p:cNvPr id="14" name="Straight Connector 13">
+            <a:extLst>
+              <a:ext uri="{FF2B5EF4-FFF2-40B4-BE49-F238E27FC236}">
+                <a16:creationId xmlns:a16="http://schemas.microsoft.com/office/drawing/2014/main" id="{64FA5DFF-7FE6-4855-84E6-DFA78EE978BD}"/>
+              </a:ext>
+              <a:ext uri="{C183D7F6-B498-43B3-948B-1728B52AA6E4}">
+                <adec:decorative xmlns:adec="http://schemas.microsoft.com/office/drawing/2017/decorative" val="1"/>
+              </a:ext>
+            </a:extLst>
+          </p:cNvPr>
+          <p:cNvCxnSpPr>
+            <a:cxnSpLocks noGrp="1" noRot="1" noChangeAspect="1" noMove="1" noResize="1" noEditPoints="1" noAdjustHandles="1" noChangeArrowheads="1" noChangeShapeType="1"/>
+          </p:cNvCxnSpPr>
+          <p:nvPr>
+            <p:extLst>
+              <p:ext uri="{386F3935-93C4-4BCD-93E2-E3B085C9AB24}">
+                <p16:designElem xmlns:p16="http://schemas.microsoft.com/office/powerpoint/2015/main" val="1"/>
+              </p:ext>
+            </p:extLst>
+          </p:nvPr>
+        </p:nvCxnSpPr>
+        <p:spPr>
+          <a:xfrm>
+            <a:off x="9371012" y="0"/>
+            <a:ext cx="1219200" cy="6858000"/>
+          </a:xfrm>
+          <a:prstGeom prst="line">
+            <a:avLst/>
+          </a:prstGeom>
+          <a:ln w="9525">
+            <a:solidFill>
+              <a:schemeClr val="bg1">
+                <a:lumMod val="75000"/>
+              </a:schemeClr>
+            </a:solidFill>
+          </a:ln>
+        </p:spPr>
+        <p:style>
+          <a:lnRef idx="2">
+            <a:schemeClr val="accent1"/>
+          </a:lnRef>
+          <a:fillRef idx="0">
+            <a:schemeClr val="accent1"/>
+          </a:fillRef>
+          <a:effectRef idx="1">
+            <a:schemeClr val="accent1"/>
+          </a:effectRef>
+          <a:fontRef idx="minor">
+            <a:schemeClr val="tx1"/>
+          </a:fontRef>
+        </p:style>
+      </p:cxnSp>
+      <p:cxnSp>
+        <p:nvCxnSpPr>
+          <p:cNvPr id="16" name="Straight Connector 15">
+            <a:extLst>
+              <a:ext uri="{FF2B5EF4-FFF2-40B4-BE49-F238E27FC236}">
+                <a16:creationId xmlns:a16="http://schemas.microsoft.com/office/drawing/2014/main" id="{2AFD8CBA-54A3-4363-991B-B9C631BBFA74}"/>
+              </a:ext>
+              <a:ext uri="{C183D7F6-B498-43B3-948B-1728B52AA6E4}">
+                <adec:decorative xmlns:adec="http://schemas.microsoft.com/office/drawing/2017/decorative" val="1"/>
+              </a:ext>
+            </a:extLst>
+          </p:cNvPr>
+          <p:cNvCxnSpPr>
+            <a:cxnSpLocks noGrp="1" noRot="1" noChangeAspect="1" noMove="1" noResize="1" noEditPoints="1" noAdjustHandles="1" noChangeArrowheads="1" noChangeShapeType="1"/>
+          </p:cNvCxnSpPr>
+          <p:nvPr>
+            <p:extLst>
+              <p:ext uri="{386F3935-93C4-4BCD-93E2-E3B085C9AB24}">
+                <p16:designElem xmlns:p16="http://schemas.microsoft.com/office/powerpoint/2015/main" val="1"/>
+              </p:ext>
+            </p:extLst>
+          </p:nvPr>
+        </p:nvCxnSpPr>
+        <p:spPr>
+          <a:xfrm flipH="1">
+            <a:off x="7425267" y="3681413"/>
+            <a:ext cx="4763558" cy="3176587"/>
+          </a:xfrm>
+          <a:prstGeom prst="line">
+            <a:avLst/>
+          </a:prstGeom>
+          <a:ln w="9525">
+            <a:solidFill>
+              <a:schemeClr val="bg1">
+                <a:lumMod val="85000"/>
+              </a:schemeClr>
+            </a:solidFill>
+          </a:ln>
+        </p:spPr>
+        <p:style>
+          <a:lnRef idx="2">
+            <a:schemeClr val="accent1"/>
+          </a:lnRef>
+          <a:fillRef idx="0">
+            <a:schemeClr val="accent1"/>
+          </a:fillRef>
+          <a:effectRef idx="1">
+            <a:schemeClr val="accent1"/>
+          </a:effectRef>
+          <a:fontRef idx="minor">
+            <a:schemeClr val="tx1"/>
+          </a:fontRef>
+        </p:style>
+      </p:cxnSp>
+      <p:sp>
+        <p:nvSpPr>
+          <p:cNvPr id="18" name="Rectangle 23">
+            <a:extLst>
+              <a:ext uri="{FF2B5EF4-FFF2-40B4-BE49-F238E27FC236}">
+                <a16:creationId xmlns:a16="http://schemas.microsoft.com/office/drawing/2014/main" id="{3F088236-D655-4F88-B238-E16762358025}"/>
+              </a:ext>
+              <a:ext uri="{C183D7F6-B498-43B3-948B-1728B52AA6E4}">
+                <adec:decorative xmlns:adec="http://schemas.microsoft.com/office/drawing/2017/decorative" val="1"/>
+              </a:ext>
+            </a:extLst>
+          </p:cNvPr>
+          <p:cNvSpPr>
+            <a:spLocks noGrp="1" noRot="1" noChangeAspect="1" noMove="1" noResize="1" noEditPoints="1" noAdjustHandles="1" noChangeArrowheads="1" noChangeShapeType="1" noTextEdit="1"/>
+          </p:cNvSpPr>
+          <p:nvPr>
+            <p:extLst>
+              <p:ext uri="{386F3935-93C4-4BCD-93E2-E3B085C9AB24}">
+                <p16:designElem xmlns:p16="http://schemas.microsoft.com/office/powerpoint/2015/main" val="1"/>
+              </p:ext>
+            </p:extLst>
+          </p:nvPr>
+        </p:nvSpPr>
+        <p:spPr>
+          <a:xfrm>
+            <a:off x="9181476" y="-8467"/>
+            <a:ext cx="3007349" cy="6866467"/>
+          </a:xfrm>
+          <a:custGeom>
+            <a:avLst/>
+            <a:gdLst/>
+            <a:ahLst/>
+            <a:cxnLst/>
+            <a:rect l="l" t="t" r="r" b="b"/>
+            <a:pathLst>
+              <a:path w="3007349" h="6866467">
+                <a:moveTo>
+                  <a:pt x="2045532" y="0"/>
+                </a:moveTo>
+                <a:lnTo>
+                  <a:pt x="3007349" y="0"/>
+                </a:lnTo>
+                <a:lnTo>
+                  <a:pt x="3007349" y="6866467"/>
+                </a:lnTo>
+                <a:lnTo>
+                  <a:pt x="0" y="6866467"/>
+                </a:lnTo>
+                <a:lnTo>
+                  <a:pt x="2045532" y="0"/>
+                </a:lnTo>
+                <a:close/>
+              </a:path>
+            </a:pathLst>
+          </a:custGeom>
+          <a:solidFill>
+            <a:schemeClr val="accent1">
+              <a:alpha val="30000"/>
+            </a:schemeClr>
+          </a:solidFill>
+          <a:ln>
+            <a:noFill/>
+          </a:ln>
+          <a:effectLst/>
+        </p:spPr>
+        <p:style>
+          <a:lnRef idx="1">
+            <a:schemeClr val="accent1"/>
+          </a:lnRef>
+          <a:fillRef idx="3">
+            <a:schemeClr val="accent1"/>
+          </a:fillRef>
+          <a:effectRef idx="2">
+            <a:schemeClr val="accent1"/>
+          </a:effectRef>
+          <a:fontRef idx="minor">
+            <a:schemeClr val="lt1"/>
+          </a:fontRef>
+        </p:style>
+        <p:txBody>
+          <a:bodyPr/>
+          <a:lstStyle/>
+          <a:p>
+            <a:endParaRPr lang="nl-NL"/>
+          </a:p>
+        </p:txBody>
+      </p:sp>
+      <p:sp>
+        <p:nvSpPr>
+          <p:cNvPr id="20" name="Rectangle 25">
+            <a:extLst>
+              <a:ext uri="{FF2B5EF4-FFF2-40B4-BE49-F238E27FC236}">
+                <a16:creationId xmlns:a16="http://schemas.microsoft.com/office/drawing/2014/main" id="{3DAC0C92-199E-475C-9390-119A9B027276}"/>
+              </a:ext>
+              <a:ext uri="{C183D7F6-B498-43B3-948B-1728B52AA6E4}">
+                <adec:decorative xmlns:adec="http://schemas.microsoft.com/office/drawing/2017/decorative" val="1"/>
+              </a:ext>
+            </a:extLst>
+          </p:cNvPr>
+          <p:cNvSpPr>
+            <a:spLocks noGrp="1" noRot="1" noChangeAspect="1" noMove="1" noResize="1" noEditPoints="1" noAdjustHandles="1" noChangeArrowheads="1" noChangeShapeType="1" noTextEdit="1"/>
+          </p:cNvSpPr>
+          <p:nvPr>
+            <p:extLst>
+              <p:ext uri="{386F3935-93C4-4BCD-93E2-E3B085C9AB24}">
+                <p16:designElem xmlns:p16="http://schemas.microsoft.com/office/powerpoint/2015/main" val="1"/>
+              </p:ext>
+            </p:extLst>
+          </p:nvPr>
+        </p:nvSpPr>
+        <p:spPr>
+          <a:xfrm>
+            <a:off x="9603442" y="-8467"/>
+            <a:ext cx="2588558" cy="6866467"/>
+          </a:xfrm>
+          <a:custGeom>
+            <a:avLst/>
+            <a:gdLst/>
+            <a:ahLst/>
+            <a:cxnLst/>
+            <a:rect l="l" t="t" r="r" b="b"/>
+            <a:pathLst>
+              <a:path w="2573311" h="6866467">
+                <a:moveTo>
+                  <a:pt x="0" y="0"/>
+                </a:moveTo>
+                <a:lnTo>
+                  <a:pt x="2573311" y="0"/>
+                </a:lnTo>
+                <a:lnTo>
+                  <a:pt x="2573311" y="6866467"/>
+                </a:lnTo>
+                <a:lnTo>
+                  <a:pt x="1202336" y="6866467"/>
+                </a:lnTo>
+                <a:lnTo>
+                  <a:pt x="0" y="0"/>
+                </a:lnTo>
+                <a:close/>
+              </a:path>
+            </a:pathLst>
+          </a:custGeom>
+          <a:solidFill>
+            <a:schemeClr val="accent1">
+              <a:alpha val="20000"/>
+            </a:schemeClr>
+          </a:solidFill>
+          <a:ln>
+            <a:noFill/>
+          </a:ln>
+          <a:effectLst/>
+        </p:spPr>
+        <p:style>
+          <a:lnRef idx="1">
+            <a:schemeClr val="accent1"/>
+          </a:lnRef>
+          <a:fillRef idx="3">
+            <a:schemeClr val="accent1"/>
+          </a:fillRef>
+          <a:effectRef idx="2">
+            <a:schemeClr val="accent1"/>
+          </a:effectRef>
+          <a:fontRef idx="minor">
+            <a:schemeClr val="lt1"/>
+          </a:fontRef>
+        </p:style>
+        <p:txBody>
+          <a:bodyPr/>
+          <a:lstStyle/>
+          <a:p>
+            <a:endParaRPr lang="nl-NL"/>
+          </a:p>
+        </p:txBody>
+      </p:sp>
+      <p:sp>
+        <p:nvSpPr>
+          <p:cNvPr id="22" name="Isosceles Triangle 24">
+            <a:extLst>
+              <a:ext uri="{FF2B5EF4-FFF2-40B4-BE49-F238E27FC236}">
+                <a16:creationId xmlns:a16="http://schemas.microsoft.com/office/drawing/2014/main" id="{C4CFB339-0ED8-4FE2-9EF1-6D1375B8499B}"/>
+              </a:ext>
+              <a:ext uri="{C183D7F6-B498-43B3-948B-1728B52AA6E4}">
+                <adec:decorative xmlns:adec="http://schemas.microsoft.com/office/drawing/2017/decorative" val="1"/>
+              </a:ext>
+            </a:extLst>
+          </p:cNvPr>
+          <p:cNvSpPr>
+            <a:spLocks noGrp="1" noRot="1" noChangeAspect="1" noMove="1" noResize="1" noEditPoints="1" noAdjustHandles="1" noChangeArrowheads="1" noChangeShapeType="1" noTextEdit="1"/>
+          </p:cNvSpPr>
+          <p:nvPr>
+            <p:extLst>
+              <p:ext uri="{386F3935-93C4-4BCD-93E2-E3B085C9AB24}">
+                <p16:designElem xmlns:p16="http://schemas.microsoft.com/office/powerpoint/2015/main" val="1"/>
+              </p:ext>
+            </p:extLst>
+          </p:nvPr>
+        </p:nvSpPr>
+        <p:spPr>
+          <a:xfrm>
+            <a:off x="8932333" y="3048000"/>
+            <a:ext cx="3259667" cy="3810000"/>
+          </a:xfrm>
+          <a:prstGeom prst="triangle">
+            <a:avLst>
+              <a:gd name="adj" fmla="val 100000"/>
+            </a:avLst>
+          </a:prstGeom>
+          <a:solidFill>
+            <a:schemeClr val="accent2">
+              <a:alpha val="72000"/>
+            </a:schemeClr>
+          </a:solidFill>
+          <a:ln>
+            <a:noFill/>
+          </a:ln>
+          <a:effectLst/>
+        </p:spPr>
+        <p:style>
+          <a:lnRef idx="1">
+            <a:schemeClr val="accent1"/>
+          </a:lnRef>
+          <a:fillRef idx="3">
+            <a:schemeClr val="accent1"/>
+          </a:fillRef>
+          <a:effectRef idx="2">
+            <a:schemeClr val="accent1"/>
+          </a:effectRef>
+          <a:fontRef idx="minor">
+            <a:schemeClr val="lt1"/>
+          </a:fontRef>
+        </p:style>
+        <p:txBody>
+          <a:bodyPr/>
+          <a:lstStyle/>
+          <a:p>
+            <a:endParaRPr lang="nl-NL"/>
+          </a:p>
+        </p:txBody>
+      </p:sp>
+      <p:sp>
+        <p:nvSpPr>
+          <p:cNvPr id="24" name="Rectangle 27">
+            <a:extLst>
+              <a:ext uri="{FF2B5EF4-FFF2-40B4-BE49-F238E27FC236}">
+                <a16:creationId xmlns:a16="http://schemas.microsoft.com/office/drawing/2014/main" id="{31896C80-2069-4431-9C19-83B913734490}"/>
+              </a:ext>
+              <a:ext uri="{C183D7F6-B498-43B3-948B-1728B52AA6E4}">
+                <adec:decorative xmlns:adec="http://schemas.microsoft.com/office/drawing/2017/decorative" val="1"/>
+              </a:ext>
+            </a:extLst>
+          </p:cNvPr>
+          <p:cNvSpPr>
+            <a:spLocks noGrp="1" noRot="1" noChangeAspect="1" noMove="1" noResize="1" noEditPoints="1" noAdjustHandles="1" noChangeArrowheads="1" noChangeShapeType="1" noTextEdit="1"/>
+          </p:cNvSpPr>
+          <p:nvPr>
+            <p:extLst>
+              <p:ext uri="{386F3935-93C4-4BCD-93E2-E3B085C9AB24}">
+                <p16:designElem xmlns:p16="http://schemas.microsoft.com/office/powerpoint/2015/main" val="1"/>
+              </p:ext>
+            </p:extLst>
+          </p:nvPr>
+        </p:nvSpPr>
+        <p:spPr>
+          <a:xfrm>
+            <a:off x="9334500" y="-8467"/>
+            <a:ext cx="2854326" cy="6866467"/>
+          </a:xfrm>
+          <a:custGeom>
+            <a:avLst/>
+            <a:gdLst/>
+            <a:ahLst/>
+            <a:cxnLst/>
+            <a:rect l="l" t="t" r="r" b="b"/>
+            <a:pathLst>
+              <a:path w="2858013" h="6866467">
+                <a:moveTo>
+                  <a:pt x="0" y="0"/>
+                </a:moveTo>
+                <a:lnTo>
+                  <a:pt x="2858013" y="0"/>
+                </a:lnTo>
+                <a:lnTo>
+                  <a:pt x="2858013" y="6866467"/>
+                </a:lnTo>
+                <a:lnTo>
+                  <a:pt x="2473942" y="6866467"/>
+                </a:lnTo>
+                <a:lnTo>
+                  <a:pt x="0" y="0"/>
+                </a:lnTo>
+                <a:close/>
+              </a:path>
+            </a:pathLst>
+          </a:custGeom>
+          <a:solidFill>
+            <a:schemeClr val="accent2">
+              <a:lumMod val="75000"/>
+              <a:alpha val="47000"/>
+            </a:schemeClr>
+          </a:solidFill>
+          <a:ln>
+            <a:noFill/>
+          </a:ln>
+          <a:effectLst/>
+        </p:spPr>
+        <p:style>
+          <a:lnRef idx="1">
+            <a:schemeClr val="accent1"/>
+          </a:lnRef>
+          <a:fillRef idx="3">
+            <a:schemeClr val="accent1"/>
+          </a:fillRef>
+          <a:effectRef idx="2">
+            <a:schemeClr val="accent1"/>
+          </a:effectRef>
+          <a:fontRef idx="minor">
+            <a:schemeClr val="lt1"/>
+          </a:fontRef>
+        </p:style>
+        <p:txBody>
+          <a:bodyPr/>
+          <a:lstStyle/>
+          <a:p>
+            <a:endParaRPr lang="nl-NL"/>
+          </a:p>
+        </p:txBody>
+      </p:sp>
+      <p:sp>
+        <p:nvSpPr>
+          <p:cNvPr id="26" name="Rectangle 28">
+            <a:extLst>
+              <a:ext uri="{FF2B5EF4-FFF2-40B4-BE49-F238E27FC236}">
+                <a16:creationId xmlns:a16="http://schemas.microsoft.com/office/drawing/2014/main" id="{BF120A21-0841-4823-B0C4-28AEBCEF9B78}"/>
+              </a:ext>
+              <a:ext uri="{C183D7F6-B498-43B3-948B-1728B52AA6E4}">
+                <adec:decorative xmlns:adec="http://schemas.microsoft.com/office/drawing/2017/decorative" val="1"/>
+              </a:ext>
+            </a:extLst>
+          </p:cNvPr>
+          <p:cNvSpPr>
+            <a:spLocks noGrp="1" noRot="1" noChangeAspect="1" noMove="1" noResize="1" noEditPoints="1" noAdjustHandles="1" noChangeArrowheads="1" noChangeShapeType="1" noTextEdit="1"/>
+          </p:cNvSpPr>
+          <p:nvPr>
+            <p:extLst>
+              <p:ext uri="{386F3935-93C4-4BCD-93E2-E3B085C9AB24}">
+                <p16:designElem xmlns:p16="http://schemas.microsoft.com/office/powerpoint/2015/main" val="1"/>
+              </p:ext>
+            </p:extLst>
+          </p:nvPr>
+        </p:nvSpPr>
+        <p:spPr>
+          <a:xfrm>
+            <a:off x="10898730" y="-8467"/>
+            <a:ext cx="1290094" cy="6866467"/>
+          </a:xfrm>
+          <a:custGeom>
+            <a:avLst/>
+            <a:gdLst/>
+            <a:ahLst/>
+            <a:cxnLst/>
+            <a:rect l="l" t="t" r="r" b="b"/>
+            <a:pathLst>
+              <a:path w="1290094" h="6858000">
+                <a:moveTo>
+                  <a:pt x="1019735" y="0"/>
+                </a:moveTo>
+                <a:lnTo>
+                  <a:pt x="1290094" y="0"/>
+                </a:lnTo>
+                <a:lnTo>
+                  <a:pt x="1290094" y="6858000"/>
+                </a:lnTo>
+                <a:lnTo>
+                  <a:pt x="0" y="6858000"/>
+                </a:lnTo>
+                <a:lnTo>
+                  <a:pt x="1019735" y="0"/>
+                </a:lnTo>
+                <a:close/>
+              </a:path>
+            </a:pathLst>
+          </a:custGeom>
+          <a:solidFill>
+            <a:schemeClr val="accent1">
+              <a:lumMod val="60000"/>
+              <a:lumOff val="40000"/>
+              <a:alpha val="70000"/>
+            </a:schemeClr>
+          </a:solidFill>
+          <a:ln>
+            <a:noFill/>
+          </a:ln>
+          <a:effectLst/>
+        </p:spPr>
+        <p:style>
+          <a:lnRef idx="1">
+            <a:schemeClr val="accent1"/>
+          </a:lnRef>
+          <a:fillRef idx="3">
+            <a:schemeClr val="accent1"/>
+          </a:fillRef>
+          <a:effectRef idx="2">
+            <a:schemeClr val="accent1"/>
+          </a:effectRef>
+          <a:fontRef idx="minor">
+            <a:schemeClr val="lt1"/>
+          </a:fontRef>
+        </p:style>
+        <p:txBody>
+          <a:bodyPr/>
+          <a:lstStyle/>
+          <a:p>
+            <a:endParaRPr lang="nl-NL"/>
+          </a:p>
+        </p:txBody>
+      </p:sp>
+      <p:sp>
+        <p:nvSpPr>
+          <p:cNvPr id="28" name="Rectangle 29">
+            <a:extLst>
+              <a:ext uri="{FF2B5EF4-FFF2-40B4-BE49-F238E27FC236}">
+                <a16:creationId xmlns:a16="http://schemas.microsoft.com/office/drawing/2014/main" id="{DBB05BAE-BBD3-4289-899F-A6851503C6B0}"/>
+              </a:ext>
+              <a:ext uri="{C183D7F6-B498-43B3-948B-1728B52AA6E4}">
+                <adec:decorative xmlns:adec="http://schemas.microsoft.com/office/drawing/2017/decorative" val="1"/>
+              </a:ext>
+            </a:extLst>
+          </p:cNvPr>
+          <p:cNvSpPr>
+            <a:spLocks noGrp="1" noRot="1" noChangeAspect="1" noMove="1" noResize="1" noEditPoints="1" noAdjustHandles="1" noChangeArrowheads="1" noChangeShapeType="1" noTextEdit="1"/>
+          </p:cNvSpPr>
+          <p:nvPr>
+            <p:extLst>
+              <p:ext uri="{386F3935-93C4-4BCD-93E2-E3B085C9AB24}">
+                <p16:designElem xmlns:p16="http://schemas.microsoft.com/office/powerpoint/2015/main" val="1"/>
+              </p:ext>
+            </p:extLst>
+          </p:nvPr>
+        </p:nvSpPr>
+        <p:spPr>
+          <a:xfrm>
+            <a:off x="10938999" y="-8467"/>
+            <a:ext cx="1249825" cy="6866467"/>
+          </a:xfrm>
+          <a:custGeom>
+            <a:avLst/>
+            <a:gdLst/>
+            <a:ahLst/>
+            <a:cxnLst/>
+            <a:rect l="l" t="t" r="r" b="b"/>
+            <a:pathLst>
+              <a:path w="1249825" h="6858000">
+                <a:moveTo>
+                  <a:pt x="0" y="0"/>
+                </a:moveTo>
+                <a:lnTo>
+                  <a:pt x="1249825" y="0"/>
+                </a:lnTo>
+                <a:lnTo>
+                  <a:pt x="1249825" y="6858000"/>
+                </a:lnTo>
+                <a:lnTo>
+                  <a:pt x="1109382" y="6858000"/>
+                </a:lnTo>
+                <a:lnTo>
+                  <a:pt x="0" y="0"/>
+                </a:lnTo>
+                <a:close/>
+              </a:path>
+            </a:pathLst>
+          </a:custGeom>
+          <a:solidFill>
+            <a:schemeClr val="accent1">
+              <a:alpha val="65000"/>
+            </a:schemeClr>
+          </a:solidFill>
+          <a:ln>
+            <a:noFill/>
+          </a:ln>
+          <a:effectLst/>
+        </p:spPr>
+        <p:style>
+          <a:lnRef idx="1">
+            <a:schemeClr val="accent1"/>
+          </a:lnRef>
+          <a:fillRef idx="3">
+            <a:schemeClr val="accent1"/>
+          </a:fillRef>
+          <a:effectRef idx="2">
+            <a:schemeClr val="accent1"/>
+          </a:effectRef>
+          <a:fontRef idx="minor">
+            <a:schemeClr val="lt1"/>
+          </a:fontRef>
+        </p:style>
+        <p:txBody>
+          <a:bodyPr/>
+          <a:lstStyle/>
+          <a:p>
+            <a:endParaRPr lang="nl-NL"/>
+          </a:p>
+        </p:txBody>
+      </p:sp>
+      <p:sp>
+        <p:nvSpPr>
+          <p:cNvPr id="30" name="Isosceles Triangle 29">
+            <a:extLst>
+              <a:ext uri="{FF2B5EF4-FFF2-40B4-BE49-F238E27FC236}">
+                <a16:creationId xmlns:a16="http://schemas.microsoft.com/office/drawing/2014/main" id="{9874D11C-36F5-4BBE-A490-019A54E953B0}"/>
+              </a:ext>
+              <a:ext uri="{C183D7F6-B498-43B3-948B-1728B52AA6E4}">
+                <adec:decorative xmlns:adec="http://schemas.microsoft.com/office/drawing/2017/decorative" val="1"/>
+              </a:ext>
+            </a:extLst>
+          </p:cNvPr>
+          <p:cNvSpPr>
+            <a:spLocks noGrp="1" noRot="1" noChangeAspect="1" noMove="1" noResize="1" noEditPoints="1" noAdjustHandles="1" noChangeArrowheads="1" noChangeShapeType="1" noTextEdit="1"/>
+          </p:cNvSpPr>
+          <p:nvPr>
+            <p:extLst>
+              <p:ext uri="{386F3935-93C4-4BCD-93E2-E3B085C9AB24}">
+                <p16:designElem xmlns:p16="http://schemas.microsoft.com/office/powerpoint/2015/main" val="1"/>
+              </p:ext>
+            </p:extLst>
+          </p:nvPr>
+        </p:nvSpPr>
+        <p:spPr>
+          <a:xfrm>
+            <a:off x="10371666" y="3589867"/>
+            <a:ext cx="1817159" cy="3268133"/>
+          </a:xfrm>
+          <a:prstGeom prst="triangle">
+            <a:avLst>
+              <a:gd name="adj" fmla="val 100000"/>
+            </a:avLst>
+          </a:prstGeom>
+          <a:solidFill>
+            <a:schemeClr val="accent1">
+              <a:alpha val="80000"/>
+            </a:schemeClr>
+          </a:solidFill>
+          <a:ln>
+            <a:noFill/>
+          </a:ln>
+          <a:effectLst/>
+        </p:spPr>
+        <p:style>
+          <a:lnRef idx="1">
+            <a:schemeClr val="accent1"/>
+          </a:lnRef>
+          <a:fillRef idx="3">
+            <a:schemeClr val="accent1"/>
+          </a:fillRef>
+          <a:effectRef idx="2">
+            <a:schemeClr val="accent1"/>
+          </a:effectRef>
+          <a:fontRef idx="minor">
+            <a:schemeClr val="lt1"/>
+          </a:fontRef>
+        </p:style>
+        <p:txBody>
+          <a:bodyPr/>
+          <a:lstStyle/>
+          <a:p>
+            <a:endParaRPr lang="nl-NL"/>
+          </a:p>
+        </p:txBody>
+      </p:sp>
+    </p:spTree>
+    <p:extLst>
+      <p:ext uri="{BB962C8B-B14F-4D97-AF65-F5344CB8AC3E}">
+        <p14:creationId xmlns:p14="http://schemas.microsoft.com/office/powerpoint/2010/main" val="2091788745"/>
+      </p:ext>
+    </p:extLst>
+  </p:cSld>
+  <p:clrMapOvr>
+    <a:masterClrMapping/>
+  </p:clrMapOvr>
+</p:sld>
+</file>
+
+<file path=ppt/slides/slide4.xml><?xml version="1.0" encoding="utf-8"?>
+<p:sld xmlns:a="http://schemas.openxmlformats.org/drawingml/2006/main" xmlns:r="http://schemas.openxmlformats.org/officeDocument/2006/relationships" xmlns:p="http://schemas.openxmlformats.org/presentationml/2006/main">
+  <p:cSld>
+    <p:bg>
+      <p:bgPr>
+        <a:solidFill>
+          <a:schemeClr val="bg1"/>
+        </a:solidFill>
+        <a:effectLst/>
+      </p:bgPr>
+    </p:bg>
+    <p:spTree>
+      <p:nvGrpSpPr>
+        <p:cNvPr id="1" name=""/>
+        <p:cNvGrpSpPr/>
+        <p:nvPr/>
+      </p:nvGrpSpPr>
+      <p:grpSpPr>
+        <a:xfrm>
+          <a:off x="0" y="0"/>
+          <a:ext cx="0" cy="0"/>
+          <a:chOff x="0" y="0"/>
+          <a:chExt cx="0" cy="0"/>
+        </a:xfrm>
+      </p:grpSpPr>
       <p:sp>
         <p:nvSpPr>
           <p:cNvPr id="2" name="Titel 1">
@@ -6144,7 +7057,7 @@
       </p:sp>
       <p:sp>
         <p:nvSpPr>
-          <p:cNvPr id="33" name="Isosceles Triangle 8">
+          <p:cNvPr id="38" name="Isosceles Triangle 8">
             <a:extLst>
               <a:ext uri="{FF2B5EF4-FFF2-40B4-BE49-F238E27FC236}">
                 <a16:creationId xmlns:a16="http://schemas.microsoft.com/office/drawing/2014/main" id="{E7038D70-4165-4B7C-81B1-689029C47D9F}"/>
@@ -6383,7 +7296,7 @@
         </p:blipFill>
         <p:spPr>
           <a:xfrm>
-            <a:off x="6129405" y="715493"/>
+            <a:off x="6129405" y="609600"/>
             <a:ext cx="3144597" cy="2601747"/>
           </a:xfrm>
           <a:prstGeom prst="rect">
@@ -6393,10 +7306,10 @@
       </p:pic>
       <p:pic>
         <p:nvPicPr>
-          <p:cNvPr id="6" name="drawing" descr="Anemometer / windsnelheidsmeter">
+          <p:cNvPr id="4" name="Afbeelding 3" descr="Afbeelding met gereedschap, Huishoudelijke ijzerwaren, overdekt, zwart-wit&#10;&#10;Door AI gegenereerde inhoud is mogelijk onjuist.">
             <a:extLst>
               <a:ext uri="{FF2B5EF4-FFF2-40B4-BE49-F238E27FC236}">
-                <a16:creationId xmlns:a16="http://schemas.microsoft.com/office/drawing/2014/main" id="{83B40DC0-6F21-328F-7BD5-F16484EAACDC}"/>
+                <a16:creationId xmlns:a16="http://schemas.microsoft.com/office/drawing/2014/main" id="{8119C939-0554-70CE-36DB-11C69AB1D617}"/>
               </a:ext>
             </a:extLst>
           </p:cNvPr>
@@ -6409,11 +7322,11 @@
           <a:blip r:embed="rId3">
             <a:extLst>
               <a:ext uri="{28A0092B-C50C-407E-A947-70E740481C1C}">
-                <a14:useLocalDpi xmlns:a14="http://schemas.microsoft.com/office/drawing/2010/main"/>
+                <a14:useLocalDpi xmlns:a14="http://schemas.microsoft.com/office/drawing/2010/main" val="0"/>
               </a:ext>
             </a:extLst>
           </a:blip>
-          <a:srcRect t="11433" r="-6" b="5825"/>
+          <a:srcRect l="14583" r="4737" b="-4"/>
           <a:stretch>
             <a:fillRect/>
           </a:stretch>
@@ -6441,7 +7354,7 @@
 </p:sld>
 </file>
 
-<file path=ppt/slides/slide4.xml><?xml version="1.0" encoding="utf-8"?>
+<file path=ppt/slides/slide5.xml><?xml version="1.0" encoding="utf-8"?>
 <p:sld xmlns:a="http://schemas.openxmlformats.org/drawingml/2006/main" xmlns:r="http://schemas.openxmlformats.org/officeDocument/2006/relationships" xmlns:p="http://schemas.openxmlformats.org/presentationml/2006/main">
   <p:cSld>
     <p:bg>
@@ -6741,9 +7654,17 @@
 </p:sld>
 </file>
 
-<file path=ppt/slides/slide5.xml><?xml version="1.0" encoding="utf-8"?>
+<file path=ppt/slides/slide6.xml><?xml version="1.0" encoding="utf-8"?>
 <p:sld xmlns:a="http://schemas.openxmlformats.org/drawingml/2006/main" xmlns:r="http://schemas.openxmlformats.org/officeDocument/2006/relationships" xmlns:p="http://schemas.openxmlformats.org/presentationml/2006/main">
   <p:cSld>
+    <p:bg>
+      <p:bgPr>
+        <a:solidFill>
+          <a:schemeClr val="bg1"/>
+        </a:solidFill>
+        <a:effectLst/>
+      </p:bgPr>
+    </p:bg>
     <p:spTree>
       <p:nvGrpSpPr>
         <p:cNvPr id="1" name=""/>
@@ -6774,13 +7695,20 @@
             <p:ph type="title"/>
           </p:nvPr>
         </p:nvSpPr>
-        <p:spPr/>
-        <p:txBody>
-          <a:bodyPr/>
-          <a:lstStyle/>
-          <a:p>
-            <a:r>
-              <a:rPr lang="en-US" dirty="0"/>
+        <p:spPr>
+          <a:xfrm>
+            <a:off x="676746" y="609600"/>
+            <a:ext cx="3729076" cy="1320800"/>
+          </a:xfrm>
+        </p:spPr>
+        <p:txBody>
+          <a:bodyPr anchor="ctr">
+            <a:normAutofit/>
+          </a:bodyPr>
+          <a:lstStyle/>
+          <a:p>
+            <a:r>
+              <a:rPr lang="en-US"/>
               <a:t>Sprint 2</a:t>
             </a:r>
             <a:endParaRPr lang="nl-NL" dirty="0"/>
@@ -6803,15 +7731,645 @@
             <p:ph idx="1"/>
           </p:nvPr>
         </p:nvSpPr>
-        <p:spPr/>
-        <p:txBody>
-          <a:bodyPr/>
-          <a:lstStyle/>
-          <a:p>
-            <a:endParaRPr lang="nl-NL" dirty="0"/>
-          </a:p>
-        </p:txBody>
-      </p:sp>
+        <p:spPr>
+          <a:xfrm>
+            <a:off x="685167" y="2160589"/>
+            <a:ext cx="3720916" cy="3560733"/>
+          </a:xfrm>
+        </p:spPr>
+        <p:txBody>
+          <a:bodyPr>
+            <a:normAutofit/>
+          </a:bodyPr>
+          <a:lstStyle/>
+          <a:p>
+            <a:r>
+              <a:rPr lang="en-US" dirty="0" err="1"/>
+              <a:t>Langdurige</a:t>
+            </a:r>
+            <a:r>
+              <a:rPr lang="en-US" dirty="0"/>
+              <a:t> planning </a:t>
+            </a:r>
+            <a:r>
+              <a:rPr lang="en-US" dirty="0" err="1"/>
+              <a:t>maken</a:t>
+            </a:r>
+            <a:endParaRPr lang="en-US" dirty="0"/>
+          </a:p>
+          <a:p>
+            <a:endParaRPr lang="en-US" dirty="0"/>
+          </a:p>
+          <a:p>
+            <a:endParaRPr lang="en-US" dirty="0"/>
+          </a:p>
+          <a:p>
+            <a:endParaRPr lang="en-US" dirty="0"/>
+          </a:p>
+          <a:p>
+            <a:pPr marL="0" indent="0">
+              <a:buNone/>
+            </a:pPr>
+            <a:endParaRPr lang="en-US" dirty="0"/>
+          </a:p>
+          <a:p>
+            <a:r>
+              <a:rPr lang="en-US" dirty="0"/>
+              <a:t>Als de </a:t>
+            </a:r>
+            <a:r>
+              <a:rPr lang="en-US" dirty="0" err="1"/>
+              <a:t>sensoren</a:t>
+            </a:r>
+            <a:r>
+              <a:rPr lang="en-US" dirty="0"/>
+              <a:t> </a:t>
+            </a:r>
+            <a:r>
+              <a:rPr lang="en-US" dirty="0" err="1"/>
+              <a:t>binnen</a:t>
+            </a:r>
+            <a:r>
+              <a:rPr lang="en-US" dirty="0"/>
+              <a:t> </a:t>
+            </a:r>
+            <a:r>
+              <a:rPr lang="en-US" dirty="0" err="1"/>
+              <a:t>zijn</a:t>
+            </a:r>
+            <a:r>
+              <a:rPr lang="en-US" dirty="0"/>
+              <a:t>:</a:t>
+            </a:r>
+          </a:p>
+          <a:p>
+            <a:endParaRPr lang="en-US" dirty="0"/>
+          </a:p>
+        </p:txBody>
+      </p:sp>
+      <p:graphicFrame>
+        <p:nvGraphicFramePr>
+          <p:cNvPr id="6" name="Tabel 5">
+            <a:extLst>
+              <a:ext uri="{FF2B5EF4-FFF2-40B4-BE49-F238E27FC236}">
+                <a16:creationId xmlns:a16="http://schemas.microsoft.com/office/drawing/2014/main" id="{51D553B3-EACE-EF01-E458-E561A7BA70C9}"/>
+              </a:ext>
+            </a:extLst>
+          </p:cNvPr>
+          <p:cNvGraphicFramePr>
+            <a:graphicFrameLocks noGrp="1"/>
+          </p:cNvGraphicFramePr>
+          <p:nvPr>
+            <p:extLst>
+              <p:ext uri="{D42A27DB-BD31-4B8C-83A1-F6EECF244321}">
+                <p14:modId xmlns:p14="http://schemas.microsoft.com/office/powerpoint/2010/main" val="1025669380"/>
+              </p:ext>
+            </p:extLst>
+          </p:nvPr>
+        </p:nvGraphicFramePr>
+        <p:xfrm>
+          <a:off x="4645613" y="899249"/>
+          <a:ext cx="6861220" cy="5649983"/>
+        </p:xfrm>
+        <a:graphic>
+          <a:graphicData uri="http://schemas.openxmlformats.org/drawingml/2006/table">
+            <a:tbl>
+              <a:tblPr firstRow="1" bandRow="1">
+                <a:tableStyleId>{5C22544A-7EE6-4342-B048-85BDC9FD1C3A}</a:tableStyleId>
+              </a:tblPr>
+              <a:tblGrid>
+                <a:gridCol w="3538891">
+                  <a:extLst>
+                    <a:ext uri="{9D8B030D-6E8A-4147-A177-3AD203B41FA5}">
+                      <a16:colId xmlns:a16="http://schemas.microsoft.com/office/drawing/2014/main" val="4067886319"/>
+                    </a:ext>
+                  </a:extLst>
+                </a:gridCol>
+                <a:gridCol w="3322329">
+                  <a:extLst>
+                    <a:ext uri="{9D8B030D-6E8A-4147-A177-3AD203B41FA5}">
+                      <a16:colId xmlns:a16="http://schemas.microsoft.com/office/drawing/2014/main" val="660744966"/>
+                    </a:ext>
+                  </a:extLst>
+                </a:gridCol>
+              </a:tblGrid>
+              <a:tr h="349540">
+                <a:tc>
+                  <a:txBody>
+                    <a:bodyPr/>
+                    <a:lstStyle/>
+                    <a:p>
+                      <a:r>
+                        <a:rPr lang="en-US" sz="1200"/>
+                        <a:t>User story</a:t>
+                      </a:r>
+                      <a:endParaRPr lang="nl-NL" sz="1200"/>
+                    </a:p>
+                  </a:txBody>
+                  <a:tcPr marL="61529" marR="61529" marT="30765" marB="30765"/>
+                </a:tc>
+                <a:tc>
+                  <a:txBody>
+                    <a:bodyPr/>
+                    <a:lstStyle/>
+                    <a:p>
+                      <a:r>
+                        <a:rPr lang="en-US" sz="1200"/>
+                        <a:t>taken</a:t>
+                      </a:r>
+                      <a:endParaRPr lang="nl-NL" sz="1200"/>
+                    </a:p>
+                  </a:txBody>
+                  <a:tcPr marL="61529" marR="61529" marT="30765" marB="30765"/>
+                </a:tc>
+                <a:extLst>
+                  <a:ext uri="{0D108BD9-81ED-4DB2-BD59-A6C34878D82A}">
+                    <a16:rowId xmlns:a16="http://schemas.microsoft.com/office/drawing/2014/main" val="3999946025"/>
+                  </a:ext>
+                </a:extLst>
+              </a:tr>
+              <a:tr h="1064509">
+                <a:tc>
+                  <a:txBody>
+                    <a:bodyPr/>
+                    <a:lstStyle/>
+                    <a:p>
+                      <a:pPr marL="0" marR="0" lvl="0" indent="0" algn="l" defTabSz="457200" rtl="0" eaLnBrk="1" fontAlgn="auto" latinLnBrk="0" hangingPunct="1">
+                        <a:lnSpc>
+                          <a:spcPct val="100000"/>
+                        </a:lnSpc>
+                        <a:spcBef>
+                          <a:spcPts val="0"/>
+                        </a:spcBef>
+                        <a:spcAft>
+                          <a:spcPts val="0"/>
+                        </a:spcAft>
+                        <a:buClrTx/>
+                        <a:buSzTx/>
+                        <a:buFontTx/>
+                        <a:buNone/>
+                        <a:tabLst/>
+                        <a:defRPr/>
+                      </a:pPr>
+                      <a:r>
+                        <a:rPr lang="en-US" sz="1600" b="1" dirty="0"/>
+                        <a:t>10. </a:t>
+                      </a:r>
+                      <a:r>
+                        <a:rPr lang="nl-NL" sz="1600" b="1" kern="1200" dirty="0">
+                          <a:solidFill>
+                            <a:schemeClr val="dk1"/>
+                          </a:solidFill>
+                          <a:effectLst/>
+                          <a:latin typeface="+mn-lt"/>
+                          <a:ea typeface="+mn-ea"/>
+                          <a:cs typeface="+mn-cs"/>
+                        </a:rPr>
+                        <a:t>Ik wil dat de microcontroller de motor kan aansturen op basis van de data.</a:t>
+                      </a:r>
+                    </a:p>
+                    <a:p>
+                      <a:endParaRPr lang="nl-NL" sz="1600" b="1" dirty="0"/>
+                    </a:p>
+                  </a:txBody>
+                  <a:tcPr marL="61529" marR="61529" marT="30765" marB="30765"/>
+                </a:tc>
+                <a:tc>
+                  <a:txBody>
+                    <a:bodyPr/>
+                    <a:lstStyle/>
+                    <a:p>
+                      <a:pPr marL="0" marR="0" lvl="0" indent="0" algn="l" defTabSz="457200" rtl="0" eaLnBrk="1" fontAlgn="auto" latinLnBrk="0" hangingPunct="1">
+                        <a:lnSpc>
+                          <a:spcPct val="100000"/>
+                        </a:lnSpc>
+                        <a:spcBef>
+                          <a:spcPts val="0"/>
+                        </a:spcBef>
+                        <a:spcAft>
+                          <a:spcPts val="0"/>
+                        </a:spcAft>
+                        <a:buClrTx/>
+                        <a:buSzTx/>
+                        <a:buFontTx/>
+                        <a:buNone/>
+                        <a:tabLst/>
+                        <a:defRPr/>
+                      </a:pPr>
+                      <a:r>
+                        <a:rPr lang="nl-NL" sz="1600" b="1" kern="1200" dirty="0">
+                          <a:solidFill>
+                            <a:schemeClr val="dk1"/>
+                          </a:solidFill>
+                          <a:effectLst/>
+                          <a:latin typeface="+mn-lt"/>
+                          <a:ea typeface="+mn-ea"/>
+                          <a:cs typeface="+mn-cs"/>
+                        </a:rPr>
+                        <a:t>10.1/12.1 Bestudeer de verkregen motorprestatiegegevens</a:t>
+                      </a:r>
+                    </a:p>
+                    <a:p>
+                      <a:endParaRPr lang="nl-NL" sz="1600" b="1" dirty="0"/>
+                    </a:p>
+                  </a:txBody>
+                  <a:tcPr marL="61529" marR="61529" marT="30765" marB="30765"/>
+                </a:tc>
+                <a:extLst>
+                  <a:ext uri="{0D108BD9-81ED-4DB2-BD59-A6C34878D82A}">
+                    <a16:rowId xmlns:a16="http://schemas.microsoft.com/office/drawing/2014/main" val="944690521"/>
+                  </a:ext>
+                </a:extLst>
+              </a:tr>
+              <a:tr h="1064509">
+                <a:tc>
+                  <a:txBody>
+                    <a:bodyPr/>
+                    <a:lstStyle/>
+                    <a:p>
+                      <a:pPr marL="0" marR="0" lvl="0" indent="0" algn="l" defTabSz="457200" rtl="0" eaLnBrk="1" fontAlgn="auto" latinLnBrk="0" hangingPunct="1">
+                        <a:lnSpc>
+                          <a:spcPct val="100000"/>
+                        </a:lnSpc>
+                        <a:spcBef>
+                          <a:spcPts val="0"/>
+                        </a:spcBef>
+                        <a:spcAft>
+                          <a:spcPts val="0"/>
+                        </a:spcAft>
+                        <a:buClrTx/>
+                        <a:buSzTx/>
+                        <a:buFontTx/>
+                        <a:buNone/>
+                        <a:tabLst/>
+                        <a:defRPr/>
+                      </a:pPr>
+                      <a:r>
+                        <a:rPr lang="en-US" sz="1600" b="1" dirty="0"/>
+                        <a:t>15. </a:t>
+                      </a:r>
+                      <a:r>
+                        <a:rPr lang="nl-NL" sz="1600" b="1" kern="1200" dirty="0">
+                          <a:solidFill>
+                            <a:schemeClr val="dk1"/>
+                          </a:solidFill>
+                          <a:effectLst/>
+                          <a:latin typeface="+mn-lt"/>
+                          <a:ea typeface="+mn-ea"/>
+                          <a:cs typeface="+mn-cs"/>
+                        </a:rPr>
+                        <a:t>Ik wil de het weerstation altijd werkt ook al heeft hij geen stroomtoevoer.</a:t>
+                      </a:r>
+                    </a:p>
+                    <a:p>
+                      <a:endParaRPr lang="nl-NL" sz="1600" b="1" dirty="0"/>
+                    </a:p>
+                  </a:txBody>
+                  <a:tcPr marL="61529" marR="61529" marT="30765" marB="30765"/>
+                </a:tc>
+                <a:tc>
+                  <a:txBody>
+                    <a:bodyPr/>
+                    <a:lstStyle/>
+                    <a:p>
+                      <a:pPr marL="0" marR="0" lvl="0" indent="0" algn="l" defTabSz="457200" rtl="0" eaLnBrk="1" fontAlgn="auto" latinLnBrk="0" hangingPunct="1">
+                        <a:lnSpc>
+                          <a:spcPct val="100000"/>
+                        </a:lnSpc>
+                        <a:spcBef>
+                          <a:spcPts val="0"/>
+                        </a:spcBef>
+                        <a:spcAft>
+                          <a:spcPts val="0"/>
+                        </a:spcAft>
+                        <a:buClrTx/>
+                        <a:buSzTx/>
+                        <a:buFontTx/>
+                        <a:buNone/>
+                        <a:tabLst/>
+                        <a:defRPr/>
+                      </a:pPr>
+                      <a:r>
+                        <a:rPr lang="nl-NL" sz="1600" b="1" kern="1200" dirty="0">
+                          <a:solidFill>
+                            <a:schemeClr val="dk1"/>
+                          </a:solidFill>
+                          <a:effectLst/>
+                          <a:latin typeface="+mn-lt"/>
+                          <a:ea typeface="+mn-ea"/>
+                          <a:cs typeface="+mn-cs"/>
+                        </a:rPr>
+                        <a:t>15.1 Onderzoek wat is de opties van zelfvoorziening.</a:t>
+                      </a:r>
+                    </a:p>
+                    <a:p>
+                      <a:endParaRPr lang="nl-NL" sz="1600" b="1" dirty="0"/>
+                    </a:p>
+                  </a:txBody>
+                  <a:tcPr marL="61529" marR="61529" marT="30765" marB="30765"/>
+                </a:tc>
+                <a:extLst>
+                  <a:ext uri="{0D108BD9-81ED-4DB2-BD59-A6C34878D82A}">
+                    <a16:rowId xmlns:a16="http://schemas.microsoft.com/office/drawing/2014/main" val="2322170192"/>
+                  </a:ext>
+                </a:extLst>
+              </a:tr>
+              <a:tr h="826186">
+                <a:tc>
+                  <a:txBody>
+                    <a:bodyPr/>
+                    <a:lstStyle/>
+                    <a:p>
+                      <a:r>
+                        <a:rPr lang="en-US" sz="1600" b="1"/>
+                        <a:t>14. </a:t>
+                      </a:r>
+                      <a:r>
+                        <a:rPr lang="nl-NL" sz="1600" b="1" kern="1200">
+                          <a:solidFill>
+                            <a:schemeClr val="dk1"/>
+                          </a:solidFill>
+                          <a:effectLst/>
+                          <a:latin typeface="+mn-lt"/>
+                          <a:ea typeface="+mn-ea"/>
+                          <a:cs typeface="+mn-cs"/>
+                        </a:rPr>
+                        <a:t>Ik wil in noodgevallen de motor van afstand kunnen aansturen of uitzetten.</a:t>
+                      </a:r>
+                      <a:endParaRPr lang="nl-NL" sz="1600" b="1"/>
+                    </a:p>
+                  </a:txBody>
+                  <a:tcPr marL="61529" marR="61529" marT="30765" marB="30765"/>
+                </a:tc>
+                <a:tc>
+                  <a:txBody>
+                    <a:bodyPr/>
+                    <a:lstStyle/>
+                    <a:p>
+                      <a:pPr marL="0" marR="0" lvl="0" indent="0" algn="l" defTabSz="457200" rtl="0" eaLnBrk="1" fontAlgn="auto" latinLnBrk="0" hangingPunct="1">
+                        <a:lnSpc>
+                          <a:spcPct val="100000"/>
+                        </a:lnSpc>
+                        <a:spcBef>
+                          <a:spcPts val="0"/>
+                        </a:spcBef>
+                        <a:spcAft>
+                          <a:spcPts val="0"/>
+                        </a:spcAft>
+                        <a:buClrTx/>
+                        <a:buSzTx/>
+                        <a:buFontTx/>
+                        <a:buNone/>
+                        <a:tabLst/>
+                        <a:defRPr/>
+                      </a:pPr>
+                      <a:r>
+                        <a:rPr lang="nl-NL" sz="1600" b="1" kern="1200">
+                          <a:solidFill>
+                            <a:schemeClr val="dk1"/>
+                          </a:solidFill>
+                          <a:effectLst/>
+                          <a:latin typeface="+mn-lt"/>
+                          <a:ea typeface="+mn-ea"/>
+                          <a:cs typeface="+mn-cs"/>
+                        </a:rPr>
+                        <a:t>14.1 Onderzoek wat is de beste optie app of website.</a:t>
+                      </a:r>
+                    </a:p>
+                    <a:p>
+                      <a:endParaRPr lang="nl-NL" sz="1600" b="1"/>
+                    </a:p>
+                  </a:txBody>
+                  <a:tcPr marL="61529" marR="61529" marT="30765" marB="30765"/>
+                </a:tc>
+                <a:extLst>
+                  <a:ext uri="{0D108BD9-81ED-4DB2-BD59-A6C34878D82A}">
+                    <a16:rowId xmlns:a16="http://schemas.microsoft.com/office/drawing/2014/main" val="3770607082"/>
+                  </a:ext>
+                </a:extLst>
+              </a:tr>
+              <a:tr h="826186">
+                <a:tc>
+                  <a:txBody>
+                    <a:bodyPr/>
+                    <a:lstStyle/>
+                    <a:p>
+                      <a:pPr marL="0" marR="0" lvl="0" indent="0" algn="l" defTabSz="457200" rtl="0" eaLnBrk="1" fontAlgn="auto" latinLnBrk="0" hangingPunct="1">
+                        <a:lnSpc>
+                          <a:spcPct val="100000"/>
+                        </a:lnSpc>
+                        <a:spcBef>
+                          <a:spcPts val="0"/>
+                        </a:spcBef>
+                        <a:spcAft>
+                          <a:spcPts val="0"/>
+                        </a:spcAft>
+                        <a:buClrTx/>
+                        <a:buSzTx/>
+                        <a:buFontTx/>
+                        <a:buNone/>
+                        <a:tabLst/>
+                        <a:defRPr/>
+                      </a:pPr>
+                      <a:r>
+                        <a:rPr lang="en-US" sz="1600" b="1" dirty="0"/>
+                        <a:t>2. </a:t>
+                      </a:r>
+                      <a:r>
+                        <a:rPr lang="nl-NL" sz="1600" b="1" kern="1200" dirty="0">
+                          <a:solidFill>
+                            <a:schemeClr val="dk1"/>
+                          </a:solidFill>
+                          <a:effectLst/>
+                          <a:latin typeface="+mn-lt"/>
+                          <a:ea typeface="+mn-ea"/>
+                          <a:cs typeface="+mn-cs"/>
+                        </a:rPr>
+                        <a:t>Ik wil dat het er een sensor is om de windrichting te kunnen meten zodat ik de data van de windrichting kan krijgen</a:t>
+                      </a:r>
+                      <a:endParaRPr lang="nl-NL" sz="1600" b="1" dirty="0"/>
+                    </a:p>
+                    <a:p>
+                      <a:endParaRPr lang="nl-NL" sz="1600" b="1" dirty="0"/>
+                    </a:p>
+                  </a:txBody>
+                  <a:tcPr marL="61529" marR="61529" marT="30765" marB="30765"/>
+                </a:tc>
+                <a:tc>
+                  <a:txBody>
+                    <a:bodyPr/>
+                    <a:lstStyle/>
+                    <a:p>
+                      <a:pPr marL="0" marR="0" lvl="0" indent="0" algn="l" defTabSz="457200" rtl="0" eaLnBrk="1" fontAlgn="auto" latinLnBrk="0" hangingPunct="1">
+                        <a:lnSpc>
+                          <a:spcPct val="100000"/>
+                        </a:lnSpc>
+                        <a:spcBef>
+                          <a:spcPts val="0"/>
+                        </a:spcBef>
+                        <a:spcAft>
+                          <a:spcPts val="0"/>
+                        </a:spcAft>
+                        <a:buClrTx/>
+                        <a:buSzTx/>
+                        <a:buFontTx/>
+                        <a:buNone/>
+                        <a:tabLst/>
+                        <a:defRPr/>
+                      </a:pPr>
+                      <a:r>
+                        <a:rPr lang="nl-NL" sz="1600" b="1" kern="1200" dirty="0">
+                          <a:solidFill>
+                            <a:schemeClr val="dk1"/>
+                          </a:solidFill>
+                          <a:effectLst/>
+                          <a:latin typeface="+mn-lt"/>
+                          <a:ea typeface="+mn-ea"/>
+                          <a:cs typeface="+mn-cs"/>
+                        </a:rPr>
+                        <a:t>2.4 Kalibeer de windrichting sensor</a:t>
+                      </a:r>
+                      <a:endParaRPr lang="nl-NL" sz="1600" b="1" dirty="0"/>
+                    </a:p>
+                    <a:p>
+                      <a:endParaRPr lang="nl-NL" sz="1600" b="1" dirty="0"/>
+                    </a:p>
+                  </a:txBody>
+                  <a:tcPr marL="61529" marR="61529" marT="30765" marB="30765"/>
+                </a:tc>
+                <a:extLst>
+                  <a:ext uri="{0D108BD9-81ED-4DB2-BD59-A6C34878D82A}">
+                    <a16:rowId xmlns:a16="http://schemas.microsoft.com/office/drawing/2014/main" val="1230054864"/>
+                  </a:ext>
+                </a:extLst>
+              </a:tr>
+              <a:tr h="1064509">
+                <a:tc>
+                  <a:txBody>
+                    <a:bodyPr/>
+                    <a:lstStyle/>
+                    <a:p>
+                      <a:pPr marL="0" marR="0" lvl="0" indent="0" algn="l" defTabSz="457200" rtl="0" eaLnBrk="1" fontAlgn="auto" latinLnBrk="0" hangingPunct="1">
+                        <a:lnSpc>
+                          <a:spcPct val="100000"/>
+                        </a:lnSpc>
+                        <a:spcBef>
+                          <a:spcPts val="0"/>
+                        </a:spcBef>
+                        <a:spcAft>
+                          <a:spcPts val="0"/>
+                        </a:spcAft>
+                        <a:buClrTx/>
+                        <a:buSzTx/>
+                        <a:buFontTx/>
+                        <a:buNone/>
+                        <a:tabLst/>
+                        <a:defRPr/>
+                      </a:pPr>
+                      <a:r>
+                        <a:rPr lang="en-US" sz="1600" b="1" dirty="0"/>
+                        <a:t>1.</a:t>
+                      </a:r>
+                      <a:r>
+                        <a:rPr lang="nl-NL" sz="1600" b="1" kern="1200" dirty="0">
+                          <a:solidFill>
+                            <a:schemeClr val="dk1"/>
+                          </a:solidFill>
+                          <a:effectLst/>
+                          <a:latin typeface="+mn-lt"/>
+                          <a:ea typeface="+mn-ea"/>
+                          <a:cs typeface="+mn-cs"/>
+                        </a:rPr>
+                        <a:t> Ik wil dat er een sensor is die de windsnelheid meet zodat ik de data van de windsnelheid kan krijgen.</a:t>
+                      </a:r>
+                      <a:endParaRPr lang="nl-NL" sz="1600" b="1" dirty="0"/>
+                    </a:p>
+                    <a:p>
+                      <a:endParaRPr lang="nl-NL" sz="1600" b="1" dirty="0"/>
+                    </a:p>
+                  </a:txBody>
+                  <a:tcPr marL="61529" marR="61529" marT="30765" marB="30765"/>
+                </a:tc>
+                <a:tc>
+                  <a:txBody>
+                    <a:bodyPr/>
+                    <a:lstStyle/>
+                    <a:p>
+                      <a:pPr marL="0" marR="0" lvl="0" indent="0" algn="l" defTabSz="457200" rtl="0" eaLnBrk="1" fontAlgn="auto" latinLnBrk="0" hangingPunct="1">
+                        <a:lnSpc>
+                          <a:spcPct val="100000"/>
+                        </a:lnSpc>
+                        <a:spcBef>
+                          <a:spcPts val="0"/>
+                        </a:spcBef>
+                        <a:spcAft>
+                          <a:spcPts val="0"/>
+                        </a:spcAft>
+                        <a:buClrTx/>
+                        <a:buSzTx/>
+                        <a:buFontTx/>
+                        <a:buNone/>
+                        <a:tabLst/>
+                        <a:defRPr/>
+                      </a:pPr>
+                      <a:r>
+                        <a:rPr lang="nl-NL" sz="1600" b="1" kern="1200" dirty="0">
+                          <a:solidFill>
+                            <a:schemeClr val="dk1"/>
+                          </a:solidFill>
+                          <a:effectLst/>
+                          <a:latin typeface="+mn-lt"/>
+                          <a:ea typeface="+mn-ea"/>
+                          <a:cs typeface="+mn-cs"/>
+                        </a:rPr>
+                        <a:t>1.4 Kalibreer de windsnelheid sensor.</a:t>
+                      </a:r>
+                      <a:endParaRPr lang="nl-NL" sz="1600" b="1" dirty="0"/>
+                    </a:p>
+                    <a:p>
+                      <a:pPr marL="0" marR="0" lvl="0" indent="0" algn="l" defTabSz="457200" rtl="0" eaLnBrk="1" fontAlgn="auto" latinLnBrk="0" hangingPunct="1">
+                        <a:lnSpc>
+                          <a:spcPct val="100000"/>
+                        </a:lnSpc>
+                        <a:spcBef>
+                          <a:spcPts val="0"/>
+                        </a:spcBef>
+                        <a:spcAft>
+                          <a:spcPts val="0"/>
+                        </a:spcAft>
+                        <a:buClrTx/>
+                        <a:buSzTx/>
+                        <a:buFontTx/>
+                        <a:buNone/>
+                        <a:tabLst/>
+                        <a:defRPr/>
+                      </a:pPr>
+                      <a:endParaRPr lang="nl-NL" sz="1600" b="1" kern="1200" dirty="0">
+                        <a:solidFill>
+                          <a:schemeClr val="dk1"/>
+                        </a:solidFill>
+                        <a:effectLst/>
+                        <a:latin typeface="+mn-lt"/>
+                        <a:ea typeface="+mn-ea"/>
+                        <a:cs typeface="+mn-cs"/>
+                      </a:endParaRPr>
+                    </a:p>
+                    <a:p>
+                      <a:endParaRPr lang="nl-NL" sz="1600" b="1" dirty="0"/>
+                    </a:p>
+                  </a:txBody>
+                  <a:tcPr marL="61529" marR="61529" marT="30765" marB="30765"/>
+                </a:tc>
+                <a:extLst>
+                  <a:ext uri="{0D108BD9-81ED-4DB2-BD59-A6C34878D82A}">
+                    <a16:rowId xmlns:a16="http://schemas.microsoft.com/office/drawing/2014/main" val="1872891904"/>
+                  </a:ext>
+                </a:extLst>
+              </a:tr>
+            </a:tbl>
+          </a:graphicData>
+        </a:graphic>
+      </p:graphicFrame>
     </p:spTree>
     <p:extLst>
       <p:ext uri="{BB962C8B-B14F-4D97-AF65-F5344CB8AC3E}">
@@ -6825,7 +8383,7 @@
 </p:sld>
 </file>
 
-<file path=ppt/slides/slide6.xml><?xml version="1.0" encoding="utf-8"?>
+<file path=ppt/slides/slide7.xml><?xml version="1.0" encoding="utf-8"?>
 <p:sld xmlns:a="http://schemas.openxmlformats.org/drawingml/2006/main" xmlns:r="http://schemas.openxmlformats.org/officeDocument/2006/relationships" xmlns:p="http://schemas.openxmlformats.org/presentationml/2006/main">
   <p:cSld>
     <p:spTree>

--- a/documentatie/scrum presentaties/sprint 1.pptx
+++ b/documentatie/scrum presentaties/sprint 1.pptx
@@ -8,10 +8,11 @@
     <p:sldId id="256" r:id="rId2"/>
     <p:sldId id="257" r:id="rId3"/>
     <p:sldId id="262" r:id="rId4"/>
-    <p:sldId id="258" r:id="rId5"/>
-    <p:sldId id="259" r:id="rId6"/>
-    <p:sldId id="260" r:id="rId7"/>
-    <p:sldId id="261" r:id="rId8"/>
+    <p:sldId id="263" r:id="rId5"/>
+    <p:sldId id="258" r:id="rId6"/>
+    <p:sldId id="259" r:id="rId7"/>
+    <p:sldId id="260" r:id="rId8"/>
+    <p:sldId id="261" r:id="rId9"/>
   </p:sldIdLst>
   <p:sldSz cx="12192000" cy="6858000"/>
   <p:notesSz cx="6858000" cy="9144000"/>
@@ -6099,6 +6100,101 @@
           <a:chExt cx="0" cy="0"/>
         </a:xfrm>
       </p:grpSpPr>
+      <p:sp>
+        <p:nvSpPr>
+          <p:cNvPr id="2" name="Titel 1">
+            <a:extLst>
+              <a:ext uri="{FF2B5EF4-FFF2-40B4-BE49-F238E27FC236}">
+                <a16:creationId xmlns:a16="http://schemas.microsoft.com/office/drawing/2014/main" id="{A33DC8E8-02C7-CA06-DC51-1668982B78E7}"/>
+              </a:ext>
+            </a:extLst>
+          </p:cNvPr>
+          <p:cNvSpPr>
+            <a:spLocks noGrp="1"/>
+          </p:cNvSpPr>
+          <p:nvPr>
+            <p:ph type="title"/>
+          </p:nvPr>
+        </p:nvSpPr>
+        <p:spPr>
+          <a:xfrm>
+            <a:off x="677334" y="609600"/>
+            <a:ext cx="8596668" cy="1320800"/>
+          </a:xfrm>
+        </p:spPr>
+        <p:txBody>
+          <a:bodyPr anchor="t">
+            <a:normAutofit/>
+          </a:bodyPr>
+          <a:lstStyle/>
+          <a:p>
+            <a:r>
+              <a:rPr lang="en-US" dirty="0" err="1"/>
+              <a:t>Gesprek</a:t>
+            </a:r>
+            <a:r>
+              <a:rPr lang="en-US" dirty="0"/>
+              <a:t> met product owner</a:t>
+            </a:r>
+            <a:endParaRPr lang="nl-NL" dirty="0"/>
+          </a:p>
+        </p:txBody>
+      </p:sp>
+      <p:sp>
+        <p:nvSpPr>
+          <p:cNvPr id="9" name="Content Placeholder 8">
+            <a:extLst>
+              <a:ext uri="{FF2B5EF4-FFF2-40B4-BE49-F238E27FC236}">
+                <a16:creationId xmlns:a16="http://schemas.microsoft.com/office/drawing/2014/main" id="{0DA4438D-7104-8BA3-6B01-D81D3D9D99FD}"/>
+              </a:ext>
+            </a:extLst>
+          </p:cNvPr>
+          <p:cNvSpPr>
+            <a:spLocks noGrp="1"/>
+          </p:cNvSpPr>
+          <p:nvPr>
+            <p:ph idx="1"/>
+          </p:nvPr>
+        </p:nvSpPr>
+        <p:spPr>
+          <a:xfrm>
+            <a:off x="677334" y="2160589"/>
+            <a:ext cx="3957349" cy="3880773"/>
+          </a:xfrm>
+        </p:spPr>
+        <p:txBody>
+          <a:bodyPr>
+            <a:normAutofit/>
+          </a:bodyPr>
+          <a:lstStyle/>
+          <a:p>
+            <a:r>
+              <a:rPr lang="en-US" dirty="0" err="1"/>
+              <a:t>Uitleg</a:t>
+            </a:r>
+            <a:r>
+              <a:rPr lang="en-US" dirty="0"/>
+              <a:t> </a:t>
+            </a:r>
+            <a:r>
+              <a:rPr lang="en-US" dirty="0" err="1"/>
+              <a:t>gekregen</a:t>
+            </a:r>
+            <a:r>
+              <a:rPr lang="en-US" dirty="0"/>
+              <a:t> over hoe het system </a:t>
+            </a:r>
+            <a:r>
+              <a:rPr lang="en-US" dirty="0" err="1"/>
+              <a:t>werkt</a:t>
+            </a:r>
+            <a:endParaRPr lang="en-US" dirty="0"/>
+          </a:p>
+          <a:p>
+            <a:endParaRPr lang="en-US" dirty="0"/>
+          </a:p>
+        </p:txBody>
+      </p:sp>
       <p:pic>
         <p:nvPicPr>
           <p:cNvPr id="5" name="Tijdelijke aanduiding voor inhoud 4" descr="Afbeelding met buitenshuis, gebouw, meer, water&#10;&#10;Door AI gegenereerde inhoud is mogelijk onjuist.">
@@ -6121,850 +6217,21 @@
               </a:ext>
             </a:extLst>
           </a:blip>
-          <a:srcRect l="13362"/>
+          <a:srcRect l="14710" r="-2" b="-2"/>
           <a:stretch>
             <a:fillRect/>
           </a:stretch>
         </p:blipFill>
         <p:spPr>
           <a:xfrm>
-            <a:off x="4269854" y="-1"/>
-            <a:ext cx="7922146" cy="6858001"/>
+            <a:off x="5056949" y="1296099"/>
+            <a:ext cx="6078411" cy="5345034"/>
           </a:xfrm>
-          <a:custGeom>
+          <a:prstGeom prst="rect">
             <a:avLst/>
-            <a:gdLst/>
-            <a:ahLst/>
-            <a:cxnLst/>
-            <a:rect l="l" t="t" r="r" b="b"/>
-            <a:pathLst>
-              <a:path w="7922146" h="6858001">
-                <a:moveTo>
-                  <a:pt x="379987" y="0"/>
-                </a:moveTo>
-                <a:lnTo>
-                  <a:pt x="5304971" y="0"/>
-                </a:lnTo>
-                <a:lnTo>
-                  <a:pt x="7065281" y="0"/>
-                </a:lnTo>
-                <a:lnTo>
-                  <a:pt x="7397540" y="0"/>
-                </a:lnTo>
-                <a:lnTo>
-                  <a:pt x="7397540" y="1"/>
-                </a:lnTo>
-                <a:lnTo>
-                  <a:pt x="7922146" y="1"/>
-                </a:lnTo>
-                <a:lnTo>
-                  <a:pt x="7922146" y="6858001"/>
-                </a:lnTo>
-                <a:lnTo>
-                  <a:pt x="7065281" y="6858001"/>
-                </a:lnTo>
-                <a:lnTo>
-                  <a:pt x="7065281" y="6858000"/>
-                </a:lnTo>
-                <a:lnTo>
-                  <a:pt x="5932989" y="6858000"/>
-                </a:lnTo>
-                <a:lnTo>
-                  <a:pt x="5932989" y="6858001"/>
-                </a:lnTo>
-                <a:lnTo>
-                  <a:pt x="27809" y="6858001"/>
-                </a:lnTo>
-                <a:lnTo>
-                  <a:pt x="1803228" y="4521201"/>
-                </a:lnTo>
-                <a:close/>
-                <a:moveTo>
-                  <a:pt x="0" y="0"/>
-                </a:moveTo>
-                <a:lnTo>
-                  <a:pt x="379987" y="0"/>
-                </a:lnTo>
-                <a:lnTo>
-                  <a:pt x="0" y="407"/>
-                </a:lnTo>
-                <a:close/>
-              </a:path>
-            </a:pathLst>
-          </a:custGeom>
+          </a:prstGeom>
         </p:spPr>
       </p:pic>
-      <p:sp>
-        <p:nvSpPr>
-          <p:cNvPr id="2" name="Titel 1">
-            <a:extLst>
-              <a:ext uri="{FF2B5EF4-FFF2-40B4-BE49-F238E27FC236}">
-                <a16:creationId xmlns:a16="http://schemas.microsoft.com/office/drawing/2014/main" id="{A33DC8E8-02C7-CA06-DC51-1668982B78E7}"/>
-              </a:ext>
-            </a:extLst>
-          </p:cNvPr>
-          <p:cNvSpPr>
-            <a:spLocks noGrp="1"/>
-          </p:cNvSpPr>
-          <p:nvPr>
-            <p:ph type="title"/>
-          </p:nvPr>
-        </p:nvSpPr>
-        <p:spPr>
-          <a:xfrm>
-            <a:off x="677333" y="609600"/>
-            <a:ext cx="3851123" cy="1320800"/>
-          </a:xfrm>
-        </p:spPr>
-        <p:txBody>
-          <a:bodyPr>
-            <a:normAutofit/>
-          </a:bodyPr>
-          <a:lstStyle/>
-          <a:p>
-            <a:r>
-              <a:rPr lang="en-US" dirty="0" err="1"/>
-              <a:t>Gesprek</a:t>
-            </a:r>
-            <a:r>
-              <a:rPr lang="en-US" dirty="0"/>
-              <a:t> met product owner</a:t>
-            </a:r>
-            <a:endParaRPr lang="nl-NL" dirty="0"/>
-          </a:p>
-        </p:txBody>
-      </p:sp>
-      <p:sp>
-        <p:nvSpPr>
-          <p:cNvPr id="9" name="Content Placeholder 8">
-            <a:extLst>
-              <a:ext uri="{FF2B5EF4-FFF2-40B4-BE49-F238E27FC236}">
-                <a16:creationId xmlns:a16="http://schemas.microsoft.com/office/drawing/2014/main" id="{0DA4438D-7104-8BA3-6B01-D81D3D9D99FD}"/>
-              </a:ext>
-            </a:extLst>
-          </p:cNvPr>
-          <p:cNvSpPr>
-            <a:spLocks noGrp="1"/>
-          </p:cNvSpPr>
-          <p:nvPr>
-            <p:ph idx="1"/>
-          </p:nvPr>
-        </p:nvSpPr>
-        <p:spPr>
-          <a:xfrm>
-            <a:off x="677334" y="2160589"/>
-            <a:ext cx="3851122" cy="3880773"/>
-          </a:xfrm>
-        </p:spPr>
-        <p:txBody>
-          <a:bodyPr>
-            <a:normAutofit/>
-          </a:bodyPr>
-          <a:lstStyle/>
-          <a:p>
-            <a:r>
-              <a:rPr lang="en-US" dirty="0" err="1"/>
-              <a:t>Uitleg</a:t>
-            </a:r>
-            <a:r>
-              <a:rPr lang="en-US" dirty="0"/>
-              <a:t> </a:t>
-            </a:r>
-            <a:r>
-              <a:rPr lang="en-US" dirty="0" err="1"/>
-              <a:t>gekregen</a:t>
-            </a:r>
-            <a:r>
-              <a:rPr lang="en-US" dirty="0"/>
-              <a:t> over hoe het system </a:t>
-            </a:r>
-            <a:r>
-              <a:rPr lang="en-US" dirty="0" err="1"/>
-              <a:t>werkt</a:t>
-            </a:r>
-            <a:endParaRPr lang="en-US" dirty="0"/>
-          </a:p>
-          <a:p>
-            <a:endParaRPr lang="en-US" dirty="0"/>
-          </a:p>
-        </p:txBody>
-      </p:sp>
-      <p:cxnSp>
-        <p:nvCxnSpPr>
-          <p:cNvPr id="14" name="Straight Connector 13">
-            <a:extLst>
-              <a:ext uri="{FF2B5EF4-FFF2-40B4-BE49-F238E27FC236}">
-                <a16:creationId xmlns:a16="http://schemas.microsoft.com/office/drawing/2014/main" id="{64FA5DFF-7FE6-4855-84E6-DFA78EE978BD}"/>
-              </a:ext>
-              <a:ext uri="{C183D7F6-B498-43B3-948B-1728B52AA6E4}">
-                <adec:decorative xmlns:adec="http://schemas.microsoft.com/office/drawing/2017/decorative" val="1"/>
-              </a:ext>
-            </a:extLst>
-          </p:cNvPr>
-          <p:cNvCxnSpPr>
-            <a:cxnSpLocks noGrp="1" noRot="1" noChangeAspect="1" noMove="1" noResize="1" noEditPoints="1" noAdjustHandles="1" noChangeArrowheads="1" noChangeShapeType="1"/>
-          </p:cNvCxnSpPr>
-          <p:nvPr>
-            <p:extLst>
-              <p:ext uri="{386F3935-93C4-4BCD-93E2-E3B085C9AB24}">
-                <p16:designElem xmlns:p16="http://schemas.microsoft.com/office/powerpoint/2015/main" val="1"/>
-              </p:ext>
-            </p:extLst>
-          </p:nvPr>
-        </p:nvCxnSpPr>
-        <p:spPr>
-          <a:xfrm>
-            <a:off x="9371012" y="0"/>
-            <a:ext cx="1219200" cy="6858000"/>
-          </a:xfrm>
-          <a:prstGeom prst="line">
-            <a:avLst/>
-          </a:prstGeom>
-          <a:ln w="9525">
-            <a:solidFill>
-              <a:schemeClr val="bg1">
-                <a:lumMod val="75000"/>
-              </a:schemeClr>
-            </a:solidFill>
-          </a:ln>
-        </p:spPr>
-        <p:style>
-          <a:lnRef idx="2">
-            <a:schemeClr val="accent1"/>
-          </a:lnRef>
-          <a:fillRef idx="0">
-            <a:schemeClr val="accent1"/>
-          </a:fillRef>
-          <a:effectRef idx="1">
-            <a:schemeClr val="accent1"/>
-          </a:effectRef>
-          <a:fontRef idx="minor">
-            <a:schemeClr val="tx1"/>
-          </a:fontRef>
-        </p:style>
-      </p:cxnSp>
-      <p:cxnSp>
-        <p:nvCxnSpPr>
-          <p:cNvPr id="16" name="Straight Connector 15">
-            <a:extLst>
-              <a:ext uri="{FF2B5EF4-FFF2-40B4-BE49-F238E27FC236}">
-                <a16:creationId xmlns:a16="http://schemas.microsoft.com/office/drawing/2014/main" id="{2AFD8CBA-54A3-4363-991B-B9C631BBFA74}"/>
-              </a:ext>
-              <a:ext uri="{C183D7F6-B498-43B3-948B-1728B52AA6E4}">
-                <adec:decorative xmlns:adec="http://schemas.microsoft.com/office/drawing/2017/decorative" val="1"/>
-              </a:ext>
-            </a:extLst>
-          </p:cNvPr>
-          <p:cNvCxnSpPr>
-            <a:cxnSpLocks noGrp="1" noRot="1" noChangeAspect="1" noMove="1" noResize="1" noEditPoints="1" noAdjustHandles="1" noChangeArrowheads="1" noChangeShapeType="1"/>
-          </p:cNvCxnSpPr>
-          <p:nvPr>
-            <p:extLst>
-              <p:ext uri="{386F3935-93C4-4BCD-93E2-E3B085C9AB24}">
-                <p16:designElem xmlns:p16="http://schemas.microsoft.com/office/powerpoint/2015/main" val="1"/>
-              </p:ext>
-            </p:extLst>
-          </p:nvPr>
-        </p:nvCxnSpPr>
-        <p:spPr>
-          <a:xfrm flipH="1">
-            <a:off x="7425267" y="3681413"/>
-            <a:ext cx="4763558" cy="3176587"/>
-          </a:xfrm>
-          <a:prstGeom prst="line">
-            <a:avLst/>
-          </a:prstGeom>
-          <a:ln w="9525">
-            <a:solidFill>
-              <a:schemeClr val="bg1">
-                <a:lumMod val="85000"/>
-              </a:schemeClr>
-            </a:solidFill>
-          </a:ln>
-        </p:spPr>
-        <p:style>
-          <a:lnRef idx="2">
-            <a:schemeClr val="accent1"/>
-          </a:lnRef>
-          <a:fillRef idx="0">
-            <a:schemeClr val="accent1"/>
-          </a:fillRef>
-          <a:effectRef idx="1">
-            <a:schemeClr val="accent1"/>
-          </a:effectRef>
-          <a:fontRef idx="minor">
-            <a:schemeClr val="tx1"/>
-          </a:fontRef>
-        </p:style>
-      </p:cxnSp>
-      <p:sp>
-        <p:nvSpPr>
-          <p:cNvPr id="18" name="Rectangle 23">
-            <a:extLst>
-              <a:ext uri="{FF2B5EF4-FFF2-40B4-BE49-F238E27FC236}">
-                <a16:creationId xmlns:a16="http://schemas.microsoft.com/office/drawing/2014/main" id="{3F088236-D655-4F88-B238-E16762358025}"/>
-              </a:ext>
-              <a:ext uri="{C183D7F6-B498-43B3-948B-1728B52AA6E4}">
-                <adec:decorative xmlns:adec="http://schemas.microsoft.com/office/drawing/2017/decorative" val="1"/>
-              </a:ext>
-            </a:extLst>
-          </p:cNvPr>
-          <p:cNvSpPr>
-            <a:spLocks noGrp="1" noRot="1" noChangeAspect="1" noMove="1" noResize="1" noEditPoints="1" noAdjustHandles="1" noChangeArrowheads="1" noChangeShapeType="1" noTextEdit="1"/>
-          </p:cNvSpPr>
-          <p:nvPr>
-            <p:extLst>
-              <p:ext uri="{386F3935-93C4-4BCD-93E2-E3B085C9AB24}">
-                <p16:designElem xmlns:p16="http://schemas.microsoft.com/office/powerpoint/2015/main" val="1"/>
-              </p:ext>
-            </p:extLst>
-          </p:nvPr>
-        </p:nvSpPr>
-        <p:spPr>
-          <a:xfrm>
-            <a:off x="9181476" y="-8467"/>
-            <a:ext cx="3007349" cy="6866467"/>
-          </a:xfrm>
-          <a:custGeom>
-            <a:avLst/>
-            <a:gdLst/>
-            <a:ahLst/>
-            <a:cxnLst/>
-            <a:rect l="l" t="t" r="r" b="b"/>
-            <a:pathLst>
-              <a:path w="3007349" h="6866467">
-                <a:moveTo>
-                  <a:pt x="2045532" y="0"/>
-                </a:moveTo>
-                <a:lnTo>
-                  <a:pt x="3007349" y="0"/>
-                </a:lnTo>
-                <a:lnTo>
-                  <a:pt x="3007349" y="6866467"/>
-                </a:lnTo>
-                <a:lnTo>
-                  <a:pt x="0" y="6866467"/>
-                </a:lnTo>
-                <a:lnTo>
-                  <a:pt x="2045532" y="0"/>
-                </a:lnTo>
-                <a:close/>
-              </a:path>
-            </a:pathLst>
-          </a:custGeom>
-          <a:solidFill>
-            <a:schemeClr val="accent1">
-              <a:alpha val="30000"/>
-            </a:schemeClr>
-          </a:solidFill>
-          <a:ln>
-            <a:noFill/>
-          </a:ln>
-          <a:effectLst/>
-        </p:spPr>
-        <p:style>
-          <a:lnRef idx="1">
-            <a:schemeClr val="accent1"/>
-          </a:lnRef>
-          <a:fillRef idx="3">
-            <a:schemeClr val="accent1"/>
-          </a:fillRef>
-          <a:effectRef idx="2">
-            <a:schemeClr val="accent1"/>
-          </a:effectRef>
-          <a:fontRef idx="minor">
-            <a:schemeClr val="lt1"/>
-          </a:fontRef>
-        </p:style>
-        <p:txBody>
-          <a:bodyPr/>
-          <a:lstStyle/>
-          <a:p>
-            <a:endParaRPr lang="nl-NL"/>
-          </a:p>
-        </p:txBody>
-      </p:sp>
-      <p:sp>
-        <p:nvSpPr>
-          <p:cNvPr id="20" name="Rectangle 25">
-            <a:extLst>
-              <a:ext uri="{FF2B5EF4-FFF2-40B4-BE49-F238E27FC236}">
-                <a16:creationId xmlns:a16="http://schemas.microsoft.com/office/drawing/2014/main" id="{3DAC0C92-199E-475C-9390-119A9B027276}"/>
-              </a:ext>
-              <a:ext uri="{C183D7F6-B498-43B3-948B-1728B52AA6E4}">
-                <adec:decorative xmlns:adec="http://schemas.microsoft.com/office/drawing/2017/decorative" val="1"/>
-              </a:ext>
-            </a:extLst>
-          </p:cNvPr>
-          <p:cNvSpPr>
-            <a:spLocks noGrp="1" noRot="1" noChangeAspect="1" noMove="1" noResize="1" noEditPoints="1" noAdjustHandles="1" noChangeArrowheads="1" noChangeShapeType="1" noTextEdit="1"/>
-          </p:cNvSpPr>
-          <p:nvPr>
-            <p:extLst>
-              <p:ext uri="{386F3935-93C4-4BCD-93E2-E3B085C9AB24}">
-                <p16:designElem xmlns:p16="http://schemas.microsoft.com/office/powerpoint/2015/main" val="1"/>
-              </p:ext>
-            </p:extLst>
-          </p:nvPr>
-        </p:nvSpPr>
-        <p:spPr>
-          <a:xfrm>
-            <a:off x="9603442" y="-8467"/>
-            <a:ext cx="2588558" cy="6866467"/>
-          </a:xfrm>
-          <a:custGeom>
-            <a:avLst/>
-            <a:gdLst/>
-            <a:ahLst/>
-            <a:cxnLst/>
-            <a:rect l="l" t="t" r="r" b="b"/>
-            <a:pathLst>
-              <a:path w="2573311" h="6866467">
-                <a:moveTo>
-                  <a:pt x="0" y="0"/>
-                </a:moveTo>
-                <a:lnTo>
-                  <a:pt x="2573311" y="0"/>
-                </a:lnTo>
-                <a:lnTo>
-                  <a:pt x="2573311" y="6866467"/>
-                </a:lnTo>
-                <a:lnTo>
-                  <a:pt x="1202336" y="6866467"/>
-                </a:lnTo>
-                <a:lnTo>
-                  <a:pt x="0" y="0"/>
-                </a:lnTo>
-                <a:close/>
-              </a:path>
-            </a:pathLst>
-          </a:custGeom>
-          <a:solidFill>
-            <a:schemeClr val="accent1">
-              <a:alpha val="20000"/>
-            </a:schemeClr>
-          </a:solidFill>
-          <a:ln>
-            <a:noFill/>
-          </a:ln>
-          <a:effectLst/>
-        </p:spPr>
-        <p:style>
-          <a:lnRef idx="1">
-            <a:schemeClr val="accent1"/>
-          </a:lnRef>
-          <a:fillRef idx="3">
-            <a:schemeClr val="accent1"/>
-          </a:fillRef>
-          <a:effectRef idx="2">
-            <a:schemeClr val="accent1"/>
-          </a:effectRef>
-          <a:fontRef idx="minor">
-            <a:schemeClr val="lt1"/>
-          </a:fontRef>
-        </p:style>
-        <p:txBody>
-          <a:bodyPr/>
-          <a:lstStyle/>
-          <a:p>
-            <a:endParaRPr lang="nl-NL"/>
-          </a:p>
-        </p:txBody>
-      </p:sp>
-      <p:sp>
-        <p:nvSpPr>
-          <p:cNvPr id="22" name="Isosceles Triangle 24">
-            <a:extLst>
-              <a:ext uri="{FF2B5EF4-FFF2-40B4-BE49-F238E27FC236}">
-                <a16:creationId xmlns:a16="http://schemas.microsoft.com/office/drawing/2014/main" id="{C4CFB339-0ED8-4FE2-9EF1-6D1375B8499B}"/>
-              </a:ext>
-              <a:ext uri="{C183D7F6-B498-43B3-948B-1728B52AA6E4}">
-                <adec:decorative xmlns:adec="http://schemas.microsoft.com/office/drawing/2017/decorative" val="1"/>
-              </a:ext>
-            </a:extLst>
-          </p:cNvPr>
-          <p:cNvSpPr>
-            <a:spLocks noGrp="1" noRot="1" noChangeAspect="1" noMove="1" noResize="1" noEditPoints="1" noAdjustHandles="1" noChangeArrowheads="1" noChangeShapeType="1" noTextEdit="1"/>
-          </p:cNvSpPr>
-          <p:nvPr>
-            <p:extLst>
-              <p:ext uri="{386F3935-93C4-4BCD-93E2-E3B085C9AB24}">
-                <p16:designElem xmlns:p16="http://schemas.microsoft.com/office/powerpoint/2015/main" val="1"/>
-              </p:ext>
-            </p:extLst>
-          </p:nvPr>
-        </p:nvSpPr>
-        <p:spPr>
-          <a:xfrm>
-            <a:off x="8932333" y="3048000"/>
-            <a:ext cx="3259667" cy="3810000"/>
-          </a:xfrm>
-          <a:prstGeom prst="triangle">
-            <a:avLst>
-              <a:gd name="adj" fmla="val 100000"/>
-            </a:avLst>
-          </a:prstGeom>
-          <a:solidFill>
-            <a:schemeClr val="accent2">
-              <a:alpha val="72000"/>
-            </a:schemeClr>
-          </a:solidFill>
-          <a:ln>
-            <a:noFill/>
-          </a:ln>
-          <a:effectLst/>
-        </p:spPr>
-        <p:style>
-          <a:lnRef idx="1">
-            <a:schemeClr val="accent1"/>
-          </a:lnRef>
-          <a:fillRef idx="3">
-            <a:schemeClr val="accent1"/>
-          </a:fillRef>
-          <a:effectRef idx="2">
-            <a:schemeClr val="accent1"/>
-          </a:effectRef>
-          <a:fontRef idx="minor">
-            <a:schemeClr val="lt1"/>
-          </a:fontRef>
-        </p:style>
-        <p:txBody>
-          <a:bodyPr/>
-          <a:lstStyle/>
-          <a:p>
-            <a:endParaRPr lang="nl-NL"/>
-          </a:p>
-        </p:txBody>
-      </p:sp>
-      <p:sp>
-        <p:nvSpPr>
-          <p:cNvPr id="24" name="Rectangle 27">
-            <a:extLst>
-              <a:ext uri="{FF2B5EF4-FFF2-40B4-BE49-F238E27FC236}">
-                <a16:creationId xmlns:a16="http://schemas.microsoft.com/office/drawing/2014/main" id="{31896C80-2069-4431-9C19-83B913734490}"/>
-              </a:ext>
-              <a:ext uri="{C183D7F6-B498-43B3-948B-1728B52AA6E4}">
-                <adec:decorative xmlns:adec="http://schemas.microsoft.com/office/drawing/2017/decorative" val="1"/>
-              </a:ext>
-            </a:extLst>
-          </p:cNvPr>
-          <p:cNvSpPr>
-            <a:spLocks noGrp="1" noRot="1" noChangeAspect="1" noMove="1" noResize="1" noEditPoints="1" noAdjustHandles="1" noChangeArrowheads="1" noChangeShapeType="1" noTextEdit="1"/>
-          </p:cNvSpPr>
-          <p:nvPr>
-            <p:extLst>
-              <p:ext uri="{386F3935-93C4-4BCD-93E2-E3B085C9AB24}">
-                <p16:designElem xmlns:p16="http://schemas.microsoft.com/office/powerpoint/2015/main" val="1"/>
-              </p:ext>
-            </p:extLst>
-          </p:nvPr>
-        </p:nvSpPr>
-        <p:spPr>
-          <a:xfrm>
-            <a:off x="9334500" y="-8467"/>
-            <a:ext cx="2854326" cy="6866467"/>
-          </a:xfrm>
-          <a:custGeom>
-            <a:avLst/>
-            <a:gdLst/>
-            <a:ahLst/>
-            <a:cxnLst/>
-            <a:rect l="l" t="t" r="r" b="b"/>
-            <a:pathLst>
-              <a:path w="2858013" h="6866467">
-                <a:moveTo>
-                  <a:pt x="0" y="0"/>
-                </a:moveTo>
-                <a:lnTo>
-                  <a:pt x="2858013" y="0"/>
-                </a:lnTo>
-                <a:lnTo>
-                  <a:pt x="2858013" y="6866467"/>
-                </a:lnTo>
-                <a:lnTo>
-                  <a:pt x="2473942" y="6866467"/>
-                </a:lnTo>
-                <a:lnTo>
-                  <a:pt x="0" y="0"/>
-                </a:lnTo>
-                <a:close/>
-              </a:path>
-            </a:pathLst>
-          </a:custGeom>
-          <a:solidFill>
-            <a:schemeClr val="accent2">
-              <a:lumMod val="75000"/>
-              <a:alpha val="47000"/>
-            </a:schemeClr>
-          </a:solidFill>
-          <a:ln>
-            <a:noFill/>
-          </a:ln>
-          <a:effectLst/>
-        </p:spPr>
-        <p:style>
-          <a:lnRef idx="1">
-            <a:schemeClr val="accent1"/>
-          </a:lnRef>
-          <a:fillRef idx="3">
-            <a:schemeClr val="accent1"/>
-          </a:fillRef>
-          <a:effectRef idx="2">
-            <a:schemeClr val="accent1"/>
-          </a:effectRef>
-          <a:fontRef idx="minor">
-            <a:schemeClr val="lt1"/>
-          </a:fontRef>
-        </p:style>
-        <p:txBody>
-          <a:bodyPr/>
-          <a:lstStyle/>
-          <a:p>
-            <a:endParaRPr lang="nl-NL"/>
-          </a:p>
-        </p:txBody>
-      </p:sp>
-      <p:sp>
-        <p:nvSpPr>
-          <p:cNvPr id="26" name="Rectangle 28">
-            <a:extLst>
-              <a:ext uri="{FF2B5EF4-FFF2-40B4-BE49-F238E27FC236}">
-                <a16:creationId xmlns:a16="http://schemas.microsoft.com/office/drawing/2014/main" id="{BF120A21-0841-4823-B0C4-28AEBCEF9B78}"/>
-              </a:ext>
-              <a:ext uri="{C183D7F6-B498-43B3-948B-1728B52AA6E4}">
-                <adec:decorative xmlns:adec="http://schemas.microsoft.com/office/drawing/2017/decorative" val="1"/>
-              </a:ext>
-            </a:extLst>
-          </p:cNvPr>
-          <p:cNvSpPr>
-            <a:spLocks noGrp="1" noRot="1" noChangeAspect="1" noMove="1" noResize="1" noEditPoints="1" noAdjustHandles="1" noChangeArrowheads="1" noChangeShapeType="1" noTextEdit="1"/>
-          </p:cNvSpPr>
-          <p:nvPr>
-            <p:extLst>
-              <p:ext uri="{386F3935-93C4-4BCD-93E2-E3B085C9AB24}">
-                <p16:designElem xmlns:p16="http://schemas.microsoft.com/office/powerpoint/2015/main" val="1"/>
-              </p:ext>
-            </p:extLst>
-          </p:nvPr>
-        </p:nvSpPr>
-        <p:spPr>
-          <a:xfrm>
-            <a:off x="10898730" y="-8467"/>
-            <a:ext cx="1290094" cy="6866467"/>
-          </a:xfrm>
-          <a:custGeom>
-            <a:avLst/>
-            <a:gdLst/>
-            <a:ahLst/>
-            <a:cxnLst/>
-            <a:rect l="l" t="t" r="r" b="b"/>
-            <a:pathLst>
-              <a:path w="1290094" h="6858000">
-                <a:moveTo>
-                  <a:pt x="1019735" y="0"/>
-                </a:moveTo>
-                <a:lnTo>
-                  <a:pt x="1290094" y="0"/>
-                </a:lnTo>
-                <a:lnTo>
-                  <a:pt x="1290094" y="6858000"/>
-                </a:lnTo>
-                <a:lnTo>
-                  <a:pt x="0" y="6858000"/>
-                </a:lnTo>
-                <a:lnTo>
-                  <a:pt x="1019735" y="0"/>
-                </a:lnTo>
-                <a:close/>
-              </a:path>
-            </a:pathLst>
-          </a:custGeom>
-          <a:solidFill>
-            <a:schemeClr val="accent1">
-              <a:lumMod val="60000"/>
-              <a:lumOff val="40000"/>
-              <a:alpha val="70000"/>
-            </a:schemeClr>
-          </a:solidFill>
-          <a:ln>
-            <a:noFill/>
-          </a:ln>
-          <a:effectLst/>
-        </p:spPr>
-        <p:style>
-          <a:lnRef idx="1">
-            <a:schemeClr val="accent1"/>
-          </a:lnRef>
-          <a:fillRef idx="3">
-            <a:schemeClr val="accent1"/>
-          </a:fillRef>
-          <a:effectRef idx="2">
-            <a:schemeClr val="accent1"/>
-          </a:effectRef>
-          <a:fontRef idx="minor">
-            <a:schemeClr val="lt1"/>
-          </a:fontRef>
-        </p:style>
-        <p:txBody>
-          <a:bodyPr/>
-          <a:lstStyle/>
-          <a:p>
-            <a:endParaRPr lang="nl-NL"/>
-          </a:p>
-        </p:txBody>
-      </p:sp>
-      <p:sp>
-        <p:nvSpPr>
-          <p:cNvPr id="28" name="Rectangle 29">
-            <a:extLst>
-              <a:ext uri="{FF2B5EF4-FFF2-40B4-BE49-F238E27FC236}">
-                <a16:creationId xmlns:a16="http://schemas.microsoft.com/office/drawing/2014/main" id="{DBB05BAE-BBD3-4289-899F-A6851503C6B0}"/>
-              </a:ext>
-              <a:ext uri="{C183D7F6-B498-43B3-948B-1728B52AA6E4}">
-                <adec:decorative xmlns:adec="http://schemas.microsoft.com/office/drawing/2017/decorative" val="1"/>
-              </a:ext>
-            </a:extLst>
-          </p:cNvPr>
-          <p:cNvSpPr>
-            <a:spLocks noGrp="1" noRot="1" noChangeAspect="1" noMove="1" noResize="1" noEditPoints="1" noAdjustHandles="1" noChangeArrowheads="1" noChangeShapeType="1" noTextEdit="1"/>
-          </p:cNvSpPr>
-          <p:nvPr>
-            <p:extLst>
-              <p:ext uri="{386F3935-93C4-4BCD-93E2-E3B085C9AB24}">
-                <p16:designElem xmlns:p16="http://schemas.microsoft.com/office/powerpoint/2015/main" val="1"/>
-              </p:ext>
-            </p:extLst>
-          </p:nvPr>
-        </p:nvSpPr>
-        <p:spPr>
-          <a:xfrm>
-            <a:off x="10938999" y="-8467"/>
-            <a:ext cx="1249825" cy="6866467"/>
-          </a:xfrm>
-          <a:custGeom>
-            <a:avLst/>
-            <a:gdLst/>
-            <a:ahLst/>
-            <a:cxnLst/>
-            <a:rect l="l" t="t" r="r" b="b"/>
-            <a:pathLst>
-              <a:path w="1249825" h="6858000">
-                <a:moveTo>
-                  <a:pt x="0" y="0"/>
-                </a:moveTo>
-                <a:lnTo>
-                  <a:pt x="1249825" y="0"/>
-                </a:lnTo>
-                <a:lnTo>
-                  <a:pt x="1249825" y="6858000"/>
-                </a:lnTo>
-                <a:lnTo>
-                  <a:pt x="1109382" y="6858000"/>
-                </a:lnTo>
-                <a:lnTo>
-                  <a:pt x="0" y="0"/>
-                </a:lnTo>
-                <a:close/>
-              </a:path>
-            </a:pathLst>
-          </a:custGeom>
-          <a:solidFill>
-            <a:schemeClr val="accent1">
-              <a:alpha val="65000"/>
-            </a:schemeClr>
-          </a:solidFill>
-          <a:ln>
-            <a:noFill/>
-          </a:ln>
-          <a:effectLst/>
-        </p:spPr>
-        <p:style>
-          <a:lnRef idx="1">
-            <a:schemeClr val="accent1"/>
-          </a:lnRef>
-          <a:fillRef idx="3">
-            <a:schemeClr val="accent1"/>
-          </a:fillRef>
-          <a:effectRef idx="2">
-            <a:schemeClr val="accent1"/>
-          </a:effectRef>
-          <a:fontRef idx="minor">
-            <a:schemeClr val="lt1"/>
-          </a:fontRef>
-        </p:style>
-        <p:txBody>
-          <a:bodyPr/>
-          <a:lstStyle/>
-          <a:p>
-            <a:endParaRPr lang="nl-NL"/>
-          </a:p>
-        </p:txBody>
-      </p:sp>
-      <p:sp>
-        <p:nvSpPr>
-          <p:cNvPr id="30" name="Isosceles Triangle 29">
-            <a:extLst>
-              <a:ext uri="{FF2B5EF4-FFF2-40B4-BE49-F238E27FC236}">
-                <a16:creationId xmlns:a16="http://schemas.microsoft.com/office/drawing/2014/main" id="{9874D11C-36F5-4BBE-A490-019A54E953B0}"/>
-              </a:ext>
-              <a:ext uri="{C183D7F6-B498-43B3-948B-1728B52AA6E4}">
-                <adec:decorative xmlns:adec="http://schemas.microsoft.com/office/drawing/2017/decorative" val="1"/>
-              </a:ext>
-            </a:extLst>
-          </p:cNvPr>
-          <p:cNvSpPr>
-            <a:spLocks noGrp="1" noRot="1" noChangeAspect="1" noMove="1" noResize="1" noEditPoints="1" noAdjustHandles="1" noChangeArrowheads="1" noChangeShapeType="1" noTextEdit="1"/>
-          </p:cNvSpPr>
-          <p:nvPr>
-            <p:extLst>
-              <p:ext uri="{386F3935-93C4-4BCD-93E2-E3B085C9AB24}">
-                <p16:designElem xmlns:p16="http://schemas.microsoft.com/office/powerpoint/2015/main" val="1"/>
-              </p:ext>
-            </p:extLst>
-          </p:nvPr>
-        </p:nvSpPr>
-        <p:spPr>
-          <a:xfrm>
-            <a:off x="10371666" y="3589867"/>
-            <a:ext cx="1817159" cy="3268133"/>
-          </a:xfrm>
-          <a:prstGeom prst="triangle">
-            <a:avLst>
-              <a:gd name="adj" fmla="val 100000"/>
-            </a:avLst>
-          </a:prstGeom>
-          <a:solidFill>
-            <a:schemeClr val="accent1">
-              <a:alpha val="80000"/>
-            </a:schemeClr>
-          </a:solidFill>
-          <a:ln>
-            <a:noFill/>
-          </a:ln>
-          <a:effectLst/>
-        </p:spPr>
-        <p:style>
-          <a:lnRef idx="1">
-            <a:schemeClr val="accent1"/>
-          </a:lnRef>
-          <a:fillRef idx="3">
-            <a:schemeClr val="accent1"/>
-          </a:fillRef>
-          <a:effectRef idx="2">
-            <a:schemeClr val="accent1"/>
-          </a:effectRef>
-          <a:fontRef idx="minor">
-            <a:schemeClr val="lt1"/>
-          </a:fontRef>
-        </p:style>
-        <p:txBody>
-          <a:bodyPr/>
-          <a:lstStyle/>
-          <a:p>
-            <a:endParaRPr lang="nl-NL"/>
-          </a:p>
-        </p:txBody>
-      </p:sp>
     </p:spTree>
     <p:extLst>
       <p:ext uri="{BB962C8B-B14F-4D97-AF65-F5344CB8AC3E}">
@@ -6979,6 +6246,988 @@
 </file>
 
 <file path=ppt/slides/slide4.xml><?xml version="1.0" encoding="utf-8"?>
+<p:sld xmlns:a="http://schemas.openxmlformats.org/drawingml/2006/main" xmlns:r="http://schemas.openxmlformats.org/officeDocument/2006/relationships" xmlns:p="http://schemas.openxmlformats.org/presentationml/2006/main">
+  <p:cSld>
+    <p:bg>
+      <p:bgPr>
+        <a:solidFill>
+          <a:schemeClr val="bg2"/>
+        </a:solidFill>
+        <a:effectLst/>
+      </p:bgPr>
+    </p:bg>
+    <p:spTree>
+      <p:nvGrpSpPr>
+        <p:cNvPr id="1" name=""/>
+        <p:cNvGrpSpPr/>
+        <p:nvPr/>
+      </p:nvGrpSpPr>
+      <p:grpSpPr>
+        <a:xfrm>
+          <a:off x="0" y="0"/>
+          <a:ext cx="0" cy="0"/>
+          <a:chOff x="0" y="0"/>
+          <a:chExt cx="0" cy="0"/>
+        </a:xfrm>
+      </p:grpSpPr>
+      <p:grpSp>
+        <p:nvGrpSpPr>
+          <p:cNvPr id="12" name="Group 11">
+            <a:extLst>
+              <a:ext uri="{FF2B5EF4-FFF2-40B4-BE49-F238E27FC236}">
+                <a16:creationId xmlns:a16="http://schemas.microsoft.com/office/drawing/2014/main" id="{3DFBBA17-68C1-41F9-89F3-78F3F2DB97BC}"/>
+              </a:ext>
+              <a:ext uri="{C183D7F6-B498-43B3-948B-1728B52AA6E4}">
+                <adec:decorative xmlns:adec="http://schemas.microsoft.com/office/drawing/2017/decorative" val="1"/>
+              </a:ext>
+            </a:extLst>
+          </p:cNvPr>
+          <p:cNvGrpSpPr>
+            <a:grpSpLocks noGrp="1" noUngrp="1" noRot="1" noChangeAspect="1" noMove="1" noResize="1"/>
+          </p:cNvGrpSpPr>
+          <p:nvPr>
+            <p:extLst>
+              <p:ext uri="{386F3935-93C4-4BCD-93E2-E3B085C9AB24}">
+                <p16:designElem xmlns:p16="http://schemas.microsoft.com/office/powerpoint/2015/main" val="1"/>
+              </p:ext>
+            </p:extLst>
+          </p:nvPr>
+        </p:nvGrpSpPr>
+        <p:grpSpPr>
+          <a:xfrm>
+            <a:off x="0" y="-8467"/>
+            <a:ext cx="12192000" cy="6866467"/>
+            <a:chOff x="0" y="-8467"/>
+            <a:chExt cx="12192000" cy="6866467"/>
+          </a:xfrm>
+        </p:grpSpPr>
+        <p:sp>
+          <p:nvSpPr>
+            <p:cNvPr id="13" name="Freeform 14">
+              <a:extLst>
+                <a:ext uri="{FF2B5EF4-FFF2-40B4-BE49-F238E27FC236}">
+                  <a16:creationId xmlns:a16="http://schemas.microsoft.com/office/drawing/2014/main" id="{3054DDBF-C387-4540-A45A-F9BEB040C28F}"/>
+                </a:ext>
+                <a:ext uri="{C183D7F6-B498-43B3-948B-1728B52AA6E4}">
+                  <adec:decorative xmlns:adec="http://schemas.microsoft.com/office/drawing/2017/decorative" val="1"/>
+                </a:ext>
+              </a:extLst>
+            </p:cNvPr>
+            <p:cNvSpPr/>
+            <p:nvPr>
+              <p:extLst>
+                <p:ext uri="{386F3935-93C4-4BCD-93E2-E3B085C9AB24}">
+                  <p16:designElem xmlns:p16="http://schemas.microsoft.com/office/powerpoint/2015/main" val="1"/>
+                </p:ext>
+              </p:extLst>
+            </p:nvPr>
+          </p:nvSpPr>
+          <p:spPr>
+            <a:xfrm>
+              <a:off x="0" y="-7862"/>
+              <a:ext cx="863600" cy="5698067"/>
+            </a:xfrm>
+            <a:custGeom>
+              <a:avLst/>
+              <a:gdLst/>
+              <a:ahLst/>
+              <a:cxnLst/>
+              <a:rect l="l" t="t" r="r" b="b"/>
+              <a:pathLst>
+                <a:path w="863600" h="5698067">
+                  <a:moveTo>
+                    <a:pt x="0" y="8467"/>
+                  </a:moveTo>
+                  <a:lnTo>
+                    <a:pt x="863600" y="0"/>
+                  </a:lnTo>
+                  <a:lnTo>
+                    <a:pt x="863600" y="16934"/>
+                  </a:lnTo>
+                  <a:lnTo>
+                    <a:pt x="0" y="5698067"/>
+                  </a:lnTo>
+                  <a:lnTo>
+                    <a:pt x="0" y="8467"/>
+                  </a:lnTo>
+                  <a:close/>
+                </a:path>
+              </a:pathLst>
+            </a:custGeom>
+            <a:solidFill>
+              <a:schemeClr val="accent1">
+                <a:alpha val="70000"/>
+              </a:schemeClr>
+            </a:solidFill>
+            <a:ln>
+              <a:noFill/>
+            </a:ln>
+            <a:effectLst/>
+          </p:spPr>
+          <p:style>
+            <a:lnRef idx="1">
+              <a:schemeClr val="accent1"/>
+            </a:lnRef>
+            <a:fillRef idx="3">
+              <a:schemeClr val="accent1"/>
+            </a:fillRef>
+            <a:effectRef idx="2">
+              <a:schemeClr val="accent1"/>
+            </a:effectRef>
+            <a:fontRef idx="minor">
+              <a:schemeClr val="lt1"/>
+            </a:fontRef>
+          </p:style>
+          <p:txBody>
+            <a:bodyPr/>
+            <a:lstStyle/>
+            <a:p>
+              <a:endParaRPr lang="nl-NL"/>
+            </a:p>
+          </p:txBody>
+        </p:sp>
+        <p:cxnSp>
+          <p:nvCxnSpPr>
+            <p:cNvPr id="14" name="Straight Connector 13">
+              <a:extLst>
+                <a:ext uri="{FF2B5EF4-FFF2-40B4-BE49-F238E27FC236}">
+                  <a16:creationId xmlns:a16="http://schemas.microsoft.com/office/drawing/2014/main" id="{7BD859CE-CE14-4780-AE18-EAE4B3284BA1}"/>
+                </a:ext>
+                <a:ext uri="{C183D7F6-B498-43B3-948B-1728B52AA6E4}">
+                  <adec:decorative xmlns:adec="http://schemas.microsoft.com/office/drawing/2017/decorative" val="1"/>
+                </a:ext>
+              </a:extLst>
+            </p:cNvPr>
+            <p:cNvCxnSpPr/>
+            <p:nvPr>
+              <p:extLst>
+                <p:ext uri="{386F3935-93C4-4BCD-93E2-E3B085C9AB24}">
+                  <p16:designElem xmlns:p16="http://schemas.microsoft.com/office/powerpoint/2015/main" val="1"/>
+                </p:ext>
+              </p:extLst>
+            </p:nvPr>
+          </p:nvCxnSpPr>
+          <p:spPr>
+            <a:xfrm>
+              <a:off x="9371012" y="0"/>
+              <a:ext cx="1219200" cy="6858000"/>
+            </a:xfrm>
+            <a:prstGeom prst="line">
+              <a:avLst/>
+            </a:prstGeom>
+            <a:ln w="9525">
+              <a:solidFill>
+                <a:schemeClr val="accent1">
+                  <a:alpha val="70000"/>
+                </a:schemeClr>
+              </a:solidFill>
+            </a:ln>
+          </p:spPr>
+          <p:style>
+            <a:lnRef idx="2">
+              <a:schemeClr val="accent1"/>
+            </a:lnRef>
+            <a:fillRef idx="0">
+              <a:schemeClr val="accent1"/>
+            </a:fillRef>
+            <a:effectRef idx="1">
+              <a:schemeClr val="accent1"/>
+            </a:effectRef>
+            <a:fontRef idx="minor">
+              <a:schemeClr val="tx1"/>
+            </a:fontRef>
+          </p:style>
+        </p:cxnSp>
+        <p:cxnSp>
+          <p:nvCxnSpPr>
+            <p:cNvPr id="15" name="Straight Connector 14">
+              <a:extLst>
+                <a:ext uri="{FF2B5EF4-FFF2-40B4-BE49-F238E27FC236}">
+                  <a16:creationId xmlns:a16="http://schemas.microsoft.com/office/drawing/2014/main" id="{F0B8A132-768E-483C-A30F-37EB64E0411F}"/>
+                </a:ext>
+                <a:ext uri="{C183D7F6-B498-43B3-948B-1728B52AA6E4}">
+                  <adec:decorative xmlns:adec="http://schemas.microsoft.com/office/drawing/2017/decorative" val="1"/>
+                </a:ext>
+              </a:extLst>
+            </p:cNvPr>
+            <p:cNvCxnSpPr/>
+            <p:nvPr>
+              <p:extLst>
+                <p:ext uri="{386F3935-93C4-4BCD-93E2-E3B085C9AB24}">
+                  <p16:designElem xmlns:p16="http://schemas.microsoft.com/office/powerpoint/2015/main" val="1"/>
+                </p:ext>
+              </p:extLst>
+            </p:nvPr>
+          </p:nvCxnSpPr>
+          <p:spPr>
+            <a:xfrm flipH="1">
+              <a:off x="7425267" y="3681413"/>
+              <a:ext cx="4763558" cy="3176587"/>
+            </a:xfrm>
+            <a:prstGeom prst="line">
+              <a:avLst/>
+            </a:prstGeom>
+            <a:ln w="9525">
+              <a:solidFill>
+                <a:schemeClr val="accent1">
+                  <a:alpha val="70000"/>
+                </a:schemeClr>
+              </a:solidFill>
+            </a:ln>
+          </p:spPr>
+          <p:style>
+            <a:lnRef idx="2">
+              <a:schemeClr val="accent1"/>
+            </a:lnRef>
+            <a:fillRef idx="0">
+              <a:schemeClr val="accent1"/>
+            </a:fillRef>
+            <a:effectRef idx="1">
+              <a:schemeClr val="accent1"/>
+            </a:effectRef>
+            <a:fontRef idx="minor">
+              <a:schemeClr val="tx1"/>
+            </a:fontRef>
+          </p:style>
+        </p:cxnSp>
+        <p:sp>
+          <p:nvSpPr>
+            <p:cNvPr id="16" name="Rectangle 23">
+              <a:extLst>
+                <a:ext uri="{FF2B5EF4-FFF2-40B4-BE49-F238E27FC236}">
+                  <a16:creationId xmlns:a16="http://schemas.microsoft.com/office/drawing/2014/main" id="{F81F31DC-17B7-43F3-B8DB-CA79E1A1EFE5}"/>
+                </a:ext>
+                <a:ext uri="{C183D7F6-B498-43B3-948B-1728B52AA6E4}">
+                  <adec:decorative xmlns:adec="http://schemas.microsoft.com/office/drawing/2017/decorative" val="1"/>
+                </a:ext>
+              </a:extLst>
+            </p:cNvPr>
+            <p:cNvSpPr/>
+            <p:nvPr>
+              <p:extLst>
+                <p:ext uri="{386F3935-93C4-4BCD-93E2-E3B085C9AB24}">
+                  <p16:designElem xmlns:p16="http://schemas.microsoft.com/office/powerpoint/2015/main" val="1"/>
+                </p:ext>
+              </p:extLst>
+            </p:nvPr>
+          </p:nvSpPr>
+          <p:spPr>
+            <a:xfrm>
+              <a:off x="9181476" y="-8467"/>
+              <a:ext cx="3007349" cy="6866467"/>
+            </a:xfrm>
+            <a:custGeom>
+              <a:avLst/>
+              <a:gdLst/>
+              <a:ahLst/>
+              <a:cxnLst/>
+              <a:rect l="l" t="t" r="r" b="b"/>
+              <a:pathLst>
+                <a:path w="3007349" h="6866467">
+                  <a:moveTo>
+                    <a:pt x="2045532" y="0"/>
+                  </a:moveTo>
+                  <a:lnTo>
+                    <a:pt x="3007349" y="0"/>
+                  </a:lnTo>
+                  <a:lnTo>
+                    <a:pt x="3007349" y="6866467"/>
+                  </a:lnTo>
+                  <a:lnTo>
+                    <a:pt x="0" y="6866467"/>
+                  </a:lnTo>
+                  <a:lnTo>
+                    <a:pt x="2045532" y="0"/>
+                  </a:lnTo>
+                  <a:close/>
+                </a:path>
+              </a:pathLst>
+            </a:custGeom>
+            <a:solidFill>
+              <a:schemeClr val="accent1">
+                <a:alpha val="36000"/>
+              </a:schemeClr>
+            </a:solidFill>
+            <a:ln>
+              <a:noFill/>
+            </a:ln>
+            <a:effectLst/>
+          </p:spPr>
+          <p:style>
+            <a:lnRef idx="1">
+              <a:schemeClr val="accent1"/>
+            </a:lnRef>
+            <a:fillRef idx="3">
+              <a:schemeClr val="accent1"/>
+            </a:fillRef>
+            <a:effectRef idx="2">
+              <a:schemeClr val="accent1"/>
+            </a:effectRef>
+            <a:fontRef idx="minor">
+              <a:schemeClr val="lt1"/>
+            </a:fontRef>
+          </p:style>
+          <p:txBody>
+            <a:bodyPr/>
+            <a:lstStyle/>
+            <a:p>
+              <a:endParaRPr lang="nl-NL"/>
+            </a:p>
+          </p:txBody>
+        </p:sp>
+        <p:sp>
+          <p:nvSpPr>
+            <p:cNvPr id="17" name="Rectangle 25">
+              <a:extLst>
+                <a:ext uri="{FF2B5EF4-FFF2-40B4-BE49-F238E27FC236}">
+                  <a16:creationId xmlns:a16="http://schemas.microsoft.com/office/drawing/2014/main" id="{66612D03-B350-4569-BA9B-D1E1F914A547}"/>
+                </a:ext>
+                <a:ext uri="{C183D7F6-B498-43B3-948B-1728B52AA6E4}">
+                  <adec:decorative xmlns:adec="http://schemas.microsoft.com/office/drawing/2017/decorative" val="1"/>
+                </a:ext>
+              </a:extLst>
+            </p:cNvPr>
+            <p:cNvSpPr/>
+            <p:nvPr>
+              <p:extLst>
+                <p:ext uri="{386F3935-93C4-4BCD-93E2-E3B085C9AB24}">
+                  <p16:designElem xmlns:p16="http://schemas.microsoft.com/office/powerpoint/2015/main" val="1"/>
+                </p:ext>
+              </p:extLst>
+            </p:nvPr>
+          </p:nvSpPr>
+          <p:spPr>
+            <a:xfrm>
+              <a:off x="9603442" y="-8467"/>
+              <a:ext cx="2588558" cy="6866467"/>
+            </a:xfrm>
+            <a:custGeom>
+              <a:avLst/>
+              <a:gdLst/>
+              <a:ahLst/>
+              <a:cxnLst/>
+              <a:rect l="l" t="t" r="r" b="b"/>
+              <a:pathLst>
+                <a:path w="2573311" h="6866467">
+                  <a:moveTo>
+                    <a:pt x="0" y="0"/>
+                  </a:moveTo>
+                  <a:lnTo>
+                    <a:pt x="2573311" y="0"/>
+                  </a:lnTo>
+                  <a:lnTo>
+                    <a:pt x="2573311" y="6866467"/>
+                  </a:lnTo>
+                  <a:lnTo>
+                    <a:pt x="1202336" y="6866467"/>
+                  </a:lnTo>
+                  <a:lnTo>
+                    <a:pt x="0" y="0"/>
+                  </a:lnTo>
+                  <a:close/>
+                </a:path>
+              </a:pathLst>
+            </a:custGeom>
+            <a:solidFill>
+              <a:schemeClr val="accent1">
+                <a:alpha val="20000"/>
+              </a:schemeClr>
+            </a:solidFill>
+            <a:ln>
+              <a:noFill/>
+            </a:ln>
+            <a:effectLst/>
+          </p:spPr>
+          <p:style>
+            <a:lnRef idx="1">
+              <a:schemeClr val="accent1"/>
+            </a:lnRef>
+            <a:fillRef idx="3">
+              <a:schemeClr val="accent1"/>
+            </a:fillRef>
+            <a:effectRef idx="2">
+              <a:schemeClr val="accent1"/>
+            </a:effectRef>
+            <a:fontRef idx="minor">
+              <a:schemeClr val="lt1"/>
+            </a:fontRef>
+          </p:style>
+          <p:txBody>
+            <a:bodyPr/>
+            <a:lstStyle/>
+            <a:p>
+              <a:endParaRPr lang="nl-NL"/>
+            </a:p>
+          </p:txBody>
+        </p:sp>
+        <p:sp>
+          <p:nvSpPr>
+            <p:cNvPr id="18" name="Isosceles Triangle 17">
+              <a:extLst>
+                <a:ext uri="{FF2B5EF4-FFF2-40B4-BE49-F238E27FC236}">
+                  <a16:creationId xmlns:a16="http://schemas.microsoft.com/office/drawing/2014/main" id="{C382562E-51EA-49FC-9CA9-9E3E9FCFAE67}"/>
+                </a:ext>
+                <a:ext uri="{C183D7F6-B498-43B3-948B-1728B52AA6E4}">
+                  <adec:decorative xmlns:adec="http://schemas.microsoft.com/office/drawing/2017/decorative" val="1"/>
+                </a:ext>
+              </a:extLst>
+            </p:cNvPr>
+            <p:cNvSpPr/>
+            <p:nvPr>
+              <p:extLst>
+                <p:ext uri="{386F3935-93C4-4BCD-93E2-E3B085C9AB24}">
+                  <p16:designElem xmlns:p16="http://schemas.microsoft.com/office/powerpoint/2015/main" val="1"/>
+                </p:ext>
+              </p:extLst>
+            </p:nvPr>
+          </p:nvSpPr>
+          <p:spPr>
+            <a:xfrm>
+              <a:off x="8932333" y="3048000"/>
+              <a:ext cx="3259667" cy="3810000"/>
+            </a:xfrm>
+            <a:prstGeom prst="triangle">
+              <a:avLst>
+                <a:gd name="adj" fmla="val 100000"/>
+              </a:avLst>
+            </a:prstGeom>
+            <a:solidFill>
+              <a:schemeClr val="accent1">
+                <a:lumMod val="75000"/>
+                <a:alpha val="66000"/>
+              </a:schemeClr>
+            </a:solidFill>
+            <a:ln>
+              <a:noFill/>
+            </a:ln>
+            <a:effectLst/>
+          </p:spPr>
+          <p:style>
+            <a:lnRef idx="1">
+              <a:schemeClr val="accent1"/>
+            </a:lnRef>
+            <a:fillRef idx="3">
+              <a:schemeClr val="accent1"/>
+            </a:fillRef>
+            <a:effectRef idx="2">
+              <a:schemeClr val="accent1"/>
+            </a:effectRef>
+            <a:fontRef idx="minor">
+              <a:schemeClr val="lt1"/>
+            </a:fontRef>
+          </p:style>
+          <p:txBody>
+            <a:bodyPr/>
+            <a:lstStyle/>
+            <a:p>
+              <a:endParaRPr lang="nl-NL"/>
+            </a:p>
+          </p:txBody>
+        </p:sp>
+        <p:sp>
+          <p:nvSpPr>
+            <p:cNvPr id="19" name="Rectangle 27">
+              <a:extLst>
+                <a:ext uri="{FF2B5EF4-FFF2-40B4-BE49-F238E27FC236}">
+                  <a16:creationId xmlns:a16="http://schemas.microsoft.com/office/drawing/2014/main" id="{F202B3CB-9607-4519-9EB5-286A461D8DBF}"/>
+                </a:ext>
+                <a:ext uri="{C183D7F6-B498-43B3-948B-1728B52AA6E4}">
+                  <adec:decorative xmlns:adec="http://schemas.microsoft.com/office/drawing/2017/decorative" val="1"/>
+                </a:ext>
+              </a:extLst>
+            </p:cNvPr>
+            <p:cNvSpPr/>
+            <p:nvPr>
+              <p:extLst>
+                <p:ext uri="{386F3935-93C4-4BCD-93E2-E3B085C9AB24}">
+                  <p16:designElem xmlns:p16="http://schemas.microsoft.com/office/powerpoint/2015/main" val="1"/>
+                </p:ext>
+              </p:extLst>
+            </p:nvPr>
+          </p:nvSpPr>
+          <p:spPr>
+            <a:xfrm>
+              <a:off x="9334500" y="-8467"/>
+              <a:ext cx="2854326" cy="6866467"/>
+            </a:xfrm>
+            <a:custGeom>
+              <a:avLst/>
+              <a:gdLst/>
+              <a:ahLst/>
+              <a:cxnLst/>
+              <a:rect l="l" t="t" r="r" b="b"/>
+              <a:pathLst>
+                <a:path w="2858013" h="6866467">
+                  <a:moveTo>
+                    <a:pt x="0" y="0"/>
+                  </a:moveTo>
+                  <a:lnTo>
+                    <a:pt x="2858013" y="0"/>
+                  </a:lnTo>
+                  <a:lnTo>
+                    <a:pt x="2858013" y="6866467"/>
+                  </a:lnTo>
+                  <a:lnTo>
+                    <a:pt x="2473942" y="6866467"/>
+                  </a:lnTo>
+                  <a:lnTo>
+                    <a:pt x="0" y="0"/>
+                  </a:lnTo>
+                  <a:close/>
+                </a:path>
+              </a:pathLst>
+            </a:custGeom>
+            <a:solidFill>
+              <a:schemeClr val="accent1">
+                <a:lumMod val="75000"/>
+                <a:alpha val="50000"/>
+              </a:schemeClr>
+            </a:solidFill>
+            <a:ln>
+              <a:noFill/>
+            </a:ln>
+            <a:effectLst/>
+          </p:spPr>
+          <p:style>
+            <a:lnRef idx="1">
+              <a:schemeClr val="accent1"/>
+            </a:lnRef>
+            <a:fillRef idx="3">
+              <a:schemeClr val="accent1"/>
+            </a:fillRef>
+            <a:effectRef idx="2">
+              <a:schemeClr val="accent1"/>
+            </a:effectRef>
+            <a:fontRef idx="minor">
+              <a:schemeClr val="lt1"/>
+            </a:fontRef>
+          </p:style>
+          <p:txBody>
+            <a:bodyPr/>
+            <a:lstStyle/>
+            <a:p>
+              <a:endParaRPr lang="nl-NL"/>
+            </a:p>
+          </p:txBody>
+        </p:sp>
+        <p:sp>
+          <p:nvSpPr>
+            <p:cNvPr id="20" name="Rectangle 28">
+              <a:extLst>
+                <a:ext uri="{FF2B5EF4-FFF2-40B4-BE49-F238E27FC236}">
+                  <a16:creationId xmlns:a16="http://schemas.microsoft.com/office/drawing/2014/main" id="{8635CEA0-18EC-41D7-BFAE-B45A7669CD35}"/>
+                </a:ext>
+                <a:ext uri="{C183D7F6-B498-43B3-948B-1728B52AA6E4}">
+                  <adec:decorative xmlns:adec="http://schemas.microsoft.com/office/drawing/2017/decorative" val="1"/>
+                </a:ext>
+              </a:extLst>
+            </p:cNvPr>
+            <p:cNvSpPr/>
+            <p:nvPr>
+              <p:extLst>
+                <p:ext uri="{386F3935-93C4-4BCD-93E2-E3B085C9AB24}">
+                  <p16:designElem xmlns:p16="http://schemas.microsoft.com/office/powerpoint/2015/main" val="1"/>
+                </p:ext>
+              </p:extLst>
+            </p:nvPr>
+          </p:nvSpPr>
+          <p:spPr>
+            <a:xfrm>
+              <a:off x="10898730" y="-8467"/>
+              <a:ext cx="1290094" cy="6866467"/>
+            </a:xfrm>
+            <a:custGeom>
+              <a:avLst/>
+              <a:gdLst/>
+              <a:ahLst/>
+              <a:cxnLst/>
+              <a:rect l="l" t="t" r="r" b="b"/>
+              <a:pathLst>
+                <a:path w="1290094" h="6858000">
+                  <a:moveTo>
+                    <a:pt x="1019735" y="0"/>
+                  </a:moveTo>
+                  <a:lnTo>
+                    <a:pt x="1290094" y="0"/>
+                  </a:lnTo>
+                  <a:lnTo>
+                    <a:pt x="1290094" y="6858000"/>
+                  </a:lnTo>
+                  <a:lnTo>
+                    <a:pt x="0" y="6858000"/>
+                  </a:lnTo>
+                  <a:lnTo>
+                    <a:pt x="1019735" y="0"/>
+                  </a:lnTo>
+                  <a:close/>
+                </a:path>
+              </a:pathLst>
+            </a:custGeom>
+            <a:solidFill>
+              <a:schemeClr val="accent2">
+                <a:alpha val="70000"/>
+              </a:schemeClr>
+            </a:solidFill>
+            <a:ln>
+              <a:noFill/>
+            </a:ln>
+            <a:effectLst/>
+          </p:spPr>
+          <p:style>
+            <a:lnRef idx="1">
+              <a:schemeClr val="accent1"/>
+            </a:lnRef>
+            <a:fillRef idx="3">
+              <a:schemeClr val="accent1"/>
+            </a:fillRef>
+            <a:effectRef idx="2">
+              <a:schemeClr val="accent1"/>
+            </a:effectRef>
+            <a:fontRef idx="minor">
+              <a:schemeClr val="lt1"/>
+            </a:fontRef>
+          </p:style>
+          <p:txBody>
+            <a:bodyPr/>
+            <a:lstStyle/>
+            <a:p>
+              <a:endParaRPr lang="nl-NL"/>
+            </a:p>
+          </p:txBody>
+        </p:sp>
+        <p:sp>
+          <p:nvSpPr>
+            <p:cNvPr id="21" name="Rectangle 29">
+              <a:extLst>
+                <a:ext uri="{FF2B5EF4-FFF2-40B4-BE49-F238E27FC236}">
+                  <a16:creationId xmlns:a16="http://schemas.microsoft.com/office/drawing/2014/main" id="{FC79C36B-0CF0-4AA7-A3BF-42D6B93173D1}"/>
+                </a:ext>
+                <a:ext uri="{C183D7F6-B498-43B3-948B-1728B52AA6E4}">
+                  <adec:decorative xmlns:adec="http://schemas.microsoft.com/office/drawing/2017/decorative" val="1"/>
+                </a:ext>
+              </a:extLst>
+            </p:cNvPr>
+            <p:cNvSpPr/>
+            <p:nvPr>
+              <p:extLst>
+                <p:ext uri="{386F3935-93C4-4BCD-93E2-E3B085C9AB24}">
+                  <p16:designElem xmlns:p16="http://schemas.microsoft.com/office/powerpoint/2015/main" val="1"/>
+                </p:ext>
+              </p:extLst>
+            </p:nvPr>
+          </p:nvSpPr>
+          <p:spPr>
+            <a:xfrm>
+              <a:off x="10938999" y="-8467"/>
+              <a:ext cx="1249825" cy="6866467"/>
+            </a:xfrm>
+            <a:custGeom>
+              <a:avLst/>
+              <a:gdLst/>
+              <a:ahLst/>
+              <a:cxnLst/>
+              <a:rect l="l" t="t" r="r" b="b"/>
+              <a:pathLst>
+                <a:path w="1249825" h="6858000">
+                  <a:moveTo>
+                    <a:pt x="0" y="0"/>
+                  </a:moveTo>
+                  <a:lnTo>
+                    <a:pt x="1249825" y="0"/>
+                  </a:lnTo>
+                  <a:lnTo>
+                    <a:pt x="1249825" y="6858000"/>
+                  </a:lnTo>
+                  <a:lnTo>
+                    <a:pt x="1109382" y="6858000"/>
+                  </a:lnTo>
+                  <a:lnTo>
+                    <a:pt x="0" y="0"/>
+                  </a:lnTo>
+                  <a:close/>
+                </a:path>
+              </a:pathLst>
+            </a:custGeom>
+            <a:solidFill>
+              <a:schemeClr val="accent2">
+                <a:lumMod val="75000"/>
+                <a:alpha val="80000"/>
+              </a:schemeClr>
+            </a:solidFill>
+            <a:ln>
+              <a:noFill/>
+            </a:ln>
+            <a:effectLst/>
+          </p:spPr>
+          <p:style>
+            <a:lnRef idx="1">
+              <a:schemeClr val="accent1"/>
+            </a:lnRef>
+            <a:fillRef idx="3">
+              <a:schemeClr val="accent1"/>
+            </a:fillRef>
+            <a:effectRef idx="2">
+              <a:schemeClr val="accent1"/>
+            </a:effectRef>
+            <a:fontRef idx="minor">
+              <a:schemeClr val="lt1"/>
+            </a:fontRef>
+          </p:style>
+          <p:txBody>
+            <a:bodyPr/>
+            <a:lstStyle/>
+            <a:p>
+              <a:endParaRPr lang="nl-NL"/>
+            </a:p>
+          </p:txBody>
+        </p:sp>
+        <p:sp>
+          <p:nvSpPr>
+            <p:cNvPr id="22" name="Isosceles Triangle 21">
+              <a:extLst>
+                <a:ext uri="{FF2B5EF4-FFF2-40B4-BE49-F238E27FC236}">
+                  <a16:creationId xmlns:a16="http://schemas.microsoft.com/office/drawing/2014/main" id="{1D6C24F4-F8D2-44C2-8CFA-D14C5561D7DB}"/>
+                </a:ext>
+                <a:ext uri="{C183D7F6-B498-43B3-948B-1728B52AA6E4}">
+                  <adec:decorative xmlns:adec="http://schemas.microsoft.com/office/drawing/2017/decorative" val="1"/>
+                </a:ext>
+              </a:extLst>
+            </p:cNvPr>
+            <p:cNvSpPr/>
+            <p:nvPr>
+              <p:extLst>
+                <p:ext uri="{386F3935-93C4-4BCD-93E2-E3B085C9AB24}">
+                  <p16:designElem xmlns:p16="http://schemas.microsoft.com/office/powerpoint/2015/main" val="1"/>
+                </p:ext>
+              </p:extLst>
+            </p:nvPr>
+          </p:nvSpPr>
+          <p:spPr>
+            <a:xfrm>
+              <a:off x="10371666" y="3589867"/>
+              <a:ext cx="1817159" cy="3268133"/>
+            </a:xfrm>
+            <a:prstGeom prst="triangle">
+              <a:avLst>
+                <a:gd name="adj" fmla="val 100000"/>
+              </a:avLst>
+            </a:prstGeom>
+            <a:solidFill>
+              <a:schemeClr val="accent1">
+                <a:lumMod val="75000"/>
+                <a:alpha val="66000"/>
+              </a:schemeClr>
+            </a:solidFill>
+            <a:ln>
+              <a:noFill/>
+            </a:ln>
+            <a:effectLst/>
+          </p:spPr>
+          <p:style>
+            <a:lnRef idx="1">
+              <a:schemeClr val="accent1"/>
+            </a:lnRef>
+            <a:fillRef idx="3">
+              <a:schemeClr val="accent1"/>
+            </a:fillRef>
+            <a:effectRef idx="2">
+              <a:schemeClr val="accent1"/>
+            </a:effectRef>
+            <a:fontRef idx="minor">
+              <a:schemeClr val="lt1"/>
+            </a:fontRef>
+          </p:style>
+          <p:txBody>
+            <a:bodyPr/>
+            <a:lstStyle/>
+            <a:p>
+              <a:endParaRPr lang="nl-NL"/>
+            </a:p>
+          </p:txBody>
+        </p:sp>
+      </p:grpSp>
+      <p:sp>
+        <p:nvSpPr>
+          <p:cNvPr id="24" name="Rectangle 23">
+            <a:extLst>
+              <a:ext uri="{FF2B5EF4-FFF2-40B4-BE49-F238E27FC236}">
+                <a16:creationId xmlns:a16="http://schemas.microsoft.com/office/drawing/2014/main" id="{4F71A406-3CB7-4E4D-B434-24E6AA4F3997}"/>
+              </a:ext>
+              <a:ext uri="{C183D7F6-B498-43B3-948B-1728B52AA6E4}">
+                <adec:decorative xmlns:adec="http://schemas.microsoft.com/office/drawing/2017/decorative" val="1"/>
+              </a:ext>
+            </a:extLst>
+          </p:cNvPr>
+          <p:cNvSpPr>
+            <a:spLocks noGrp="1" noRot="1" noChangeAspect="1" noMove="1" noResize="1" noEditPoints="1" noAdjustHandles="1" noChangeArrowheads="1" noChangeShapeType="1" noTextEdit="1"/>
+          </p:cNvSpPr>
+          <p:nvPr>
+            <p:extLst>
+              <p:ext uri="{386F3935-93C4-4BCD-93E2-E3B085C9AB24}">
+                <p16:designElem xmlns:p16="http://schemas.microsoft.com/office/powerpoint/2015/main" val="1"/>
+              </p:ext>
+            </p:extLst>
+          </p:nvPr>
+        </p:nvSpPr>
+        <p:spPr>
+          <a:xfrm>
+            <a:off x="0" y="0"/>
+            <a:ext cx="12192000" cy="4177238"/>
+          </a:xfrm>
+          <a:prstGeom prst="rect">
+            <a:avLst/>
+          </a:prstGeom>
+          <a:solidFill>
+            <a:srgbClr val="FFFFFF"/>
+          </a:solidFill>
+          <a:ln>
+            <a:noFill/>
+          </a:ln>
+        </p:spPr>
+        <p:style>
+          <a:lnRef idx="2">
+            <a:schemeClr val="accent1">
+              <a:shade val="50000"/>
+            </a:schemeClr>
+          </a:lnRef>
+          <a:fillRef idx="1">
+            <a:schemeClr val="accent1"/>
+          </a:fillRef>
+          <a:effectRef idx="0">
+            <a:schemeClr val="accent1"/>
+          </a:effectRef>
+          <a:fontRef idx="minor">
+            <a:schemeClr val="lt1"/>
+          </a:fontRef>
+        </p:style>
+        <p:txBody>
+          <a:bodyPr rtlCol="0" anchor="ctr"/>
+          <a:lstStyle/>
+          <a:p>
+            <a:pPr marL="0" marR="0" lvl="0" indent="0" algn="ctr" defTabSz="914400" rtl="0" eaLnBrk="1" fontAlgn="auto" latinLnBrk="0" hangingPunct="1">
+              <a:lnSpc>
+                <a:spcPct val="100000"/>
+              </a:lnSpc>
+              <a:spcBef>
+                <a:spcPts val="0"/>
+              </a:spcBef>
+              <a:spcAft>
+                <a:spcPts val="0"/>
+              </a:spcAft>
+              <a:buClrTx/>
+              <a:buSzTx/>
+              <a:buFontTx/>
+              <a:buNone/>
+              <a:tabLst/>
+              <a:defRPr/>
+            </a:pPr>
+            <a:endParaRPr kumimoji="0" lang="en-US" sz="1800" b="0" i="0" u="none" strike="noStrike" kern="1200" cap="none" spc="0" normalizeH="0" baseline="0" noProof="0">
+              <a:ln>
+                <a:noFill/>
+              </a:ln>
+              <a:solidFill>
+                <a:prstClr val="white"/>
+              </a:solidFill>
+              <a:effectLst/>
+              <a:uLnTx/>
+              <a:uFillTx/>
+              <a:latin typeface="Trebuchet MS" panose="020B0603020202020204"/>
+              <a:ea typeface="+mn-ea"/>
+              <a:cs typeface="+mn-cs"/>
+            </a:endParaRPr>
+          </a:p>
+        </p:txBody>
+      </p:sp>
+      <p:pic>
+        <p:nvPicPr>
+          <p:cNvPr id="7" name="Afbeelding 6" descr="Afbeelding met buitenshuis, water, meer, grond&#10;&#10;Door AI gegenereerde inhoud is mogelijk onjuist.">
+            <a:extLst>
+              <a:ext uri="{FF2B5EF4-FFF2-40B4-BE49-F238E27FC236}">
+                <a16:creationId xmlns:a16="http://schemas.microsoft.com/office/drawing/2014/main" id="{4824E7CD-560B-8EC1-6E57-EE70CB576E50}"/>
+              </a:ext>
+            </a:extLst>
+          </p:cNvPr>
+          <p:cNvPicPr>
+            <a:picLocks noChangeAspect="1"/>
+          </p:cNvPicPr>
+          <p:nvPr/>
+        </p:nvPicPr>
+        <p:blipFill>
+          <a:blip r:embed="rId2">
+            <a:extLst>
+              <a:ext uri="{28A0092B-C50C-407E-A947-70E740481C1C}">
+                <a14:useLocalDpi xmlns:a14="http://schemas.microsoft.com/office/drawing/2010/main" val="0"/>
+              </a:ext>
+            </a:extLst>
+          </a:blip>
+          <a:srcRect t="9829" r="2" b="2"/>
+          <a:stretch>
+            <a:fillRect/>
+          </a:stretch>
+        </p:blipFill>
+        <p:spPr>
+          <a:xfrm>
+            <a:off x="20" y="3"/>
+            <a:ext cx="6050260" cy="4091667"/>
+          </a:xfrm>
+          <a:prstGeom prst="rect">
+            <a:avLst/>
+          </a:prstGeom>
+        </p:spPr>
+      </p:pic>
+      <p:pic>
+        <p:nvPicPr>
+          <p:cNvPr id="5" name="Tijdelijke aanduiding voor inhoud 4" descr="Afbeelding met water, meer, buitenshuis, vaarweg&#10;&#10;Door AI gegenereerde inhoud is mogelijk onjuist.">
+            <a:extLst>
+              <a:ext uri="{FF2B5EF4-FFF2-40B4-BE49-F238E27FC236}">
+                <a16:creationId xmlns:a16="http://schemas.microsoft.com/office/drawing/2014/main" id="{60E992EA-9B2F-2A58-E761-8076E3BD85AA}"/>
+              </a:ext>
+            </a:extLst>
+          </p:cNvPr>
+          <p:cNvPicPr>
+            <a:picLocks noGrp="1" noChangeAspect="1"/>
+          </p:cNvPicPr>
+          <p:nvPr>
+            <p:ph idx="1"/>
+          </p:nvPr>
+        </p:nvPicPr>
+        <p:blipFill>
+          <a:blip r:embed="rId3">
+            <a:extLst>
+              <a:ext uri="{28A0092B-C50C-407E-A947-70E740481C1C}">
+                <a14:useLocalDpi xmlns:a14="http://schemas.microsoft.com/office/drawing/2010/main" val="0"/>
+              </a:ext>
+            </a:extLst>
+          </a:blip>
+          <a:srcRect r="2" b="9816"/>
+          <a:stretch>
+            <a:fillRect/>
+          </a:stretch>
+        </p:blipFill>
+        <p:spPr>
+          <a:xfrm>
+            <a:off x="6141719" y="-683"/>
+            <a:ext cx="6050280" cy="4091667"/>
+          </a:xfrm>
+          <a:prstGeom prst="rect">
+            <a:avLst/>
+          </a:prstGeom>
+        </p:spPr>
+      </p:pic>
+    </p:spTree>
+    <p:extLst>
+      <p:ext uri="{BB962C8B-B14F-4D97-AF65-F5344CB8AC3E}">
+        <p14:creationId xmlns:p14="http://schemas.microsoft.com/office/powerpoint/2010/main" val="3862607539"/>
+      </p:ext>
+    </p:extLst>
+  </p:cSld>
+  <p:clrMapOvr>
+    <a:overrideClrMapping bg1="dk1" tx1="lt1" bg2="dk2" tx2="lt2" accent1="accent1" accent2="accent2" accent3="accent3" accent4="accent4" accent5="accent5" accent6="accent6" hlink="hlink" folHlink="folHlink"/>
+  </p:clrMapOvr>
+</p:sld>
+</file>
+
+<file path=ppt/slides/slide5.xml><?xml version="1.0" encoding="utf-8"?>
 <p:sld xmlns:a="http://schemas.openxmlformats.org/drawingml/2006/main" xmlns:r="http://schemas.openxmlformats.org/officeDocument/2006/relationships" xmlns:p="http://schemas.openxmlformats.org/presentationml/2006/main">
   <p:cSld>
     <p:bg>
@@ -7354,7 +7603,7 @@
 </p:sld>
 </file>
 
-<file path=ppt/slides/slide5.xml><?xml version="1.0" encoding="utf-8"?>
+<file path=ppt/slides/slide6.xml><?xml version="1.0" encoding="utf-8"?>
 <p:sld xmlns:a="http://schemas.openxmlformats.org/drawingml/2006/main" xmlns:r="http://schemas.openxmlformats.org/officeDocument/2006/relationships" xmlns:p="http://schemas.openxmlformats.org/presentationml/2006/main">
   <p:cSld>
     <p:bg>
@@ -7654,7 +7903,7 @@
 </p:sld>
 </file>
 
-<file path=ppt/slides/slide6.xml><?xml version="1.0" encoding="utf-8"?>
+<file path=ppt/slides/slide7.xml><?xml version="1.0" encoding="utf-8"?>
 <p:sld xmlns:a="http://schemas.openxmlformats.org/drawingml/2006/main" xmlns:r="http://schemas.openxmlformats.org/officeDocument/2006/relationships" xmlns:p="http://schemas.openxmlformats.org/presentationml/2006/main">
   <p:cSld>
     <p:bg>
@@ -8383,7 +8632,7 @@
 </p:sld>
 </file>
 
-<file path=ppt/slides/slide7.xml><?xml version="1.0" encoding="utf-8"?>
+<file path=ppt/slides/slide8.xml><?xml version="1.0" encoding="utf-8"?>
 <p:sld xmlns:a="http://schemas.openxmlformats.org/drawingml/2006/main" xmlns:r="http://schemas.openxmlformats.org/officeDocument/2006/relationships" xmlns:p="http://schemas.openxmlformats.org/presentationml/2006/main">
   <p:cSld>
     <p:spTree>
@@ -8450,7 +8699,38 @@
           <a:bodyPr/>
           <a:lstStyle/>
           <a:p>
-            <a:endParaRPr lang="nl-NL" dirty="0"/>
+            <a:r>
+              <a:rPr lang="en-US" dirty="0" err="1"/>
+              <a:t>Cominucatie</a:t>
+            </a:r>
+            <a:r>
+              <a:rPr lang="en-US" dirty="0"/>
+              <a:t> -&gt; </a:t>
+            </a:r>
+            <a:r>
+              <a:rPr lang="en-US" b="1" dirty="0"/>
+              <a:t>++</a:t>
+            </a:r>
+          </a:p>
+          <a:p>
+            <a:r>
+              <a:rPr lang="nl-NL" dirty="0"/>
+              <a:t>Aanwezigheid -&gt; </a:t>
+            </a:r>
+            <a:r>
+              <a:rPr lang="nl-NL" b="1" dirty="0"/>
+              <a:t>+-</a:t>
+            </a:r>
+          </a:p>
+          <a:p>
+            <a:r>
+              <a:rPr lang="nl-NL" dirty="0"/>
+              <a:t>Te laat komen -&gt; </a:t>
+            </a:r>
+            <a:r>
+              <a:rPr lang="nl-NL" b="1" dirty="0"/>
+              <a:t>+-</a:t>
+            </a:r>
           </a:p>
         </p:txBody>
       </p:sp>

--- a/documentatie/scrum presentaties/sprint 1.pptx
+++ b/documentatie/scrum presentaties/sprint 1.pptx
@@ -906,7 +906,7 @@
           <a:p>
             <a:fld id="{C8141D3B-BB8B-40C5-B7C3-DAF6494E94F5}" type="slidenum">
               <a:rPr lang="nl-NL" smtClean="0"/>
-              <a:t>‹nr.›</a:t>
+              <a:t>‹#›</a:t>
             </a:fld>
             <a:endParaRPr lang="nl-NL"/>
           </a:p>
@@ -1157,7 +1157,7 @@
           <a:p>
             <a:fld id="{C8141D3B-BB8B-40C5-B7C3-DAF6494E94F5}" type="slidenum">
               <a:rPr lang="nl-NL" smtClean="0"/>
-              <a:t>‹nr.›</a:t>
+              <a:t>‹#›</a:t>
             </a:fld>
             <a:endParaRPr lang="nl-NL"/>
           </a:p>
@@ -1471,7 +1471,7 @@
           <a:p>
             <a:fld id="{C8141D3B-BB8B-40C5-B7C3-DAF6494E94F5}" type="slidenum">
               <a:rPr lang="nl-NL" smtClean="0"/>
-              <a:t>‹nr.›</a:t>
+              <a:t>‹#›</a:t>
             </a:fld>
             <a:endParaRPr lang="nl-NL"/>
           </a:p>
@@ -1804,7 +1804,7 @@
           <a:p>
             <a:fld id="{C8141D3B-BB8B-40C5-B7C3-DAF6494E94F5}" type="slidenum">
               <a:rPr lang="nl-NL" smtClean="0"/>
-              <a:t>‹nr.›</a:t>
+              <a:t>‹#›</a:t>
             </a:fld>
             <a:endParaRPr lang="nl-NL"/>
           </a:p>
@@ -2118,7 +2118,7 @@
           <a:p>
             <a:fld id="{C8141D3B-BB8B-40C5-B7C3-DAF6494E94F5}" type="slidenum">
               <a:rPr lang="nl-NL" smtClean="0"/>
-              <a:t>‹nr.›</a:t>
+              <a:t>‹#›</a:t>
             </a:fld>
             <a:endParaRPr lang="nl-NL"/>
           </a:p>
@@ -2511,7 +2511,7 @@
           <a:p>
             <a:fld id="{C8141D3B-BB8B-40C5-B7C3-DAF6494E94F5}" type="slidenum">
               <a:rPr lang="nl-NL" smtClean="0"/>
-              <a:t>‹nr.›</a:t>
+              <a:t>‹#›</a:t>
             </a:fld>
             <a:endParaRPr lang="nl-NL"/>
           </a:p>
@@ -2681,7 +2681,7 @@
           <a:p>
             <a:fld id="{C8141D3B-BB8B-40C5-B7C3-DAF6494E94F5}" type="slidenum">
               <a:rPr lang="nl-NL" smtClean="0"/>
-              <a:t>‹nr.›</a:t>
+              <a:t>‹#›</a:t>
             </a:fld>
             <a:endParaRPr lang="nl-NL"/>
           </a:p>
@@ -2861,7 +2861,7 @@
           <a:p>
             <a:fld id="{C8141D3B-BB8B-40C5-B7C3-DAF6494E94F5}" type="slidenum">
               <a:rPr lang="nl-NL" smtClean="0"/>
-              <a:t>‹nr.›</a:t>
+              <a:t>‹#›</a:t>
             </a:fld>
             <a:endParaRPr lang="nl-NL"/>
           </a:p>
@@ -3031,7 +3031,7 @@
           <a:p>
             <a:fld id="{C8141D3B-BB8B-40C5-B7C3-DAF6494E94F5}" type="slidenum">
               <a:rPr lang="nl-NL" smtClean="0"/>
-              <a:t>‹nr.›</a:t>
+              <a:t>‹#›</a:t>
             </a:fld>
             <a:endParaRPr lang="nl-NL"/>
           </a:p>
@@ -3278,7 +3278,7 @@
           <a:p>
             <a:fld id="{C8141D3B-BB8B-40C5-B7C3-DAF6494E94F5}" type="slidenum">
               <a:rPr lang="nl-NL" smtClean="0"/>
-              <a:t>‹nr.›</a:t>
+              <a:t>‹#›</a:t>
             </a:fld>
             <a:endParaRPr lang="nl-NL"/>
           </a:p>
@@ -3510,7 +3510,7 @@
           <a:p>
             <a:fld id="{C8141D3B-BB8B-40C5-B7C3-DAF6494E94F5}" type="slidenum">
               <a:rPr lang="nl-NL" smtClean="0"/>
-              <a:t>‹nr.›</a:t>
+              <a:t>‹#›</a:t>
             </a:fld>
             <a:endParaRPr lang="nl-NL"/>
           </a:p>
@@ -3884,7 +3884,7 @@
           <a:p>
             <a:fld id="{C8141D3B-BB8B-40C5-B7C3-DAF6494E94F5}" type="slidenum">
               <a:rPr lang="nl-NL" smtClean="0"/>
-              <a:t>‹nr.›</a:t>
+              <a:t>‹#›</a:t>
             </a:fld>
             <a:endParaRPr lang="nl-NL"/>
           </a:p>
@@ -4007,7 +4007,7 @@
           <a:p>
             <a:fld id="{C8141D3B-BB8B-40C5-B7C3-DAF6494E94F5}" type="slidenum">
               <a:rPr lang="nl-NL" smtClean="0"/>
-              <a:t>‹nr.›</a:t>
+              <a:t>‹#›</a:t>
             </a:fld>
             <a:endParaRPr lang="nl-NL"/>
           </a:p>
@@ -4102,7 +4102,7 @@
           <a:p>
             <a:fld id="{C8141D3B-BB8B-40C5-B7C3-DAF6494E94F5}" type="slidenum">
               <a:rPr lang="nl-NL" smtClean="0"/>
-              <a:t>‹nr.›</a:t>
+              <a:t>‹#›</a:t>
             </a:fld>
             <a:endParaRPr lang="nl-NL"/>
           </a:p>
@@ -4357,7 +4357,7 @@
           <a:p>
             <a:fld id="{C8141D3B-BB8B-40C5-B7C3-DAF6494E94F5}" type="slidenum">
               <a:rPr lang="nl-NL" smtClean="0"/>
-              <a:t>‹nr.›</a:t>
+              <a:t>‹#›</a:t>
             </a:fld>
             <a:endParaRPr lang="nl-NL"/>
           </a:p>
@@ -4597,7 +4597,7 @@
           <a:p>
             <a:fld id="{C8141D3B-BB8B-40C5-B7C3-DAF6494E94F5}" type="slidenum">
               <a:rPr lang="nl-NL" smtClean="0"/>
-              <a:t>‹nr.›</a:t>
+              <a:t>‹#›</a:t>
             </a:fld>
             <a:endParaRPr lang="nl-NL"/>
           </a:p>
@@ -5398,7 +5398,7 @@
           <a:p>
             <a:fld id="{C8141D3B-BB8B-40C5-B7C3-DAF6494E94F5}" type="slidenum">
               <a:rPr lang="nl-NL" smtClean="0"/>
-              <a:t>‹nr.›</a:t>
+              <a:t>‹#›</a:t>
             </a:fld>
             <a:endParaRPr lang="nl-NL"/>
           </a:p>
@@ -7808,8 +7808,8 @@
         </p:blipFill>
         <p:spPr>
           <a:xfrm>
-            <a:off x="4113484" y="609600"/>
-            <a:ext cx="2075000" cy="2075000"/>
+            <a:off x="4638153" y="3535447"/>
+            <a:ext cx="1165432" cy="1165432"/>
           </a:xfrm>
           <a:prstGeom prst="rect">
             <a:avLst/>
@@ -7845,8 +7845,8 @@
         </p:blipFill>
         <p:spPr>
           <a:xfrm>
-            <a:off x="6677718" y="685927"/>
-            <a:ext cx="2596281" cy="1922345"/>
+            <a:off x="4610105" y="2591058"/>
+            <a:ext cx="1221528" cy="904447"/>
           </a:xfrm>
           <a:prstGeom prst="rect">
             <a:avLst/>
@@ -7882,14 +7882,712 @@
         </p:blipFill>
         <p:spPr>
           <a:xfrm>
-            <a:off x="4437256" y="2910558"/>
-            <a:ext cx="4252327" cy="3130803"/>
+            <a:off x="4393149" y="4542665"/>
+            <a:ext cx="1607337" cy="1183412"/>
           </a:xfrm>
           <a:prstGeom prst="rect">
             <a:avLst/>
           </a:prstGeom>
         </p:spPr>
       </p:pic>
+      <p:graphicFrame>
+        <p:nvGraphicFramePr>
+          <p:cNvPr id="4" name="Table 3">
+            <a:extLst>
+              <a:ext uri="{FF2B5EF4-FFF2-40B4-BE49-F238E27FC236}">
+                <a16:creationId xmlns:a16="http://schemas.microsoft.com/office/drawing/2014/main" id="{33C0D1F4-65FA-1835-39D4-87A7E79F082E}"/>
+              </a:ext>
+            </a:extLst>
+          </p:cNvPr>
+          <p:cNvGraphicFramePr>
+            <a:graphicFrameLocks noGrp="1"/>
+          </p:cNvGraphicFramePr>
+          <p:nvPr>
+            <p:extLst>
+              <p:ext uri="{D42A27DB-BD31-4B8C-83A1-F6EECF244321}">
+                <p14:modId xmlns:p14="http://schemas.microsoft.com/office/powerpoint/2010/main" val="2791294093"/>
+              </p:ext>
+            </p:extLst>
+          </p:nvPr>
+        </p:nvGraphicFramePr>
+        <p:xfrm>
+          <a:off x="6016576" y="1591475"/>
+          <a:ext cx="6175421" cy="4287558"/>
+        </p:xfrm>
+        <a:graphic>
+          <a:graphicData uri="http://schemas.openxmlformats.org/drawingml/2006/table">
+            <a:tbl>
+              <a:tblPr firstRow="1" bandRow="1">
+                <a:tableStyleId>{5C22544A-7EE6-4342-B048-85BDC9FD1C3A}</a:tableStyleId>
+              </a:tblPr>
+              <a:tblGrid>
+                <a:gridCol w="1019418">
+                  <a:extLst>
+                    <a:ext uri="{9D8B030D-6E8A-4147-A177-3AD203B41FA5}">
+                      <a16:colId xmlns:a16="http://schemas.microsoft.com/office/drawing/2014/main" val="2627733194"/>
+                    </a:ext>
+                  </a:extLst>
+                </a:gridCol>
+                <a:gridCol w="844598">
+                  <a:extLst>
+                    <a:ext uri="{9D8B030D-6E8A-4147-A177-3AD203B41FA5}">
+                      <a16:colId xmlns:a16="http://schemas.microsoft.com/office/drawing/2014/main" val="2150787738"/>
+                    </a:ext>
+                  </a:extLst>
+                </a:gridCol>
+                <a:gridCol w="816678">
+                  <a:extLst>
+                    <a:ext uri="{9D8B030D-6E8A-4147-A177-3AD203B41FA5}">
+                      <a16:colId xmlns:a16="http://schemas.microsoft.com/office/drawing/2014/main" val="468366130"/>
+                    </a:ext>
+                  </a:extLst>
+                </a:gridCol>
+                <a:gridCol w="848118">
+                  <a:extLst>
+                    <a:ext uri="{9D8B030D-6E8A-4147-A177-3AD203B41FA5}">
+                      <a16:colId xmlns:a16="http://schemas.microsoft.com/office/drawing/2014/main" val="1397205655"/>
+                    </a:ext>
+                  </a:extLst>
+                </a:gridCol>
+                <a:gridCol w="882203">
+                  <a:extLst>
+                    <a:ext uri="{9D8B030D-6E8A-4147-A177-3AD203B41FA5}">
+                      <a16:colId xmlns:a16="http://schemas.microsoft.com/office/drawing/2014/main" val="1123180273"/>
+                    </a:ext>
+                  </a:extLst>
+                </a:gridCol>
+                <a:gridCol w="882203">
+                  <a:extLst>
+                    <a:ext uri="{9D8B030D-6E8A-4147-A177-3AD203B41FA5}">
+                      <a16:colId xmlns:a16="http://schemas.microsoft.com/office/drawing/2014/main" val="3303097515"/>
+                    </a:ext>
+                  </a:extLst>
+                </a:gridCol>
+                <a:gridCol w="882203">
+                  <a:extLst>
+                    <a:ext uri="{9D8B030D-6E8A-4147-A177-3AD203B41FA5}">
+                      <a16:colId xmlns:a16="http://schemas.microsoft.com/office/drawing/2014/main" val="4025165270"/>
+                    </a:ext>
+                  </a:extLst>
+                </a:gridCol>
+              </a:tblGrid>
+              <a:tr h="971986">
+                <a:tc>
+                  <a:txBody>
+                    <a:bodyPr/>
+                    <a:lstStyle/>
+                    <a:p>
+                      <a:r>
+                        <a:rPr lang="en-US" dirty="0"/>
+                        <a:t>Naam</a:t>
+                      </a:r>
+                      <a:endParaRPr lang="en-NL" dirty="0"/>
+                    </a:p>
+                  </a:txBody>
+                  <a:tcPr/>
+                </a:tc>
+                <a:tc>
+                  <a:txBody>
+                    <a:bodyPr/>
+                    <a:lstStyle/>
+                    <a:p>
+                      <a:r>
+                        <a:rPr lang="en-US" dirty="0"/>
+                        <a:t>Processor</a:t>
+                      </a:r>
+                      <a:endParaRPr lang="en-NL" dirty="0"/>
+                    </a:p>
+                  </a:txBody>
+                  <a:tcPr/>
+                </a:tc>
+                <a:tc>
+                  <a:txBody>
+                    <a:bodyPr/>
+                    <a:lstStyle/>
+                    <a:p>
+                      <a:r>
+                        <a:rPr lang="en-US" dirty="0"/>
+                        <a:t>Internet</a:t>
+                      </a:r>
+                      <a:endParaRPr lang="en-NL" dirty="0"/>
+                    </a:p>
+                  </a:txBody>
+                  <a:tcPr/>
+                </a:tc>
+                <a:tc>
+                  <a:txBody>
+                    <a:bodyPr/>
+                    <a:lstStyle/>
+                    <a:p>
+                      <a:r>
+                        <a:rPr lang="en-US" dirty="0" err="1"/>
+                        <a:t>Snelheid</a:t>
+                      </a:r>
+                      <a:endParaRPr lang="en-NL" dirty="0"/>
+                    </a:p>
+                  </a:txBody>
+                  <a:tcPr/>
+                </a:tc>
+                <a:tc>
+                  <a:txBody>
+                    <a:bodyPr/>
+                    <a:lstStyle/>
+                    <a:p>
+                      <a:pPr marL="0" marR="0" lvl="0" indent="0" algn="l" defTabSz="457200" rtl="0" eaLnBrk="1" fontAlgn="auto" latinLnBrk="0" hangingPunct="1">
+                        <a:lnSpc>
+                          <a:spcPct val="100000"/>
+                        </a:lnSpc>
+                        <a:spcBef>
+                          <a:spcPts val="0"/>
+                        </a:spcBef>
+                        <a:spcAft>
+                          <a:spcPts val="0"/>
+                        </a:spcAft>
+                        <a:buClrTx/>
+                        <a:buSzTx/>
+                        <a:buFontTx/>
+                        <a:buNone/>
+                        <a:tabLst/>
+                        <a:defRPr/>
+                      </a:pPr>
+                      <a:r>
+                        <a:rPr lang="nl-NL" sz="1800" b="1" kern="1200" dirty="0">
+                          <a:solidFill>
+                            <a:schemeClr val="lt1"/>
+                          </a:solidFill>
+                          <a:effectLst/>
+                          <a:latin typeface="+mn-lt"/>
+                          <a:ea typeface="+mn-ea"/>
+                          <a:cs typeface="+mn-cs"/>
+                        </a:rPr>
+                        <a:t>Energieverbruik</a:t>
+                      </a:r>
+                      <a:endParaRPr lang="en-NL" sz="1800" b="1" kern="1200" dirty="0">
+                        <a:solidFill>
+                          <a:schemeClr val="lt1"/>
+                        </a:solidFill>
+                        <a:effectLst/>
+                        <a:latin typeface="+mn-lt"/>
+                        <a:ea typeface="+mn-ea"/>
+                        <a:cs typeface="+mn-cs"/>
+                      </a:endParaRPr>
+                    </a:p>
+                  </a:txBody>
+                  <a:tcPr/>
+                </a:tc>
+                <a:tc>
+                  <a:txBody>
+                    <a:bodyPr/>
+                    <a:lstStyle/>
+                    <a:p>
+                      <a:r>
+                        <a:rPr lang="en-US" dirty="0"/>
+                        <a:t>GPIO</a:t>
+                      </a:r>
+                      <a:endParaRPr lang="en-NL" dirty="0"/>
+                    </a:p>
+                  </a:txBody>
+                  <a:tcPr/>
+                </a:tc>
+                <a:tc>
+                  <a:txBody>
+                    <a:bodyPr/>
+                    <a:lstStyle/>
+                    <a:p>
+                      <a:r>
+                        <a:rPr lang="en-US" dirty="0" err="1"/>
+                        <a:t>Prijs</a:t>
+                      </a:r>
+                      <a:endParaRPr lang="en-NL" dirty="0"/>
+                    </a:p>
+                  </a:txBody>
+                  <a:tcPr/>
+                </a:tc>
+                <a:extLst>
+                  <a:ext uri="{0D108BD9-81ED-4DB2-BD59-A6C34878D82A}">
+                    <a16:rowId xmlns:a16="http://schemas.microsoft.com/office/drawing/2014/main" val="3732947197"/>
+                  </a:ext>
+                </a:extLst>
+              </a:tr>
+              <a:tr h="971986">
+                <a:tc>
+                  <a:txBody>
+                    <a:bodyPr/>
+                    <a:lstStyle/>
+                    <a:p>
+                      <a:r>
+                        <a:rPr lang="en-US" sz="1400" dirty="0"/>
+                        <a:t>Arduino uno</a:t>
+                      </a:r>
+                      <a:endParaRPr lang="en-NL" sz="1400" dirty="0"/>
+                    </a:p>
+                  </a:txBody>
+                  <a:tcPr/>
+                </a:tc>
+                <a:tc>
+                  <a:txBody>
+                    <a:bodyPr/>
+                    <a:lstStyle/>
+                    <a:p>
+                      <a:r>
+                        <a:rPr lang="uk-UA" sz="1400" dirty="0"/>
+                        <a:t>8</a:t>
+                      </a:r>
+                      <a:r>
+                        <a:rPr lang="en-US" sz="1400" dirty="0"/>
+                        <a:t>bit</a:t>
+                      </a:r>
+                    </a:p>
+                    <a:p>
+                      <a:r>
+                        <a:rPr lang="en-US" sz="1400" dirty="0"/>
+                        <a:t>16MHz</a:t>
+                      </a:r>
+                      <a:endParaRPr lang="en-NL" sz="1400" dirty="0"/>
+                    </a:p>
+                  </a:txBody>
+                  <a:tcPr/>
+                </a:tc>
+                <a:tc>
+                  <a:txBody>
+                    <a:bodyPr/>
+                    <a:lstStyle/>
+                    <a:p>
+                      <a:endParaRPr lang="en-US" sz="1400" dirty="0"/>
+                    </a:p>
+                    <a:p>
+                      <a:r>
+                        <a:rPr lang="en-US" sz="1400" dirty="0"/>
+                        <a:t>Geen</a:t>
+                      </a:r>
+                    </a:p>
+                  </a:txBody>
+                  <a:tcPr/>
+                </a:tc>
+                <a:tc>
+                  <a:txBody>
+                    <a:bodyPr/>
+                    <a:lstStyle/>
+                    <a:p>
+                      <a:endParaRPr lang="en-US" dirty="0"/>
+                    </a:p>
+                    <a:p>
+                      <a:r>
+                        <a:rPr lang="en-US" sz="1400" dirty="0" err="1"/>
+                        <a:t>Laag</a:t>
+                      </a:r>
+                      <a:endParaRPr lang="en-NL" sz="1400" dirty="0"/>
+                    </a:p>
+                  </a:txBody>
+                  <a:tcPr/>
+                </a:tc>
+                <a:tc>
+                  <a:txBody>
+                    <a:bodyPr/>
+                    <a:lstStyle/>
+                    <a:p>
+                      <a:r>
+                        <a:rPr lang="en-US" sz="1400" dirty="0"/>
+                        <a:t>45-50mA</a:t>
+                      </a:r>
+                    </a:p>
+                    <a:p>
+                      <a:r>
+                        <a:rPr lang="en-US" sz="1400" dirty="0"/>
+                        <a:t>tot</a:t>
+                      </a:r>
+                    </a:p>
+                    <a:p>
+                      <a:r>
+                        <a:rPr lang="en-US" sz="1400" dirty="0"/>
+                        <a:t>200mA</a:t>
+                      </a:r>
+                    </a:p>
+                  </a:txBody>
+                  <a:tcPr/>
+                </a:tc>
+                <a:tc>
+                  <a:txBody>
+                    <a:bodyPr/>
+                    <a:lstStyle/>
+                    <a:p>
+                      <a:r>
+                        <a:rPr lang="en-US" sz="1400" dirty="0"/>
+                        <a:t>14 </a:t>
+                      </a:r>
+                      <a:r>
+                        <a:rPr lang="en-US" sz="1400" dirty="0" err="1"/>
+                        <a:t>digitaal</a:t>
+                      </a:r>
+                      <a:r>
+                        <a:rPr lang="en-US" sz="1400" dirty="0"/>
+                        <a:t>, 6 </a:t>
+                      </a:r>
+                      <a:r>
+                        <a:rPr lang="en-US" sz="1400" dirty="0" err="1"/>
+                        <a:t>analoog</a:t>
+                      </a:r>
+                      <a:endParaRPr lang="en-US" sz="1400" dirty="0"/>
+                    </a:p>
+                    <a:p>
+                      <a:r>
+                        <a:rPr lang="en-US" sz="1400" dirty="0"/>
+                        <a:t>SPI, I2C </a:t>
+                      </a:r>
+                      <a:r>
+                        <a:rPr lang="en-US" sz="1400" dirty="0" err="1"/>
+                        <a:t>en</a:t>
+                      </a:r>
+                      <a:r>
+                        <a:rPr lang="en-US" sz="1400" dirty="0"/>
+                        <a:t> UART</a:t>
+                      </a:r>
+                      <a:endParaRPr lang="en-NL" sz="1400" dirty="0"/>
+                    </a:p>
+                  </a:txBody>
+                  <a:tcPr/>
+                </a:tc>
+                <a:tc>
+                  <a:txBody>
+                    <a:bodyPr/>
+                    <a:lstStyle/>
+                    <a:p>
+                      <a:r>
+                        <a:rPr lang="en-US" sz="1400" dirty="0"/>
+                        <a:t>20-30€</a:t>
+                      </a:r>
+                      <a:endParaRPr lang="en-NL" sz="1400" dirty="0"/>
+                    </a:p>
+                  </a:txBody>
+                  <a:tcPr/>
+                </a:tc>
+                <a:extLst>
+                  <a:ext uri="{0D108BD9-81ED-4DB2-BD59-A6C34878D82A}">
+                    <a16:rowId xmlns:a16="http://schemas.microsoft.com/office/drawing/2014/main" val="1190671987"/>
+                  </a:ext>
+                </a:extLst>
+              </a:tr>
+              <a:tr h="971986">
+                <a:tc>
+                  <a:txBody>
+                    <a:bodyPr/>
+                    <a:lstStyle/>
+                    <a:p>
+                      <a:r>
+                        <a:rPr lang="en-US" sz="1400" dirty="0"/>
+                        <a:t>ESP-32</a:t>
+                      </a:r>
+                      <a:endParaRPr lang="en-NL" sz="1400" dirty="0"/>
+                    </a:p>
+                  </a:txBody>
+                  <a:tcPr/>
+                </a:tc>
+                <a:tc>
+                  <a:txBody>
+                    <a:bodyPr/>
+                    <a:lstStyle/>
+                    <a:p>
+                      <a:r>
+                        <a:rPr lang="en-US" sz="1400" dirty="0"/>
+                        <a:t>32bit</a:t>
+                      </a:r>
+                    </a:p>
+                    <a:p>
+                      <a:r>
+                        <a:rPr lang="uk-UA" sz="1400" dirty="0"/>
+                        <a:t>2</a:t>
+                      </a:r>
+                      <a:r>
+                        <a:rPr lang="en-US" sz="1400" dirty="0"/>
+                        <a:t> cores</a:t>
+                      </a:r>
+                    </a:p>
+                    <a:p>
+                      <a:r>
+                        <a:rPr lang="en-US" sz="1400" dirty="0"/>
+                        <a:t>240MHz</a:t>
+                      </a:r>
+                      <a:endParaRPr lang="en-NL" sz="1400" dirty="0"/>
+                    </a:p>
+                  </a:txBody>
+                  <a:tcPr/>
+                </a:tc>
+                <a:tc>
+                  <a:txBody>
+                    <a:bodyPr/>
+                    <a:lstStyle/>
+                    <a:p>
+                      <a:r>
+                        <a:rPr lang="en-US" sz="1400" dirty="0"/>
+                        <a:t>Wi-Fi</a:t>
+                      </a:r>
+                    </a:p>
+                    <a:p>
+                      <a:r>
+                        <a:rPr lang="en-US" sz="1400" dirty="0" err="1"/>
+                        <a:t>en</a:t>
+                      </a:r>
+                      <a:endParaRPr lang="en-US" sz="1400" dirty="0"/>
+                    </a:p>
+                    <a:p>
+                      <a:r>
+                        <a:rPr lang="en-US" sz="1400" dirty="0"/>
+                        <a:t>Bluetooth</a:t>
+                      </a:r>
+                    </a:p>
+                  </a:txBody>
+                  <a:tcPr/>
+                </a:tc>
+                <a:tc>
+                  <a:txBody>
+                    <a:bodyPr/>
+                    <a:lstStyle/>
+                    <a:p>
+                      <a:endParaRPr lang="en-US" dirty="0"/>
+                    </a:p>
+                    <a:p>
+                      <a:r>
+                        <a:rPr lang="en-US" sz="1400" dirty="0" err="1"/>
+                        <a:t>Gemiddeld</a:t>
+                      </a:r>
+                      <a:endParaRPr lang="en-NL" sz="1400" dirty="0"/>
+                    </a:p>
+                  </a:txBody>
+                  <a:tcPr/>
+                </a:tc>
+                <a:tc>
+                  <a:txBody>
+                    <a:bodyPr/>
+                    <a:lstStyle/>
+                    <a:p>
+                      <a:r>
+                        <a:rPr lang="en-US" sz="1400" dirty="0"/>
+                        <a:t>50-240mA+</a:t>
+                      </a:r>
+                      <a:endParaRPr lang="en-NL" sz="1400" dirty="0"/>
+                    </a:p>
+                  </a:txBody>
+                  <a:tcPr/>
+                </a:tc>
+                <a:tc>
+                  <a:txBody>
+                    <a:bodyPr/>
+                    <a:lstStyle/>
+                    <a:p>
+                      <a:r>
+                        <a:rPr lang="en-NL" sz="1400" dirty="0"/>
+                        <a:t>30</a:t>
+                      </a:r>
+                      <a:endParaRPr lang="en-US" sz="1400" dirty="0"/>
+                    </a:p>
+                    <a:p>
+                      <a:r>
+                        <a:rPr lang="en-US" sz="1400" dirty="0"/>
+                        <a:t>SPI,I2C </a:t>
+                      </a:r>
+                      <a:r>
+                        <a:rPr lang="en-US" sz="1400" dirty="0" err="1"/>
+                        <a:t>en</a:t>
+                      </a:r>
+                      <a:r>
+                        <a:rPr lang="en-US" sz="1400" dirty="0"/>
+                        <a:t> DAC</a:t>
+                      </a:r>
+                      <a:endParaRPr lang="en-NL" sz="1400" dirty="0"/>
+                    </a:p>
+                  </a:txBody>
+                  <a:tcPr/>
+                </a:tc>
+                <a:tc>
+                  <a:txBody>
+                    <a:bodyPr/>
+                    <a:lstStyle/>
+                    <a:p>
+                      <a:r>
+                        <a:rPr lang="en-US" sz="1400" dirty="0"/>
+                        <a:t>3-10€</a:t>
+                      </a:r>
+                      <a:endParaRPr lang="en-NL" sz="1400" dirty="0"/>
+                    </a:p>
+                  </a:txBody>
+                  <a:tcPr/>
+                </a:tc>
+                <a:extLst>
+                  <a:ext uri="{0D108BD9-81ED-4DB2-BD59-A6C34878D82A}">
+                    <a16:rowId xmlns:a16="http://schemas.microsoft.com/office/drawing/2014/main" val="1052638572"/>
+                  </a:ext>
+                </a:extLst>
+              </a:tr>
+              <a:tr h="971986">
+                <a:tc>
+                  <a:txBody>
+                    <a:bodyPr/>
+                    <a:lstStyle/>
+                    <a:p>
+                      <a:r>
+                        <a:rPr lang="en-US" sz="1400" dirty="0"/>
+                        <a:t>Raspberry PI 4</a:t>
+                      </a:r>
+                      <a:endParaRPr lang="en-NL" sz="1400" dirty="0"/>
+                    </a:p>
+                  </a:txBody>
+                  <a:tcPr/>
+                </a:tc>
+                <a:tc>
+                  <a:txBody>
+                    <a:bodyPr/>
+                    <a:lstStyle/>
+                    <a:p>
+                      <a:r>
+                        <a:rPr lang="en-US" sz="1400" dirty="0"/>
+                        <a:t>64bit</a:t>
+                      </a:r>
+                    </a:p>
+                    <a:p>
+                      <a:r>
+                        <a:rPr lang="en-US" sz="1400" dirty="0"/>
+                        <a:t>4 cores</a:t>
+                      </a:r>
+                    </a:p>
+                    <a:p>
+                      <a:r>
+                        <a:rPr lang="en-US" sz="1400" dirty="0"/>
+                        <a:t>1.5GHz</a:t>
+                      </a:r>
+                      <a:endParaRPr lang="en-NL" sz="1400" dirty="0"/>
+                    </a:p>
+                  </a:txBody>
+                  <a:tcPr/>
+                </a:tc>
+                <a:tc>
+                  <a:txBody>
+                    <a:bodyPr/>
+                    <a:lstStyle/>
+                    <a:p>
+                      <a:r>
+                        <a:rPr lang="en-US" sz="1400" dirty="0"/>
+                        <a:t>Wi-Fi</a:t>
+                      </a:r>
+                    </a:p>
+                    <a:p>
+                      <a:r>
+                        <a:rPr lang="en-US" sz="1400" dirty="0" err="1"/>
+                        <a:t>en</a:t>
+                      </a:r>
+                      <a:endParaRPr lang="en-US" sz="1400" dirty="0"/>
+                    </a:p>
+                    <a:p>
+                      <a:r>
+                        <a:rPr lang="en-US" sz="1400" dirty="0"/>
+                        <a:t>Bluetooth</a:t>
+                      </a:r>
+                    </a:p>
+                  </a:txBody>
+                  <a:tcPr/>
+                </a:tc>
+                <a:tc>
+                  <a:txBody>
+                    <a:bodyPr/>
+                    <a:lstStyle/>
+                    <a:p>
+                      <a:endParaRPr lang="en-US" dirty="0"/>
+                    </a:p>
+                    <a:p>
+                      <a:r>
+                        <a:rPr lang="en-US" sz="1400" dirty="0"/>
+                        <a:t>Hoog</a:t>
+                      </a:r>
+                      <a:endParaRPr lang="en-NL" sz="1400" dirty="0"/>
+                    </a:p>
+                  </a:txBody>
+                  <a:tcPr/>
+                </a:tc>
+                <a:tc>
+                  <a:txBody>
+                    <a:bodyPr/>
+                    <a:lstStyle/>
+                    <a:p>
+                      <a:r>
+                        <a:rPr lang="en-US" sz="1400" dirty="0"/>
+                        <a:t>3W-5W</a:t>
+                      </a:r>
+                      <a:endParaRPr lang="en-NL" sz="1400" dirty="0"/>
+                    </a:p>
+                  </a:txBody>
+                  <a:tcPr/>
+                </a:tc>
+                <a:tc>
+                  <a:txBody>
+                    <a:bodyPr/>
+                    <a:lstStyle/>
+                    <a:p>
+                      <a:r>
+                        <a:rPr lang="en-US" sz="1400" dirty="0"/>
+                        <a:t>40</a:t>
+                      </a:r>
+                    </a:p>
+                    <a:p>
+                      <a:r>
+                        <a:rPr lang="en-US" sz="1400" dirty="0"/>
+                        <a:t>I2C, SPI, UART </a:t>
+                      </a:r>
+                      <a:r>
+                        <a:rPr lang="en-US" sz="1400" dirty="0" err="1"/>
+                        <a:t>en</a:t>
+                      </a:r>
+                      <a:r>
+                        <a:rPr lang="en-US" sz="1400" dirty="0"/>
+                        <a:t> PWM</a:t>
+                      </a:r>
+                      <a:endParaRPr lang="en-NL" sz="1400" dirty="0"/>
+                    </a:p>
+                  </a:txBody>
+                  <a:tcPr/>
+                </a:tc>
+                <a:tc>
+                  <a:txBody>
+                    <a:bodyPr/>
+                    <a:lstStyle/>
+                    <a:p>
+                      <a:pPr marL="0" marR="0" lvl="0" indent="0" algn="l" defTabSz="457200" rtl="0" eaLnBrk="1" fontAlgn="auto" latinLnBrk="0" hangingPunct="1">
+                        <a:lnSpc>
+                          <a:spcPct val="100000"/>
+                        </a:lnSpc>
+                        <a:spcBef>
+                          <a:spcPts val="0"/>
+                        </a:spcBef>
+                        <a:spcAft>
+                          <a:spcPts val="0"/>
+                        </a:spcAft>
+                        <a:buClrTx/>
+                        <a:buSzTx/>
+                        <a:buFontTx/>
+                        <a:buNone/>
+                        <a:tabLst/>
+                        <a:defRPr/>
+                      </a:pPr>
+                      <a:r>
+                        <a:rPr lang="en-US" sz="1400" dirty="0"/>
+                        <a:t>50-70€</a:t>
+                      </a:r>
+                      <a:endParaRPr lang="en-NL" sz="1400" dirty="0"/>
+                    </a:p>
+                    <a:p>
+                      <a:endParaRPr lang="en-NL" dirty="0"/>
+                    </a:p>
+                  </a:txBody>
+                  <a:tcPr/>
+                </a:tc>
+                <a:extLst>
+                  <a:ext uri="{0D108BD9-81ED-4DB2-BD59-A6C34878D82A}">
+                    <a16:rowId xmlns:a16="http://schemas.microsoft.com/office/drawing/2014/main" val="786914914"/>
+                  </a:ext>
+                </a:extLst>
+              </a:tr>
+            </a:tbl>
+          </a:graphicData>
+        </a:graphic>
+      </p:graphicFrame>
     </p:spTree>
     <p:extLst>
       <p:ext uri="{BB962C8B-B14F-4D97-AF65-F5344CB8AC3E}">

--- a/documentatie/scrum presentaties/sprint 1.pptx
+++ b/documentatie/scrum presentaties/sprint 1.pptx
@@ -906,7 +906,7 @@
           <a:p>
             <a:fld id="{C8141D3B-BB8B-40C5-B7C3-DAF6494E94F5}" type="slidenum">
               <a:rPr lang="nl-NL" smtClean="0"/>
-              <a:t>‹#›</a:t>
+              <a:t>‹nr.›</a:t>
             </a:fld>
             <a:endParaRPr lang="nl-NL"/>
           </a:p>
@@ -1157,7 +1157,7 @@
           <a:p>
             <a:fld id="{C8141D3B-BB8B-40C5-B7C3-DAF6494E94F5}" type="slidenum">
               <a:rPr lang="nl-NL" smtClean="0"/>
-              <a:t>‹#›</a:t>
+              <a:t>‹nr.›</a:t>
             </a:fld>
             <a:endParaRPr lang="nl-NL"/>
           </a:p>
@@ -1471,7 +1471,7 @@
           <a:p>
             <a:fld id="{C8141D3B-BB8B-40C5-B7C3-DAF6494E94F5}" type="slidenum">
               <a:rPr lang="nl-NL" smtClean="0"/>
-              <a:t>‹#›</a:t>
+              <a:t>‹nr.›</a:t>
             </a:fld>
             <a:endParaRPr lang="nl-NL"/>
           </a:p>
@@ -1804,7 +1804,7 @@
           <a:p>
             <a:fld id="{C8141D3B-BB8B-40C5-B7C3-DAF6494E94F5}" type="slidenum">
               <a:rPr lang="nl-NL" smtClean="0"/>
-              <a:t>‹#›</a:t>
+              <a:t>‹nr.›</a:t>
             </a:fld>
             <a:endParaRPr lang="nl-NL"/>
           </a:p>
@@ -2118,7 +2118,7 @@
           <a:p>
             <a:fld id="{C8141D3B-BB8B-40C5-B7C3-DAF6494E94F5}" type="slidenum">
               <a:rPr lang="nl-NL" smtClean="0"/>
-              <a:t>‹#›</a:t>
+              <a:t>‹nr.›</a:t>
             </a:fld>
             <a:endParaRPr lang="nl-NL"/>
           </a:p>
@@ -2511,7 +2511,7 @@
           <a:p>
             <a:fld id="{C8141D3B-BB8B-40C5-B7C3-DAF6494E94F5}" type="slidenum">
               <a:rPr lang="nl-NL" smtClean="0"/>
-              <a:t>‹#›</a:t>
+              <a:t>‹nr.›</a:t>
             </a:fld>
             <a:endParaRPr lang="nl-NL"/>
           </a:p>
@@ -2681,7 +2681,7 @@
           <a:p>
             <a:fld id="{C8141D3B-BB8B-40C5-B7C3-DAF6494E94F5}" type="slidenum">
               <a:rPr lang="nl-NL" smtClean="0"/>
-              <a:t>‹#›</a:t>
+              <a:t>‹nr.›</a:t>
             </a:fld>
             <a:endParaRPr lang="nl-NL"/>
           </a:p>
@@ -2861,7 +2861,7 @@
           <a:p>
             <a:fld id="{C8141D3B-BB8B-40C5-B7C3-DAF6494E94F5}" type="slidenum">
               <a:rPr lang="nl-NL" smtClean="0"/>
-              <a:t>‹#›</a:t>
+              <a:t>‹nr.›</a:t>
             </a:fld>
             <a:endParaRPr lang="nl-NL"/>
           </a:p>
@@ -3031,7 +3031,7 @@
           <a:p>
             <a:fld id="{C8141D3B-BB8B-40C5-B7C3-DAF6494E94F5}" type="slidenum">
               <a:rPr lang="nl-NL" smtClean="0"/>
-              <a:t>‹#›</a:t>
+              <a:t>‹nr.›</a:t>
             </a:fld>
             <a:endParaRPr lang="nl-NL"/>
           </a:p>
@@ -3278,7 +3278,7 @@
           <a:p>
             <a:fld id="{C8141D3B-BB8B-40C5-B7C3-DAF6494E94F5}" type="slidenum">
               <a:rPr lang="nl-NL" smtClean="0"/>
-              <a:t>‹#›</a:t>
+              <a:t>‹nr.›</a:t>
             </a:fld>
             <a:endParaRPr lang="nl-NL"/>
           </a:p>
@@ -3510,7 +3510,7 @@
           <a:p>
             <a:fld id="{C8141D3B-BB8B-40C5-B7C3-DAF6494E94F5}" type="slidenum">
               <a:rPr lang="nl-NL" smtClean="0"/>
-              <a:t>‹#›</a:t>
+              <a:t>‹nr.›</a:t>
             </a:fld>
             <a:endParaRPr lang="nl-NL"/>
           </a:p>
@@ -3884,7 +3884,7 @@
           <a:p>
             <a:fld id="{C8141D3B-BB8B-40C5-B7C3-DAF6494E94F5}" type="slidenum">
               <a:rPr lang="nl-NL" smtClean="0"/>
-              <a:t>‹#›</a:t>
+              <a:t>‹nr.›</a:t>
             </a:fld>
             <a:endParaRPr lang="nl-NL"/>
           </a:p>
@@ -4007,7 +4007,7 @@
           <a:p>
             <a:fld id="{C8141D3B-BB8B-40C5-B7C3-DAF6494E94F5}" type="slidenum">
               <a:rPr lang="nl-NL" smtClean="0"/>
-              <a:t>‹#›</a:t>
+              <a:t>‹nr.›</a:t>
             </a:fld>
             <a:endParaRPr lang="nl-NL"/>
           </a:p>
@@ -4102,7 +4102,7 @@
           <a:p>
             <a:fld id="{C8141D3B-BB8B-40C5-B7C3-DAF6494E94F5}" type="slidenum">
               <a:rPr lang="nl-NL" smtClean="0"/>
-              <a:t>‹#›</a:t>
+              <a:t>‹nr.›</a:t>
             </a:fld>
             <a:endParaRPr lang="nl-NL"/>
           </a:p>
@@ -4357,7 +4357,7 @@
           <a:p>
             <a:fld id="{C8141D3B-BB8B-40C5-B7C3-DAF6494E94F5}" type="slidenum">
               <a:rPr lang="nl-NL" smtClean="0"/>
-              <a:t>‹#›</a:t>
+              <a:t>‹nr.›</a:t>
             </a:fld>
             <a:endParaRPr lang="nl-NL"/>
           </a:p>
@@ -4597,7 +4597,7 @@
           <a:p>
             <a:fld id="{C8141D3B-BB8B-40C5-B7C3-DAF6494E94F5}" type="slidenum">
               <a:rPr lang="nl-NL" smtClean="0"/>
-              <a:t>‹#›</a:t>
+              <a:t>‹nr.›</a:t>
             </a:fld>
             <a:endParaRPr lang="nl-NL"/>
           </a:p>
@@ -5398,7 +5398,7 @@
           <a:p>
             <a:fld id="{C8141D3B-BB8B-40C5-B7C3-DAF6494E94F5}" type="slidenum">
               <a:rPr lang="nl-NL" smtClean="0"/>
-              <a:t>‹#›</a:t>
+              <a:t>‹nr.›</a:t>
             </a:fld>
             <a:endParaRPr lang="nl-NL"/>
           </a:p>
@@ -6187,6 +6187,61 @@
             <a:r>
               <a:rPr lang="en-US" dirty="0" err="1"/>
               <a:t>werkt</a:t>
+            </a:r>
+            <a:endParaRPr lang="en-US" dirty="0"/>
+          </a:p>
+          <a:p>
+            <a:r>
+              <a:rPr lang="en-US" dirty="0" err="1"/>
+              <a:t>Besproken</a:t>
+            </a:r>
+            <a:r>
+              <a:rPr lang="en-US" dirty="0"/>
+              <a:t> </a:t>
+            </a:r>
+            <a:r>
+              <a:rPr lang="en-US" dirty="0" err="1"/>
+              <a:t>waar</a:t>
+            </a:r>
+            <a:r>
+              <a:rPr lang="en-US" dirty="0"/>
+              <a:t> </a:t>
+            </a:r>
+            <a:r>
+              <a:rPr lang="en-US" dirty="0" err="1"/>
+              <a:t>ons</a:t>
+            </a:r>
+            <a:r>
+              <a:rPr lang="en-US" dirty="0"/>
+              <a:t> </a:t>
+            </a:r>
+            <a:r>
+              <a:rPr lang="en-US" dirty="0" err="1"/>
+              <a:t>weerstation</a:t>
+            </a:r>
+            <a:r>
+              <a:rPr lang="en-US" dirty="0"/>
+              <a:t> </a:t>
+            </a:r>
+            <a:r>
+              <a:rPr lang="en-US" dirty="0" err="1"/>
+              <a:t>geplaatst</a:t>
+            </a:r>
+            <a:r>
+              <a:rPr lang="en-US" dirty="0"/>
+              <a:t> </a:t>
+            </a:r>
+            <a:r>
+              <a:rPr lang="en-US" dirty="0" err="1"/>
+              <a:t>gaat</a:t>
+            </a:r>
+            <a:r>
+              <a:rPr lang="en-US" dirty="0"/>
+              <a:t> </a:t>
+            </a:r>
+            <a:r>
+              <a:rPr lang="en-US" dirty="0" err="1"/>
+              <a:t>worden</a:t>
             </a:r>
             <a:endParaRPr lang="en-US" dirty="0"/>
           </a:p>

--- a/documentatie/scrum presentaties/sprint 1.pptx
+++ b/documentatie/scrum presentaties/sprint 1.pptx
@@ -7269,6 +7269,42 @@
           </a:prstGeom>
         </p:spPr>
       </p:pic>
+      <p:pic>
+        <p:nvPicPr>
+          <p:cNvPr id="3" name="Afbeelding 2" descr="Afbeelding met water, buitenshuis&#10;&#10;Door AI gegenereerde inhoud is mogelijk onjuist.">
+            <a:extLst>
+              <a:ext uri="{FF2B5EF4-FFF2-40B4-BE49-F238E27FC236}">
+                <a16:creationId xmlns:a16="http://schemas.microsoft.com/office/drawing/2014/main" id="{384415E4-D196-AFB8-9333-C63CA073434D}"/>
+              </a:ext>
+            </a:extLst>
+          </p:cNvPr>
+          <p:cNvPicPr>
+            <a:picLocks noChangeAspect="1"/>
+          </p:cNvPicPr>
+          <p:nvPr/>
+        </p:nvPicPr>
+        <p:blipFill>
+          <a:blip r:embed="rId4">
+            <a:extLst>
+              <a:ext uri="{28A0092B-C50C-407E-A947-70E740481C1C}">
+                <a14:useLocalDpi xmlns:a14="http://schemas.microsoft.com/office/drawing/2010/main" val="0"/>
+              </a:ext>
+            </a:extLst>
+          </a:blip>
+          <a:stretch>
+            <a:fillRect/>
+          </a:stretch>
+        </p:blipFill>
+        <p:spPr>
+          <a:xfrm>
+            <a:off x="4264548" y="4177238"/>
+            <a:ext cx="3545840" cy="2659380"/>
+          </a:xfrm>
+          <a:prstGeom prst="rect">
+            <a:avLst/>
+          </a:prstGeom>
+        </p:spPr>
+      </p:pic>
     </p:spTree>
     <p:extLst>
       <p:ext uri="{BB962C8B-B14F-4D97-AF65-F5344CB8AC3E}">
@@ -8775,6 +8811,12 @@
             <a:endParaRPr lang="en-US" dirty="0"/>
           </a:p>
           <a:p>
+            <a:pPr marL="0" indent="0">
+              <a:buNone/>
+            </a:pPr>
+            <a:endParaRPr lang="en-US" dirty="0"/>
+          </a:p>
+          <a:p>
             <a:r>
               <a:rPr lang="en-US" dirty="0"/>
               <a:t>Als de </a:t>
@@ -8824,14 +8866,14 @@
           <p:nvPr>
             <p:extLst>
               <p:ext uri="{D42A27DB-BD31-4B8C-83A1-F6EECF244321}">
-                <p14:modId xmlns:p14="http://schemas.microsoft.com/office/powerpoint/2010/main" val="1025669380"/>
+                <p14:modId xmlns:p14="http://schemas.microsoft.com/office/powerpoint/2010/main" val="1901499940"/>
               </p:ext>
             </p:extLst>
           </p:nvPr>
         </p:nvGraphicFramePr>
         <p:xfrm>
-          <a:off x="4645613" y="899249"/>
-          <a:ext cx="6861220" cy="5649983"/>
+          <a:off x="4807974" y="0"/>
+          <a:ext cx="7246374" cy="6943147"/>
         </p:xfrm>
         <a:graphic>
           <a:graphicData uri="http://schemas.openxmlformats.org/drawingml/2006/table">
@@ -8840,14 +8882,14 @@
                 <a:tableStyleId>{5C22544A-7EE6-4342-B048-85BDC9FD1C3A}</a:tableStyleId>
               </a:tblPr>
               <a:tblGrid>
-                <a:gridCol w="3538891">
+                <a:gridCol w="3537462">
                   <a:extLst>
                     <a:ext uri="{9D8B030D-6E8A-4147-A177-3AD203B41FA5}">
                       <a16:colId xmlns:a16="http://schemas.microsoft.com/office/drawing/2014/main" val="4067886319"/>
                     </a:ext>
                   </a:extLst>
                 </a:gridCol>
-                <a:gridCol w="3322329">
+                <a:gridCol w="3708912">
                   <a:extLst>
                     <a:ext uri="{9D8B030D-6E8A-4147-A177-3AD203B41FA5}">
                       <a16:colId xmlns:a16="http://schemas.microsoft.com/office/drawing/2014/main" val="660744966"/>
@@ -8855,7 +8897,7 @@
                   </a:extLst>
                 </a:gridCol>
               </a:tblGrid>
-              <a:tr h="349540">
+              <a:tr h="296706">
                 <a:tc>
                   <a:txBody>
                     <a:bodyPr/>
@@ -8890,7 +8932,7 @@
                   </a:ext>
                 </a:extLst>
               </a:tr>
-              <a:tr h="1064509">
+              <a:tr h="2287665">
                 <a:tc>
                   <a:txBody>
                     <a:bodyPr/>
@@ -8929,6 +8971,58 @@
                         </a:rPr>
                         <a:t>Ik wil dat de microcontroller de motor kan aansturen op basis van de data.</a:t>
                       </a:r>
+                    </a:p>
+                    <a:p>
+                      <a:pPr marL="0" marR="0" lvl="0" indent="0" algn="l" defTabSz="457200" rtl="0" eaLnBrk="1" fontAlgn="auto" latinLnBrk="0" hangingPunct="1">
+                        <a:lnSpc>
+                          <a:spcPct val="100000"/>
+                        </a:lnSpc>
+                        <a:spcBef>
+                          <a:spcPts val="0"/>
+                        </a:spcBef>
+                        <a:spcAft>
+                          <a:spcPts val="0"/>
+                        </a:spcAft>
+                        <a:buClrTx/>
+                        <a:buSzTx/>
+                        <a:buFontTx/>
+                        <a:buNone/>
+                        <a:tabLst/>
+                        <a:defRPr/>
+                      </a:pPr>
+                      <a:r>
+                        <a:rPr lang="nl-NL" sz="1600" b="1" kern="1200" dirty="0">
+                          <a:solidFill>
+                            <a:schemeClr val="dk1"/>
+                          </a:solidFill>
+                          <a:effectLst/>
+                          <a:latin typeface="+mn-lt"/>
+                          <a:ea typeface="+mn-ea"/>
+                          <a:cs typeface="+mn-cs"/>
+                        </a:rPr>
+                        <a:t>12. </a:t>
+                      </a:r>
+                      <a:r>
+                        <a:rPr lang="nl-NL" sz="1800" b="1" kern="1200" dirty="0">
+                          <a:solidFill>
+                            <a:schemeClr val="dk1"/>
+                          </a:solidFill>
+                          <a:effectLst/>
+                          <a:latin typeface="+mn-lt"/>
+                          <a:ea typeface="+mn-ea"/>
+                          <a:cs typeface="+mn-cs"/>
+                        </a:rPr>
+                        <a:t>Ik wil dat de motor altijd minimaal draait zodat we geen energie verspillen en zo veel mogelijk plastic in de plastic vanger terecht komt.</a:t>
+                      </a:r>
+                      <a:endParaRPr lang="nl-NL" sz="1600" b="1" kern="1200" dirty="0">
+                        <a:solidFill>
+                          <a:schemeClr val="dk1"/>
+                        </a:solidFill>
+                        <a:effectLst/>
+                        <a:latin typeface="+mn-lt"/>
+                        <a:ea typeface="+mn-ea"/>
+                        <a:cs typeface="+mn-cs"/>
+                      </a:endParaRPr>
                     </a:p>
                     <a:p>
                       <a:endParaRPr lang="nl-NL" sz="1600" b="1" dirty="0"/>
@@ -8983,7 +9077,7 @@
                   </a:ext>
                 </a:extLst>
               </a:tr>
-              <a:tr h="1064509">
+              <a:tr h="984873">
                 <a:tc>
                   <a:txBody>
                     <a:bodyPr/>
@@ -9076,7 +9170,7 @@
                   </a:ext>
                 </a:extLst>
               </a:tr>
-              <a:tr h="826186">
+              <a:tr h="753266">
                 <a:tc>
                   <a:txBody>
                     <a:bodyPr/>
@@ -9150,7 +9244,7 @@
                   </a:ext>
                 </a:extLst>
               </a:tr>
-              <a:tr h="826186">
+              <a:tr h="1216480">
                 <a:tc>
                   <a:txBody>
                     <a:bodyPr/>
@@ -9245,7 +9339,7 @@
                   </a:ext>
                 </a:extLst>
               </a:tr>
-              <a:tr h="1064509">
+              <a:tr h="1127281">
                 <a:tc>
                   <a:txBody>
                     <a:bodyPr/>
@@ -9454,7 +9548,7 @@
           <a:p>
             <a:r>
               <a:rPr lang="en-US" dirty="0" err="1"/>
-              <a:t>Cominucatie</a:t>
+              <a:t>communicatie</a:t>
             </a:r>
             <a:r>
               <a:rPr lang="en-US" dirty="0"/>
